--- a/Seminar/Jun-11-Caddy-Nginx.pptx
+++ b/Seminar/Jun-11-Caddy-Nginx.pptx
@@ -5,26 +5,28 @@
     <p:sldMasterId id="2147483738" r:id="rId1"/>
   </p:sldMasterIdLst>
   <p:notesMasterIdLst>
-    <p:notesMasterId r:id="rId19"/>
+    <p:notesMasterId r:id="rId21"/>
   </p:notesMasterIdLst>
   <p:sldIdLst>
     <p:sldId id="256" r:id="rId2"/>
     <p:sldId id="257" r:id="rId3"/>
-    <p:sldId id="258" r:id="rId4"/>
-    <p:sldId id="272" r:id="rId5"/>
-    <p:sldId id="259" r:id="rId6"/>
-    <p:sldId id="273" r:id="rId7"/>
-    <p:sldId id="260" r:id="rId8"/>
-    <p:sldId id="261" r:id="rId9"/>
-    <p:sldId id="262" r:id="rId10"/>
-    <p:sldId id="263" r:id="rId11"/>
-    <p:sldId id="264" r:id="rId12"/>
-    <p:sldId id="265" r:id="rId13"/>
-    <p:sldId id="267" r:id="rId14"/>
-    <p:sldId id="268" r:id="rId15"/>
-    <p:sldId id="269" r:id="rId16"/>
-    <p:sldId id="270" r:id="rId17"/>
-    <p:sldId id="271" r:id="rId18"/>
+    <p:sldId id="274" r:id="rId4"/>
+    <p:sldId id="275" r:id="rId5"/>
+    <p:sldId id="258" r:id="rId6"/>
+    <p:sldId id="272" r:id="rId7"/>
+    <p:sldId id="259" r:id="rId8"/>
+    <p:sldId id="273" r:id="rId9"/>
+    <p:sldId id="260" r:id="rId10"/>
+    <p:sldId id="261" r:id="rId11"/>
+    <p:sldId id="262" r:id="rId12"/>
+    <p:sldId id="263" r:id="rId13"/>
+    <p:sldId id="264" r:id="rId14"/>
+    <p:sldId id="265" r:id="rId15"/>
+    <p:sldId id="267" r:id="rId16"/>
+    <p:sldId id="268" r:id="rId17"/>
+    <p:sldId id="269" r:id="rId18"/>
+    <p:sldId id="270" r:id="rId19"/>
+    <p:sldId id="271" r:id="rId20"/>
   </p:sldIdLst>
   <p:sldSz cx="12192000" cy="6858000"/>
   <p:notesSz cx="6858000" cy="9144000"/>
@@ -3147,6 +3149,13 @@
         </dgm:presLayoutVars>
       </dgm:prSet>
       <dgm:spPr/>
+      <dgm:t>
+        <a:bodyPr/>
+        <a:lstStyle/>
+        <a:p>
+          <a:endParaRPr lang="en-US"/>
+        </a:p>
+      </dgm:t>
     </dgm:pt>
     <dgm:pt modelId="{9E1E957C-3699-D142-BF36-FFEC145D3555}" type="pres">
       <dgm:prSet presAssocID="{291F610B-43D0-EC47-9F55-7054E8BCF651}" presName="root1" presStyleCnt="0"/>
@@ -3159,6 +3168,13 @@
         </dgm:presLayoutVars>
       </dgm:prSet>
       <dgm:spPr/>
+      <dgm:t>
+        <a:bodyPr/>
+        <a:lstStyle/>
+        <a:p>
+          <a:endParaRPr lang="en-US"/>
+        </a:p>
+      </dgm:t>
     </dgm:pt>
     <dgm:pt modelId="{91CED0B3-5374-7F44-A902-B9EEE8CBDB57}" type="pres">
       <dgm:prSet presAssocID="{291F610B-43D0-EC47-9F55-7054E8BCF651}" presName="level2hierChild" presStyleCnt="0"/>
@@ -3167,10 +3183,24 @@
     <dgm:pt modelId="{E2E403E6-499B-AD42-B74C-C997D68A8EF5}" type="pres">
       <dgm:prSet presAssocID="{20FE3248-4C5B-984B-927C-554CD2F30AF7}" presName="conn2-1" presStyleLbl="parChTrans1D2" presStyleIdx="0" presStyleCnt="3"/>
       <dgm:spPr/>
+      <dgm:t>
+        <a:bodyPr/>
+        <a:lstStyle/>
+        <a:p>
+          <a:endParaRPr lang="en-US"/>
+        </a:p>
+      </dgm:t>
     </dgm:pt>
     <dgm:pt modelId="{29F93973-09AA-ED4E-8DAA-292B9DC99D32}" type="pres">
       <dgm:prSet presAssocID="{20FE3248-4C5B-984B-927C-554CD2F30AF7}" presName="connTx" presStyleLbl="parChTrans1D2" presStyleIdx="0" presStyleCnt="3"/>
       <dgm:spPr/>
+      <dgm:t>
+        <a:bodyPr/>
+        <a:lstStyle/>
+        <a:p>
+          <a:endParaRPr lang="en-US"/>
+        </a:p>
+      </dgm:t>
     </dgm:pt>
     <dgm:pt modelId="{48BB06D2-D410-2049-9940-59675360EC80}" type="pres">
       <dgm:prSet presAssocID="{AE73C2A0-303C-2149-8B54-CAA3ADE3A61E}" presName="root2" presStyleCnt="0"/>
@@ -3198,10 +3228,24 @@
     <dgm:pt modelId="{CE9942CF-7C24-D641-BCF3-CCD402BD99D1}" type="pres">
       <dgm:prSet presAssocID="{DC288A71-76EF-2F4F-842B-A5705E130EB3}" presName="conn2-1" presStyleLbl="parChTrans1D3" presStyleIdx="0" presStyleCnt="4"/>
       <dgm:spPr/>
+      <dgm:t>
+        <a:bodyPr/>
+        <a:lstStyle/>
+        <a:p>
+          <a:endParaRPr lang="en-US"/>
+        </a:p>
+      </dgm:t>
     </dgm:pt>
     <dgm:pt modelId="{180F8849-CE40-D24C-9A39-6C6D63ECDA51}" type="pres">
       <dgm:prSet presAssocID="{DC288A71-76EF-2F4F-842B-A5705E130EB3}" presName="connTx" presStyleLbl="parChTrans1D3" presStyleIdx="0" presStyleCnt="4"/>
       <dgm:spPr/>
+      <dgm:t>
+        <a:bodyPr/>
+        <a:lstStyle/>
+        <a:p>
+          <a:endParaRPr lang="en-US"/>
+        </a:p>
+      </dgm:t>
     </dgm:pt>
     <dgm:pt modelId="{1304A99B-2D20-1C42-8F78-2243B285313B}" type="pres">
       <dgm:prSet presAssocID="{9357FF6C-E1B6-0B41-A994-3C782268C3C3}" presName="root2" presStyleCnt="0"/>
@@ -3229,10 +3273,24 @@
     <dgm:pt modelId="{C475A37D-8845-8440-B89B-199CA1C8D926}" type="pres">
       <dgm:prSet presAssocID="{3E199930-CE42-4446-833F-93D5C3561F7F}" presName="conn2-1" presStyleLbl="parChTrans1D3" presStyleIdx="1" presStyleCnt="4"/>
       <dgm:spPr/>
+      <dgm:t>
+        <a:bodyPr/>
+        <a:lstStyle/>
+        <a:p>
+          <a:endParaRPr lang="en-US"/>
+        </a:p>
+      </dgm:t>
     </dgm:pt>
     <dgm:pt modelId="{0D31365C-0C57-994B-8B63-1329619B4AFD}" type="pres">
       <dgm:prSet presAssocID="{3E199930-CE42-4446-833F-93D5C3561F7F}" presName="connTx" presStyleLbl="parChTrans1D3" presStyleIdx="1" presStyleCnt="4"/>
       <dgm:spPr/>
+      <dgm:t>
+        <a:bodyPr/>
+        <a:lstStyle/>
+        <a:p>
+          <a:endParaRPr lang="en-US"/>
+        </a:p>
+      </dgm:t>
     </dgm:pt>
     <dgm:pt modelId="{BFD19C3B-1494-F948-82D4-F648E6AF6B87}" type="pres">
       <dgm:prSet presAssocID="{DE810D5F-4F4C-9440-8CB6-F893F4EA886E}" presName="root2" presStyleCnt="0"/>
@@ -3260,10 +3318,24 @@
     <dgm:pt modelId="{DE409A8A-8038-5241-91D7-FB66F58E69C4}" type="pres">
       <dgm:prSet presAssocID="{EC8F5E25-2145-6649-AE82-DD0FC125D7A8}" presName="conn2-1" presStyleLbl="parChTrans1D3" presStyleIdx="2" presStyleCnt="4"/>
       <dgm:spPr/>
+      <dgm:t>
+        <a:bodyPr/>
+        <a:lstStyle/>
+        <a:p>
+          <a:endParaRPr lang="en-US"/>
+        </a:p>
+      </dgm:t>
     </dgm:pt>
     <dgm:pt modelId="{E281150D-ED66-844C-8637-83BBE134C11A}" type="pres">
       <dgm:prSet presAssocID="{EC8F5E25-2145-6649-AE82-DD0FC125D7A8}" presName="connTx" presStyleLbl="parChTrans1D3" presStyleIdx="2" presStyleCnt="4"/>
       <dgm:spPr/>
+      <dgm:t>
+        <a:bodyPr/>
+        <a:lstStyle/>
+        <a:p>
+          <a:endParaRPr lang="en-US"/>
+        </a:p>
+      </dgm:t>
     </dgm:pt>
     <dgm:pt modelId="{DA47015B-12A6-D448-B3A7-0D22F198142B}" type="pres">
       <dgm:prSet presAssocID="{054D8BBF-768C-6C4A-B67F-10EB26B22163}" presName="root2" presStyleCnt="0"/>
@@ -3291,10 +3363,24 @@
     <dgm:pt modelId="{E0284566-B626-9249-9A88-24BC1DCED14C}" type="pres">
       <dgm:prSet presAssocID="{9407B893-4D90-104C-8AD2-DE030F9BFE59}" presName="conn2-1" presStyleLbl="parChTrans1D3" presStyleIdx="3" presStyleCnt="4"/>
       <dgm:spPr/>
+      <dgm:t>
+        <a:bodyPr/>
+        <a:lstStyle/>
+        <a:p>
+          <a:endParaRPr lang="en-US"/>
+        </a:p>
+      </dgm:t>
     </dgm:pt>
     <dgm:pt modelId="{F80CDC58-DD91-CE4F-8A01-172CE8F04619}" type="pres">
       <dgm:prSet presAssocID="{9407B893-4D90-104C-8AD2-DE030F9BFE59}" presName="connTx" presStyleLbl="parChTrans1D3" presStyleIdx="3" presStyleCnt="4"/>
       <dgm:spPr/>
+      <dgm:t>
+        <a:bodyPr/>
+        <a:lstStyle/>
+        <a:p>
+          <a:endParaRPr lang="en-US"/>
+        </a:p>
+      </dgm:t>
     </dgm:pt>
     <dgm:pt modelId="{85F3DBCF-76F7-7A44-BE0D-F50A01339B58}" type="pres">
       <dgm:prSet presAssocID="{7E255E04-831E-C340-93CA-BBD76F06AE3B}" presName="root2" presStyleCnt="0"/>
@@ -3322,10 +3408,24 @@
     <dgm:pt modelId="{FE4E5E0D-6C94-474B-93E6-8C0B129EC521}" type="pres">
       <dgm:prSet presAssocID="{AF8CBF46-0453-FE45-ABF2-C4977AA7E851}" presName="conn2-1" presStyleLbl="parChTrans1D2" presStyleIdx="1" presStyleCnt="3"/>
       <dgm:spPr/>
+      <dgm:t>
+        <a:bodyPr/>
+        <a:lstStyle/>
+        <a:p>
+          <a:endParaRPr lang="en-US"/>
+        </a:p>
+      </dgm:t>
     </dgm:pt>
     <dgm:pt modelId="{131F07E9-0508-F446-AEA0-7A63B35768DB}" type="pres">
       <dgm:prSet presAssocID="{AF8CBF46-0453-FE45-ABF2-C4977AA7E851}" presName="connTx" presStyleLbl="parChTrans1D2" presStyleIdx="1" presStyleCnt="3"/>
       <dgm:spPr/>
+      <dgm:t>
+        <a:bodyPr/>
+        <a:lstStyle/>
+        <a:p>
+          <a:endParaRPr lang="en-US"/>
+        </a:p>
+      </dgm:t>
     </dgm:pt>
     <dgm:pt modelId="{E06E3195-3996-4744-910A-07F9D6EE2F56}" type="pres">
       <dgm:prSet presAssocID="{4802B052-F208-F448-8CA6-EBD14A71DBB2}" presName="root2" presStyleCnt="0"/>
@@ -3353,10 +3453,24 @@
     <dgm:pt modelId="{D64104A3-EBED-AE48-9BE3-E95D970329D8}" type="pres">
       <dgm:prSet presAssocID="{FD8670A9-5B61-B84C-83CD-79327E34A8C9}" presName="conn2-1" presStyleLbl="parChTrans1D2" presStyleIdx="2" presStyleCnt="3"/>
       <dgm:spPr/>
+      <dgm:t>
+        <a:bodyPr/>
+        <a:lstStyle/>
+        <a:p>
+          <a:endParaRPr lang="en-US"/>
+        </a:p>
+      </dgm:t>
     </dgm:pt>
     <dgm:pt modelId="{7C565FDE-CD73-A942-9D49-17B79AEB6155}" type="pres">
       <dgm:prSet presAssocID="{FD8670A9-5B61-B84C-83CD-79327E34A8C9}" presName="connTx" presStyleLbl="parChTrans1D2" presStyleIdx="2" presStyleCnt="3"/>
       <dgm:spPr/>
+      <dgm:t>
+        <a:bodyPr/>
+        <a:lstStyle/>
+        <a:p>
+          <a:endParaRPr lang="en-US"/>
+        </a:p>
+      </dgm:t>
     </dgm:pt>
     <dgm:pt modelId="{12A09992-FC60-D84C-882B-D094D770C399}" type="pres">
       <dgm:prSet presAssocID="{626956A8-6BDC-5745-8DC1-178DD82A1953}" presName="root2" presStyleCnt="0"/>
@@ -3383,37 +3497,37 @@
     </dgm:pt>
   </dgm:ptLst>
   <dgm:cxnLst>
+    <dgm:cxn modelId="{939858E4-B6ED-F24F-ACAE-6E26C12AED5D}" type="presOf" srcId="{DC288A71-76EF-2F4F-842B-A5705E130EB3}" destId="{180F8849-CE40-D24C-9A39-6C6D63ECDA51}" srcOrd="1" destOrd="0" presId="urn:microsoft.com/office/officeart/2008/layout/HorizontalMultiLevelHierarchy"/>
+    <dgm:cxn modelId="{2DB0279C-40A8-8E47-A0B2-B4D9CD9D1591}" srcId="{291F610B-43D0-EC47-9F55-7054E8BCF651}" destId="{626956A8-6BDC-5745-8DC1-178DD82A1953}" srcOrd="2" destOrd="0" parTransId="{FD8670A9-5B61-B84C-83CD-79327E34A8C9}" sibTransId="{13793EB3-D359-4941-B757-9B30C40EBCAC}"/>
+    <dgm:cxn modelId="{32940044-78A4-904B-A3BC-0F71CD55EC78}" type="presOf" srcId="{3E199930-CE42-4446-833F-93D5C3561F7F}" destId="{0D31365C-0C57-994B-8B63-1329619B4AFD}" srcOrd="1" destOrd="0" presId="urn:microsoft.com/office/officeart/2008/layout/HorizontalMultiLevelHierarchy"/>
+    <dgm:cxn modelId="{0A2BFB4C-51DE-B744-B058-4FEF3E2313DF}" type="presOf" srcId="{20FE3248-4C5B-984B-927C-554CD2F30AF7}" destId="{E2E403E6-499B-AD42-B74C-C997D68A8EF5}" srcOrd="0" destOrd="0" presId="urn:microsoft.com/office/officeart/2008/layout/HorizontalMultiLevelHierarchy"/>
+    <dgm:cxn modelId="{EA46E0A3-92AD-4347-A102-346B3DFDD38E}" type="presOf" srcId="{4802B052-F208-F448-8CA6-EBD14A71DBB2}" destId="{EDAF720F-EE63-4D4F-8D64-C39158DF4DEE}" srcOrd="0" destOrd="0" presId="urn:microsoft.com/office/officeart/2008/layout/HorizontalMultiLevelHierarchy"/>
+    <dgm:cxn modelId="{FF406E21-345A-8D4A-983F-3BC39FC42981}" type="presOf" srcId="{DE810D5F-4F4C-9440-8CB6-F893F4EA886E}" destId="{3F7D96C7-102C-E84C-BFE6-4E761F451A12}" srcOrd="0" destOrd="0" presId="urn:microsoft.com/office/officeart/2008/layout/HorizontalMultiLevelHierarchy"/>
+    <dgm:cxn modelId="{1CE93DAE-6B7D-3F45-BFD9-EDBFB9E26585}" type="presOf" srcId="{FD8670A9-5B61-B84C-83CD-79327E34A8C9}" destId="{7C565FDE-CD73-A942-9D49-17B79AEB6155}" srcOrd="1" destOrd="0" presId="urn:microsoft.com/office/officeart/2008/layout/HorizontalMultiLevelHierarchy"/>
+    <dgm:cxn modelId="{B43ADC1C-AB38-CA4A-9D18-F7FE3BE38872}" type="presOf" srcId="{20FE3248-4C5B-984B-927C-554CD2F30AF7}" destId="{29F93973-09AA-ED4E-8DAA-292B9DC99D32}" srcOrd="1" destOrd="0" presId="urn:microsoft.com/office/officeart/2008/layout/HorizontalMultiLevelHierarchy"/>
+    <dgm:cxn modelId="{7F65BAF6-B621-F54C-B878-0B44CBB9E76A}" srcId="{AE73C2A0-303C-2149-8B54-CAA3ADE3A61E}" destId="{054D8BBF-768C-6C4A-B67F-10EB26B22163}" srcOrd="2" destOrd="0" parTransId="{EC8F5E25-2145-6649-AE82-DD0FC125D7A8}" sibTransId="{55D3A468-1FBC-C941-80DF-497E3A63D321}"/>
+    <dgm:cxn modelId="{FF215EB1-1733-DD42-BA19-4B08627966E2}" srcId="{AE73C2A0-303C-2149-8B54-CAA3ADE3A61E}" destId="{DE810D5F-4F4C-9440-8CB6-F893F4EA886E}" srcOrd="1" destOrd="0" parTransId="{3E199930-CE42-4446-833F-93D5C3561F7F}" sibTransId="{F3CE997D-AE1D-9E48-B0D3-BDB053DB297A}"/>
+    <dgm:cxn modelId="{F09167B7-D24D-DB47-8271-57709847B730}" type="presOf" srcId="{EC8F5E25-2145-6649-AE82-DD0FC125D7A8}" destId="{DE409A8A-8038-5241-91D7-FB66F58E69C4}" srcOrd="0" destOrd="0" presId="urn:microsoft.com/office/officeart/2008/layout/HorizontalMultiLevelHierarchy"/>
+    <dgm:cxn modelId="{029BE798-68AA-364C-96F8-1FFB49E7F1C1}" type="presOf" srcId="{7E255E04-831E-C340-93CA-BBD76F06AE3B}" destId="{9B133A4D-041B-7942-BC2E-E886EE4AE1EC}" srcOrd="0" destOrd="0" presId="urn:microsoft.com/office/officeart/2008/layout/HorizontalMultiLevelHierarchy"/>
+    <dgm:cxn modelId="{BC24DBB2-CB41-6349-AD5C-4AD50E9D34BA}" type="presOf" srcId="{054D8BBF-768C-6C4A-B67F-10EB26B22163}" destId="{9DFD5ABD-5FF0-B241-B154-BD4A6E1178F4}" srcOrd="0" destOrd="0" presId="urn:microsoft.com/office/officeart/2008/layout/HorizontalMultiLevelHierarchy"/>
+    <dgm:cxn modelId="{582883EE-2A74-6545-BCB4-37B844203D92}" srcId="{CD37FF82-E306-B042-A598-92D07F218481}" destId="{291F610B-43D0-EC47-9F55-7054E8BCF651}" srcOrd="0" destOrd="0" parTransId="{D8940ECE-97B4-4648-827B-444790518797}" sibTransId="{F6AA7BB3-7725-DA4D-A813-6368C1543CE3}"/>
+    <dgm:cxn modelId="{2DBE2978-6140-444A-8316-9A7E13EA1C9F}" type="presOf" srcId="{CD37FF82-E306-B042-A598-92D07F218481}" destId="{C25D209F-D628-8E49-8ACA-6910A22ACF3C}" srcOrd="0" destOrd="0" presId="urn:microsoft.com/office/officeart/2008/layout/HorizontalMultiLevelHierarchy"/>
+    <dgm:cxn modelId="{0B7B04C5-FA87-0F44-821D-FA21C10F4F8F}" type="presOf" srcId="{FD8670A9-5B61-B84C-83CD-79327E34A8C9}" destId="{D64104A3-EBED-AE48-9BE3-E95D970329D8}" srcOrd="0" destOrd="0" presId="urn:microsoft.com/office/officeart/2008/layout/HorizontalMultiLevelHierarchy"/>
+    <dgm:cxn modelId="{A0A21DEA-D7E1-3747-B1E7-CBCE0BBD6A25}" type="presOf" srcId="{DC288A71-76EF-2F4F-842B-A5705E130EB3}" destId="{CE9942CF-7C24-D641-BCF3-CCD402BD99D1}" srcOrd="0" destOrd="0" presId="urn:microsoft.com/office/officeart/2008/layout/HorizontalMultiLevelHierarchy"/>
+    <dgm:cxn modelId="{C2C1267E-C032-F546-B3CE-5B8C1DA9A174}" type="presOf" srcId="{9357FF6C-E1B6-0B41-A994-3C782268C3C3}" destId="{E5CC1C94-C098-E242-AF2D-E40BE1CBFE9A}" srcOrd="0" destOrd="0" presId="urn:microsoft.com/office/officeart/2008/layout/HorizontalMultiLevelHierarchy"/>
+    <dgm:cxn modelId="{66C6C63B-4555-B44F-A659-19E4DE7BA48E}" type="presOf" srcId="{EC8F5E25-2145-6649-AE82-DD0FC125D7A8}" destId="{E281150D-ED66-844C-8637-83BBE134C11A}" srcOrd="1" destOrd="0" presId="urn:microsoft.com/office/officeart/2008/layout/HorizontalMultiLevelHierarchy"/>
+    <dgm:cxn modelId="{FB846B4A-2C7A-0C44-A58E-4E389202390A}" srcId="{AE73C2A0-303C-2149-8B54-CAA3ADE3A61E}" destId="{7E255E04-831E-C340-93CA-BBD76F06AE3B}" srcOrd="3" destOrd="0" parTransId="{9407B893-4D90-104C-8AD2-DE030F9BFE59}" sibTransId="{001E94FE-2065-4D4F-B59F-DBA34E3D733E}"/>
+    <dgm:cxn modelId="{9C7D3ABE-A837-AD49-AE4B-4E9D25590E8A}" type="presOf" srcId="{AE73C2A0-303C-2149-8B54-CAA3ADE3A61E}" destId="{6E65ED02-2A0A-4A4B-BD1D-E18C825D4F4B}" srcOrd="0" destOrd="0" presId="urn:microsoft.com/office/officeart/2008/layout/HorizontalMultiLevelHierarchy"/>
+    <dgm:cxn modelId="{86D972CF-A93E-8342-BDB7-39AFADFAD6BA}" type="presOf" srcId="{626956A8-6BDC-5745-8DC1-178DD82A1953}" destId="{922C240F-0F61-7942-BEA4-5F63EC3B48C5}" srcOrd="0" destOrd="0" presId="urn:microsoft.com/office/officeart/2008/layout/HorizontalMultiLevelHierarchy"/>
     <dgm:cxn modelId="{72734EAD-F334-C541-833A-0DCD70CED607}" type="presOf" srcId="{AF8CBF46-0453-FE45-ABF2-C4977AA7E851}" destId="{FE4E5E0D-6C94-474B-93E6-8C0B129EC521}" srcOrd="0" destOrd="0" presId="urn:microsoft.com/office/officeart/2008/layout/HorizontalMultiLevelHierarchy"/>
-    <dgm:cxn modelId="{2DBE2978-6140-444A-8316-9A7E13EA1C9F}" type="presOf" srcId="{CD37FF82-E306-B042-A598-92D07F218481}" destId="{C25D209F-D628-8E49-8ACA-6910A22ACF3C}" srcOrd="0" destOrd="0" presId="urn:microsoft.com/office/officeart/2008/layout/HorizontalMultiLevelHierarchy"/>
-    <dgm:cxn modelId="{FB846B4A-2C7A-0C44-A58E-4E389202390A}" srcId="{AE73C2A0-303C-2149-8B54-CAA3ADE3A61E}" destId="{7E255E04-831E-C340-93CA-BBD76F06AE3B}" srcOrd="3" destOrd="0" parTransId="{9407B893-4D90-104C-8AD2-DE030F9BFE59}" sibTransId="{001E94FE-2065-4D4F-B59F-DBA34E3D733E}"/>
-    <dgm:cxn modelId="{A0A21DEA-D7E1-3747-B1E7-CBCE0BBD6A25}" type="presOf" srcId="{DC288A71-76EF-2F4F-842B-A5705E130EB3}" destId="{CE9942CF-7C24-D641-BCF3-CCD402BD99D1}" srcOrd="0" destOrd="0" presId="urn:microsoft.com/office/officeart/2008/layout/HorizontalMultiLevelHierarchy"/>
-    <dgm:cxn modelId="{32940044-78A4-904B-A3BC-0F71CD55EC78}" type="presOf" srcId="{3E199930-CE42-4446-833F-93D5C3561F7F}" destId="{0D31365C-0C57-994B-8B63-1329619B4AFD}" srcOrd="1" destOrd="0" presId="urn:microsoft.com/office/officeart/2008/layout/HorizontalMultiLevelHierarchy"/>
     <dgm:cxn modelId="{FD176231-BF3D-7C4B-AD09-AB5D0504B394}" type="presOf" srcId="{291F610B-43D0-EC47-9F55-7054E8BCF651}" destId="{26BB1B9B-8821-CB46-9653-FD6C8E5C29BD}" srcOrd="0" destOrd="0" presId="urn:microsoft.com/office/officeart/2008/layout/HorizontalMultiLevelHierarchy"/>
-    <dgm:cxn modelId="{0A2BFB4C-51DE-B744-B058-4FEF3E2313DF}" type="presOf" srcId="{20FE3248-4C5B-984B-927C-554CD2F30AF7}" destId="{E2E403E6-499B-AD42-B74C-C997D68A8EF5}" srcOrd="0" destOrd="0" presId="urn:microsoft.com/office/officeart/2008/layout/HorizontalMultiLevelHierarchy"/>
-    <dgm:cxn modelId="{86D972CF-A93E-8342-BDB7-39AFADFAD6BA}" type="presOf" srcId="{626956A8-6BDC-5745-8DC1-178DD82A1953}" destId="{922C240F-0F61-7942-BEA4-5F63EC3B48C5}" srcOrd="0" destOrd="0" presId="urn:microsoft.com/office/officeart/2008/layout/HorizontalMultiLevelHierarchy"/>
-    <dgm:cxn modelId="{029BE798-68AA-364C-96F8-1FFB49E7F1C1}" type="presOf" srcId="{7E255E04-831E-C340-93CA-BBD76F06AE3B}" destId="{9B133A4D-041B-7942-BC2E-E886EE4AE1EC}" srcOrd="0" destOrd="0" presId="urn:microsoft.com/office/officeart/2008/layout/HorizontalMultiLevelHierarchy"/>
-    <dgm:cxn modelId="{582883EE-2A74-6545-BCB4-37B844203D92}" srcId="{CD37FF82-E306-B042-A598-92D07F218481}" destId="{291F610B-43D0-EC47-9F55-7054E8BCF651}" srcOrd="0" destOrd="0" parTransId="{D8940ECE-97B4-4648-827B-444790518797}" sibTransId="{F6AA7BB3-7725-DA4D-A813-6368C1543CE3}"/>
-    <dgm:cxn modelId="{F09167B7-D24D-DB47-8271-57709847B730}" type="presOf" srcId="{EC8F5E25-2145-6649-AE82-DD0FC125D7A8}" destId="{DE409A8A-8038-5241-91D7-FB66F58E69C4}" srcOrd="0" destOrd="0" presId="urn:microsoft.com/office/officeart/2008/layout/HorizontalMultiLevelHierarchy"/>
-    <dgm:cxn modelId="{1CE93DAE-6B7D-3F45-BFD9-EDBFB9E26585}" type="presOf" srcId="{FD8670A9-5B61-B84C-83CD-79327E34A8C9}" destId="{7C565FDE-CD73-A942-9D49-17B79AEB6155}" srcOrd="1" destOrd="0" presId="urn:microsoft.com/office/officeart/2008/layout/HorizontalMultiLevelHierarchy"/>
+    <dgm:cxn modelId="{C3222AB8-A03D-D048-BF39-ECFE46B74BDB}" srcId="{291F610B-43D0-EC47-9F55-7054E8BCF651}" destId="{AE73C2A0-303C-2149-8B54-CAA3ADE3A61E}" srcOrd="0" destOrd="0" parTransId="{20FE3248-4C5B-984B-927C-554CD2F30AF7}" sibTransId="{29C6ECC9-6AAA-D049-A4F2-B9EF54F217DA}"/>
+    <dgm:cxn modelId="{73A4529E-79C9-0B40-856C-158F5529C221}" srcId="{291F610B-43D0-EC47-9F55-7054E8BCF651}" destId="{4802B052-F208-F448-8CA6-EBD14A71DBB2}" srcOrd="1" destOrd="0" parTransId="{AF8CBF46-0453-FE45-ABF2-C4977AA7E851}" sibTransId="{71823072-ED5C-3C4E-819D-71A58DBD6027}"/>
     <dgm:cxn modelId="{FD59471B-4C04-2C49-999E-20E797B75589}" type="presOf" srcId="{3E199930-CE42-4446-833F-93D5C3561F7F}" destId="{C475A37D-8845-8440-B89B-199CA1C8D926}" srcOrd="0" destOrd="0" presId="urn:microsoft.com/office/officeart/2008/layout/HorizontalMultiLevelHierarchy"/>
-    <dgm:cxn modelId="{BC24DBB2-CB41-6349-AD5C-4AD50E9D34BA}" type="presOf" srcId="{054D8BBF-768C-6C4A-B67F-10EB26B22163}" destId="{9DFD5ABD-5FF0-B241-B154-BD4A6E1178F4}" srcOrd="0" destOrd="0" presId="urn:microsoft.com/office/officeart/2008/layout/HorizontalMultiLevelHierarchy"/>
-    <dgm:cxn modelId="{9C7D3ABE-A837-AD49-AE4B-4E9D25590E8A}" type="presOf" srcId="{AE73C2A0-303C-2149-8B54-CAA3ADE3A61E}" destId="{6E65ED02-2A0A-4A4B-BD1D-E18C825D4F4B}" srcOrd="0" destOrd="0" presId="urn:microsoft.com/office/officeart/2008/layout/HorizontalMultiLevelHierarchy"/>
-    <dgm:cxn modelId="{66C6C63B-4555-B44F-A659-19E4DE7BA48E}" type="presOf" srcId="{EC8F5E25-2145-6649-AE82-DD0FC125D7A8}" destId="{E281150D-ED66-844C-8637-83BBE134C11A}" srcOrd="1" destOrd="0" presId="urn:microsoft.com/office/officeart/2008/layout/HorizontalMultiLevelHierarchy"/>
-    <dgm:cxn modelId="{FF406E21-345A-8D4A-983F-3BC39FC42981}" type="presOf" srcId="{DE810D5F-4F4C-9440-8CB6-F893F4EA886E}" destId="{3F7D96C7-102C-E84C-BFE6-4E761F451A12}" srcOrd="0" destOrd="0" presId="urn:microsoft.com/office/officeart/2008/layout/HorizontalMultiLevelHierarchy"/>
-    <dgm:cxn modelId="{FF215EB1-1733-DD42-BA19-4B08627966E2}" srcId="{AE73C2A0-303C-2149-8B54-CAA3ADE3A61E}" destId="{DE810D5F-4F4C-9440-8CB6-F893F4EA886E}" srcOrd="1" destOrd="0" parTransId="{3E199930-CE42-4446-833F-93D5C3561F7F}" sibTransId="{F3CE997D-AE1D-9E48-B0D3-BDB053DB297A}"/>
+    <dgm:cxn modelId="{343C8AE7-CD3D-B64D-959C-8B970C9286FD}" type="presOf" srcId="{9407B893-4D90-104C-8AD2-DE030F9BFE59}" destId="{E0284566-B626-9249-9A88-24BC1DCED14C}" srcOrd="0" destOrd="0" presId="urn:microsoft.com/office/officeart/2008/layout/HorizontalMultiLevelHierarchy"/>
+    <dgm:cxn modelId="{BC39ECD3-68C6-5145-B53B-327BD5166D8D}" type="presOf" srcId="{9407B893-4D90-104C-8AD2-DE030F9BFE59}" destId="{F80CDC58-DD91-CE4F-8A01-172CE8F04619}" srcOrd="1" destOrd="0" presId="urn:microsoft.com/office/officeart/2008/layout/HorizontalMultiLevelHierarchy"/>
     <dgm:cxn modelId="{FF88F1CD-54D6-9E41-84BC-9073163E51E7}" srcId="{AE73C2A0-303C-2149-8B54-CAA3ADE3A61E}" destId="{9357FF6C-E1B6-0B41-A994-3C782268C3C3}" srcOrd="0" destOrd="0" parTransId="{DC288A71-76EF-2F4F-842B-A5705E130EB3}" sibTransId="{F58700A7-6913-F042-A409-A6BE6722FF81}"/>
-    <dgm:cxn modelId="{7F65BAF6-B621-F54C-B878-0B44CBB9E76A}" srcId="{AE73C2A0-303C-2149-8B54-CAA3ADE3A61E}" destId="{054D8BBF-768C-6C4A-B67F-10EB26B22163}" srcOrd="2" destOrd="0" parTransId="{EC8F5E25-2145-6649-AE82-DD0FC125D7A8}" sibTransId="{55D3A468-1FBC-C941-80DF-497E3A63D321}"/>
-    <dgm:cxn modelId="{BC39ECD3-68C6-5145-B53B-327BD5166D8D}" type="presOf" srcId="{9407B893-4D90-104C-8AD2-DE030F9BFE59}" destId="{F80CDC58-DD91-CE4F-8A01-172CE8F04619}" srcOrd="1" destOrd="0" presId="urn:microsoft.com/office/officeart/2008/layout/HorizontalMultiLevelHierarchy"/>
-    <dgm:cxn modelId="{73A4529E-79C9-0B40-856C-158F5529C221}" srcId="{291F610B-43D0-EC47-9F55-7054E8BCF651}" destId="{4802B052-F208-F448-8CA6-EBD14A71DBB2}" srcOrd="1" destOrd="0" parTransId="{AF8CBF46-0453-FE45-ABF2-C4977AA7E851}" sibTransId="{71823072-ED5C-3C4E-819D-71A58DBD6027}"/>
-    <dgm:cxn modelId="{C2C1267E-C032-F546-B3CE-5B8C1DA9A174}" type="presOf" srcId="{9357FF6C-E1B6-0B41-A994-3C782268C3C3}" destId="{E5CC1C94-C098-E242-AF2D-E40BE1CBFE9A}" srcOrd="0" destOrd="0" presId="urn:microsoft.com/office/officeart/2008/layout/HorizontalMultiLevelHierarchy"/>
-    <dgm:cxn modelId="{EA46E0A3-92AD-4347-A102-346B3DFDD38E}" type="presOf" srcId="{4802B052-F208-F448-8CA6-EBD14A71DBB2}" destId="{EDAF720F-EE63-4D4F-8D64-C39158DF4DEE}" srcOrd="0" destOrd="0" presId="urn:microsoft.com/office/officeart/2008/layout/HorizontalMultiLevelHierarchy"/>
-    <dgm:cxn modelId="{0B7B04C5-FA87-0F44-821D-FA21C10F4F8F}" type="presOf" srcId="{FD8670A9-5B61-B84C-83CD-79327E34A8C9}" destId="{D64104A3-EBED-AE48-9BE3-E95D970329D8}" srcOrd="0" destOrd="0" presId="urn:microsoft.com/office/officeart/2008/layout/HorizontalMultiLevelHierarchy"/>
-    <dgm:cxn modelId="{2DB0279C-40A8-8E47-A0B2-B4D9CD9D1591}" srcId="{291F610B-43D0-EC47-9F55-7054E8BCF651}" destId="{626956A8-6BDC-5745-8DC1-178DD82A1953}" srcOrd="2" destOrd="0" parTransId="{FD8670A9-5B61-B84C-83CD-79327E34A8C9}" sibTransId="{13793EB3-D359-4941-B757-9B30C40EBCAC}"/>
-    <dgm:cxn modelId="{B43ADC1C-AB38-CA4A-9D18-F7FE3BE38872}" type="presOf" srcId="{20FE3248-4C5B-984B-927C-554CD2F30AF7}" destId="{29F93973-09AA-ED4E-8DAA-292B9DC99D32}" srcOrd="1" destOrd="0" presId="urn:microsoft.com/office/officeart/2008/layout/HorizontalMultiLevelHierarchy"/>
     <dgm:cxn modelId="{AB024FA5-283E-FD4F-8075-52FF9955E3A5}" type="presOf" srcId="{AF8CBF46-0453-FE45-ABF2-C4977AA7E851}" destId="{131F07E9-0508-F446-AEA0-7A63B35768DB}" srcOrd="1" destOrd="0" presId="urn:microsoft.com/office/officeart/2008/layout/HorizontalMultiLevelHierarchy"/>
-    <dgm:cxn modelId="{343C8AE7-CD3D-B64D-959C-8B970C9286FD}" type="presOf" srcId="{9407B893-4D90-104C-8AD2-DE030F9BFE59}" destId="{E0284566-B626-9249-9A88-24BC1DCED14C}" srcOrd="0" destOrd="0" presId="urn:microsoft.com/office/officeart/2008/layout/HorizontalMultiLevelHierarchy"/>
-    <dgm:cxn modelId="{C3222AB8-A03D-D048-BF39-ECFE46B74BDB}" srcId="{291F610B-43D0-EC47-9F55-7054E8BCF651}" destId="{AE73C2A0-303C-2149-8B54-CAA3ADE3A61E}" srcOrd="0" destOrd="0" parTransId="{20FE3248-4C5B-984B-927C-554CD2F30AF7}" sibTransId="{29C6ECC9-6AAA-D049-A4F2-B9EF54F217DA}"/>
-    <dgm:cxn modelId="{939858E4-B6ED-F24F-ACAE-6E26C12AED5D}" type="presOf" srcId="{DC288A71-76EF-2F4F-842B-A5705E130EB3}" destId="{180F8849-CE40-D24C-9A39-6C6D63ECDA51}" srcOrd="1" destOrd="0" presId="urn:microsoft.com/office/officeart/2008/layout/HorizontalMultiLevelHierarchy"/>
     <dgm:cxn modelId="{7051A5A3-C239-4142-93FF-0095D2B4FC76}" type="presParOf" srcId="{C25D209F-D628-8E49-8ACA-6910A22ACF3C}" destId="{9E1E957C-3699-D142-BF36-FFEC145D3555}" srcOrd="0" destOrd="0" presId="urn:microsoft.com/office/officeart/2008/layout/HorizontalMultiLevelHierarchy"/>
     <dgm:cxn modelId="{19724CAE-B381-B54B-B8E0-825D923FA764}" type="presParOf" srcId="{9E1E957C-3699-D142-BF36-FFEC145D3555}" destId="{26BB1B9B-8821-CB46-9653-FD6C8E5C29BD}" srcOrd="0" destOrd="0" presId="urn:microsoft.com/office/officeart/2008/layout/HorizontalMultiLevelHierarchy"/>
     <dgm:cxn modelId="{159F9E54-B688-B24A-9845-5D848A2BBEFD}" type="presParOf" srcId="{9E1E957C-3699-D142-BF36-FFEC145D3555}" destId="{91CED0B3-5374-7F44-A902-B9EEE8CBDB57}" srcOrd="1" destOrd="0" presId="urn:microsoft.com/office/officeart/2008/layout/HorizontalMultiLevelHierarchy"/>
@@ -9227,7 +9341,7 @@
           <a:p>
             <a:fld id="{97948D09-7203-704B-8CAB-FD0E62EB0263}" type="datetimeFigureOut">
               <a:rPr lang="en-US" smtClean="0"/>
-              <a:t>6/11/16</a:t>
+              <a:t>6/19/16</a:t>
             </a:fld>
             <a:endParaRPr lang="en-US"/>
           </a:p>
@@ -9644,7 +9758,7 @@
           <a:p>
             <a:fld id="{2D23A6C0-EBF9-C74F-BFBD-EA76FFDACC22}" type="slidenum">
               <a:rPr lang="en-US" smtClean="0"/>
-              <a:t>3</a:t>
+              <a:t>5</a:t>
             </a:fld>
             <a:endParaRPr lang="en-US"/>
           </a:p>
@@ -9728,7 +9842,7 @@
           <a:p>
             <a:fld id="{2D23A6C0-EBF9-C74F-BFBD-EA76FFDACC22}" type="slidenum">
               <a:rPr lang="en-US" smtClean="0"/>
-              <a:t>4</a:t>
+              <a:t>6</a:t>
             </a:fld>
             <a:endParaRPr lang="en-US"/>
           </a:p>
@@ -9812,7 +9926,7 @@
           <a:p>
             <a:fld id="{2D23A6C0-EBF9-C74F-BFBD-EA76FFDACC22}" type="slidenum">
               <a:rPr lang="en-US" smtClean="0"/>
-              <a:t>6</a:t>
+              <a:t>8</a:t>
             </a:fld>
             <a:endParaRPr lang="en-US"/>
           </a:p>
@@ -9896,7 +10010,7 @@
           <a:p>
             <a:fld id="{2D23A6C0-EBF9-C74F-BFBD-EA76FFDACC22}" type="slidenum">
               <a:rPr lang="en-US" smtClean="0"/>
-              <a:t>11</a:t>
+              <a:t>13</a:t>
             </a:fld>
             <a:endParaRPr lang="en-US"/>
           </a:p>
@@ -9980,7 +10094,7 @@
           <a:p>
             <a:fld id="{2D23A6C0-EBF9-C74F-BFBD-EA76FFDACC22}" type="slidenum">
               <a:rPr lang="en-US" smtClean="0"/>
-              <a:t>13</a:t>
+              <a:t>15</a:t>
             </a:fld>
             <a:endParaRPr lang="en-US"/>
           </a:p>
@@ -10064,7 +10178,7 @@
           <a:p>
             <a:fld id="{2D23A6C0-EBF9-C74F-BFBD-EA76FFDACC22}" type="slidenum">
               <a:rPr lang="en-US" smtClean="0"/>
-              <a:t>17</a:t>
+              <a:t>19</a:t>
             </a:fld>
             <a:endParaRPr lang="en-US"/>
           </a:p>
@@ -10450,7 +10564,7 @@
           <a:p>
             <a:fld id="{BB02557A-7053-4340-A874-8AB926A8EDA1}" type="datetimeFigureOut">
               <a:rPr lang="en-US" smtClean="0"/>
-              <a:t>6/11/16</a:t>
+              <a:t>6/19/16</a:t>
             </a:fld>
             <a:endParaRPr lang="en-US" dirty="0"/>
           </a:p>
@@ -10698,7 +10812,7 @@
           <a:p>
             <a:fld id="{BB02557A-7053-4340-A874-8AB926A8EDA1}" type="datetimeFigureOut">
               <a:rPr lang="en-US" smtClean="0"/>
-              <a:t>6/11/16</a:t>
+              <a:t>6/19/16</a:t>
             </a:fld>
             <a:endParaRPr lang="en-US" dirty="0"/>
           </a:p>
@@ -11084,7 +11198,7 @@
           <a:p>
             <a:fld id="{BB02557A-7053-4340-A874-8AB926A8EDA1}" type="datetimeFigureOut">
               <a:rPr lang="en-US" smtClean="0"/>
-              <a:t>6/11/16</a:t>
+              <a:t>6/19/16</a:t>
             </a:fld>
             <a:endParaRPr lang="en-US" dirty="0"/>
           </a:p>
@@ -11314,7 +11428,7 @@
           <a:p>
             <a:fld id="{BB02557A-7053-4340-A874-8AB926A8EDA1}" type="datetimeFigureOut">
               <a:rPr lang="en-US" smtClean="0"/>
-              <a:t>6/11/16</a:t>
+              <a:t>6/19/16</a:t>
             </a:fld>
             <a:endParaRPr lang="en-US" dirty="0"/>
           </a:p>
@@ -11806,7 +11920,7 @@
             <a:fld id="{BB02557A-7053-4340-A874-8AB926A8EDA1}" type="datetimeFigureOut">
               <a:rPr lang="en-US" smtClean="0"/>
               <a:pPr/>
-              <a:t>6/11/16</a:t>
+              <a:t>6/19/16</a:t>
             </a:fld>
             <a:endParaRPr lang="en-US" dirty="0"/>
           </a:p>
@@ -12117,7 +12231,7 @@
           <a:p>
             <a:fld id="{BB02557A-7053-4340-A874-8AB926A8EDA1}" type="datetimeFigureOut">
               <a:rPr lang="en-US" smtClean="0"/>
-              <a:t>6/11/16</a:t>
+              <a:t>6/19/16</a:t>
             </a:fld>
             <a:endParaRPr lang="en-US" dirty="0"/>
           </a:p>
@@ -12508,7 +12622,7 @@
           <a:p>
             <a:fld id="{BB02557A-7053-4340-A874-8AB926A8EDA1}" type="datetimeFigureOut">
               <a:rPr lang="en-US" smtClean="0"/>
-              <a:t>6/11/16</a:t>
+              <a:t>6/19/16</a:t>
             </a:fld>
             <a:endParaRPr lang="en-US" dirty="0"/>
           </a:p>
@@ -12626,7 +12740,7 @@
           <a:p>
             <a:fld id="{BB02557A-7053-4340-A874-8AB926A8EDA1}" type="datetimeFigureOut">
               <a:rPr lang="en-US" smtClean="0"/>
-              <a:t>6/11/16</a:t>
+              <a:t>6/19/16</a:t>
             </a:fld>
             <a:endParaRPr lang="en-US" dirty="0"/>
           </a:p>
@@ -12721,7 +12835,7 @@
           <a:p>
             <a:fld id="{BB02557A-7053-4340-A874-8AB926A8EDA1}" type="datetimeFigureOut">
               <a:rPr lang="en-US" smtClean="0"/>
-              <a:t>6/11/16</a:t>
+              <a:t>6/19/16</a:t>
             </a:fld>
             <a:endParaRPr lang="en-US" dirty="0"/>
           </a:p>
@@ -13027,7 +13141,7 @@
             <a:fld id="{BB02557A-7053-4340-A874-8AB926A8EDA1}" type="datetimeFigureOut">
               <a:rPr lang="en-US" smtClean="0"/>
               <a:pPr/>
-              <a:t>6/11/16</a:t>
+              <a:t>6/19/16</a:t>
             </a:fld>
             <a:endParaRPr lang="en-US" dirty="0"/>
           </a:p>
@@ -13299,7 +13413,7 @@
             <a:fld id="{BB02557A-7053-4340-A874-8AB926A8EDA1}" type="datetimeFigureOut">
               <a:rPr lang="en-US" smtClean="0"/>
               <a:pPr/>
-              <a:t>6/11/16</a:t>
+              <a:t>6/19/16</a:t>
             </a:fld>
             <a:endParaRPr lang="en-US" dirty="0"/>
           </a:p>
@@ -13719,7 +13833,7 @@
             <a:fld id="{BB02557A-7053-4340-A874-8AB926A8EDA1}" type="datetimeFigureOut">
               <a:rPr lang="en-US" smtClean="0"/>
               <a:pPr/>
-              <a:t>6/11/16</a:t>
+              <a:t>6/19/16</a:t>
             </a:fld>
             <a:endParaRPr lang="en-US" dirty="0"/>
           </a:p>
@@ -14433,14 +14547,44 @@
       </p:grpSpPr>
       <p:sp>
         <p:nvSpPr>
-          <p:cNvPr id="2" name="Rectangle 1"/>
+          <p:cNvPr id="2" name="TextBox 1"/>
+          <p:cNvSpPr txBox="1"/>
+          <p:nvPr/>
+        </p:nvSpPr>
+        <p:spPr>
+          <a:xfrm>
+            <a:off x="278296" y="258417"/>
+            <a:ext cx="5367130" cy="769441"/>
+          </a:xfrm>
+          <a:prstGeom prst="rect">
+            <a:avLst/>
+          </a:prstGeom>
+          <a:noFill/>
+        </p:spPr>
+        <p:txBody>
+          <a:bodyPr wrap="square" rtlCol="0">
+            <a:spAutoFit/>
+          </a:bodyPr>
+          <a:lstStyle/>
+          <a:p>
+            <a:r>
+              <a:rPr lang="en-US" sz="4400" b="1" dirty="0" smtClean="0"/>
+              <a:t>Template</a:t>
+            </a:r>
+            <a:endParaRPr lang="en-US" sz="4400" b="1" dirty="0"/>
+          </a:p>
+        </p:txBody>
+      </p:sp>
+      <p:sp>
+        <p:nvSpPr>
+          <p:cNvPr id="3" name="Rectangle 2"/>
           <p:cNvSpPr/>
           <p:nvPr/>
         </p:nvSpPr>
         <p:spPr>
           <a:xfrm>
-            <a:off x="404190" y="264541"/>
-            <a:ext cx="11642035" cy="2554545"/>
+            <a:off x="278296" y="1027858"/>
+            <a:ext cx="10396330" cy="3785652"/>
           </a:xfrm>
           <a:prstGeom prst="rect">
             <a:avLst/>
@@ -14453,50 +14597,138 @@
           <a:lstStyle/>
           <a:p>
             <a:r>
-              <a:rPr lang="en-US" sz="4800" b="1" dirty="0" smtClean="0"/>
-              <a:t>Markdown</a:t>
-            </a:r>
-            <a:endParaRPr lang="en-US" sz="2800" b="1" dirty="0"/>
-          </a:p>
-          <a:p>
-            <a:r>
-              <a:rPr lang="en-US" sz="2800" dirty="0">
-                <a:solidFill>
-                  <a:srgbClr val="0070C0"/>
-                </a:solidFill>
-              </a:rPr>
-              <a:t>markdown serves </a:t>
-            </a:r>
-            <a:r>
-              <a:rPr lang="en-US" sz="2800" dirty="0">
-                <a:solidFill>
-                  <a:srgbClr val="0070C0"/>
-                </a:solidFill>
+              <a:rPr lang="en-US" sz="2400" b="1" dirty="0"/>
+              <a:t>Include another file:</a:t>
+            </a:r>
+            <a:endParaRPr lang="en-US" sz="2400" dirty="0"/>
+          </a:p>
+          <a:p>
+            <a:r>
+              <a:rPr lang="en-US" sz="2400" dirty="0"/>
+              <a:t>{{.Include "path/to/</a:t>
+            </a:r>
+            <a:r>
+              <a:rPr lang="en-US" sz="2400" dirty="0" err="1"/>
+              <a:t>file.html</a:t>
+            </a:r>
+            <a:r>
+              <a:rPr lang="en-US" sz="2400" dirty="0"/>
+              <a:t>"}} </a:t>
+            </a:r>
+            <a:endParaRPr lang="en-US" sz="2400" dirty="0" smtClean="0"/>
+          </a:p>
+          <a:p>
+            <a:r>
+              <a:rPr lang="en-US" sz="2400" b="1" dirty="0" smtClean="0"/>
+              <a:t>Include </a:t>
+            </a:r>
+            <a:r>
+              <a:rPr lang="en-US" sz="2400" b="1" dirty="0"/>
+              <a:t>and render a Markdown </a:t>
+            </a:r>
+            <a:r>
+              <a:rPr lang="en-US" sz="2400" b="1" dirty="0" smtClean="0"/>
+              <a:t>file</a:t>
+            </a:r>
+          </a:p>
+          <a:p>
+            <a:r>
+              <a:rPr lang="en-US" sz="2400" dirty="0" smtClean="0"/>
+              <a:t>{{.</a:t>
+            </a:r>
+            <a:r>
+              <a:rPr lang="en-US" sz="2400" dirty="0"/>
+              <a:t>Markdown "path/to/</a:t>
+            </a:r>
+            <a:r>
+              <a:rPr lang="en-US" sz="2400" dirty="0" err="1"/>
+              <a:t>file.md</a:t>
+            </a:r>
+            <a:r>
+              <a:rPr lang="en-US" sz="2400" dirty="0"/>
+              <a:t>"}} </a:t>
+            </a:r>
+            <a:endParaRPr lang="en-US" sz="2400" dirty="0" smtClean="0"/>
+          </a:p>
+          <a:p>
+            <a:r>
+              <a:rPr lang="en-US" sz="2400" b="1" dirty="0" smtClean="0"/>
+              <a:t>Show </a:t>
+            </a:r>
+            <a:r>
+              <a:rPr lang="en-US" sz="2400" b="1" dirty="0"/>
+              <a:t>current timestamp:</a:t>
+            </a:r>
+            <a:r>
+              <a:rPr lang="en-US" sz="2400" dirty="0"/>
+              <a:t> (</a:t>
+            </a:r>
+            <a:r>
+              <a:rPr lang="en-US" sz="2400" dirty="0">
                 <a:hlinkClick r:id="rId2"/>
               </a:rPr>
-              <a:t>Markdown</a:t>
-            </a:r>
-            <a:r>
-              <a:rPr lang="en-US" sz="2800" dirty="0">
-                <a:solidFill>
-                  <a:srgbClr val="0070C0"/>
-                </a:solidFill>
-              </a:rPr>
-              <a:t> files as HTML pages on demand, but it can also generate a static site from Markdown so it doesn't have to render on-the-fly. You can specify whole custom templates or just the CSS and JavaScript files to be used on the pages to give them a custom look and behavior.</a:t>
-            </a:r>
+              <a:t>format</a:t>
+            </a:r>
+            <a:r>
+              <a:rPr lang="en-US" sz="2400" dirty="0"/>
+              <a:t>)</a:t>
+            </a:r>
+          </a:p>
+          <a:p>
+            <a:r>
+              <a:rPr lang="en-US" sz="2400" dirty="0"/>
+              <a:t>{{.Now "Monday, 2 Jan 2006"}} </a:t>
+            </a:r>
+            <a:endParaRPr lang="en-US" sz="2400" dirty="0" smtClean="0"/>
+          </a:p>
+          <a:p>
+            <a:r>
+              <a:rPr lang="en-US" sz="2400" b="1" dirty="0" smtClean="0"/>
+              <a:t>Cookie </a:t>
+            </a:r>
+            <a:r>
+              <a:rPr lang="en-US" sz="2400" b="1" dirty="0"/>
+              <a:t>value:</a:t>
+            </a:r>
+            <a:endParaRPr lang="en-US" sz="2400" dirty="0"/>
+          </a:p>
+          <a:p>
+            <a:r>
+              <a:rPr lang="en-US" sz="2400" dirty="0"/>
+              <a:t>{{.Cookie "name"}} </a:t>
+            </a:r>
+            <a:endParaRPr lang="en-US" sz="2400" dirty="0" smtClean="0"/>
+          </a:p>
+          <a:p>
+            <a:r>
+              <a:rPr lang="en-US" sz="2400" b="1" dirty="0" smtClean="0"/>
+              <a:t>Header </a:t>
+            </a:r>
+            <a:r>
+              <a:rPr lang="en-US" sz="2400" b="1" dirty="0"/>
+              <a:t>field value:</a:t>
+            </a:r>
+            <a:endParaRPr lang="en-US" sz="2400" dirty="0"/>
+          </a:p>
+          <a:p>
+            <a:r>
+              <a:rPr lang="en-US" sz="2400" dirty="0"/>
+              <a:t>{{.Header "name"}} </a:t>
+            </a:r>
+            <a:endParaRPr lang="en-US" sz="2400" dirty="0" smtClean="0"/>
           </a:p>
         </p:txBody>
       </p:sp>
       <p:sp>
         <p:nvSpPr>
-          <p:cNvPr id="7" name="Rectangle 6"/>
+          <p:cNvPr id="4" name="Rectangle 3"/>
           <p:cNvSpPr/>
           <p:nvPr/>
         </p:nvSpPr>
         <p:spPr>
           <a:xfrm>
-            <a:off x="404190" y="2819086"/>
-            <a:ext cx="6096000" cy="2308324"/>
+            <a:off x="6937513" y="1027858"/>
+            <a:ext cx="6096000" cy="4524315"/>
           </a:xfrm>
           <a:prstGeom prst="rect">
             <a:avLst/>
@@ -14508,292 +14740,101 @@
           </a:bodyPr>
           <a:lstStyle/>
           <a:p>
-            <a:pPr>
-              <a:spcAft>
-                <a:spcPts val="0"/>
-              </a:spcAft>
-            </a:pPr>
-            <a:r>
-              <a:rPr lang="en-US" dirty="0">
-                <a:latin typeface="Courier New" charset="0"/>
-                <a:ea typeface="Calibri" charset="0"/>
-                <a:cs typeface="Times New Roman" charset="0"/>
-              </a:rPr>
-              <a:t>markdown /blog {</a:t>
-            </a:r>
-            <a:endParaRPr lang="en-US" sz="2800" dirty="0">
-              <a:latin typeface="Calibri" charset="0"/>
-              <a:ea typeface="Calibri" charset="0"/>
-              <a:cs typeface="Times New Roman" charset="0"/>
-            </a:endParaRPr>
-          </a:p>
-          <a:p>
-            <a:pPr>
-              <a:spcAft>
-                <a:spcPts val="0"/>
-              </a:spcAft>
-            </a:pPr>
-            <a:r>
-              <a:rPr lang="en-US" dirty="0">
-                <a:latin typeface="Courier New" charset="0"/>
-                <a:ea typeface="Calibri" charset="0"/>
-                <a:cs typeface="Times New Roman" charset="0"/>
-              </a:rPr>
-              <a:t>	</a:t>
-            </a:r>
-            <a:r>
-              <a:rPr lang="en-US" dirty="0" err="1">
-                <a:latin typeface="Courier New" charset="0"/>
-                <a:ea typeface="Calibri" charset="0"/>
-                <a:cs typeface="Times New Roman" charset="0"/>
-              </a:rPr>
-              <a:t>ext</a:t>
-            </a:r>
-            <a:r>
-              <a:rPr lang="en-US" dirty="0">
-                <a:latin typeface="Courier New" charset="0"/>
-                <a:ea typeface="Calibri" charset="0"/>
-                <a:cs typeface="Times New Roman" charset="0"/>
-              </a:rPr>
-              <a:t> .md .txt</a:t>
-            </a:r>
-            <a:endParaRPr lang="en-US" sz="2800" dirty="0">
-              <a:latin typeface="Calibri" charset="0"/>
-              <a:ea typeface="Calibri" charset="0"/>
-              <a:cs typeface="Times New Roman" charset="0"/>
-            </a:endParaRPr>
-          </a:p>
-          <a:p>
-            <a:pPr>
-              <a:spcAft>
-                <a:spcPts val="0"/>
-              </a:spcAft>
-            </a:pPr>
-            <a:r>
-              <a:rPr lang="en-US" dirty="0">
-                <a:latin typeface="Courier New" charset="0"/>
-                <a:ea typeface="Calibri" charset="0"/>
-                <a:cs typeface="Times New Roman" charset="0"/>
-              </a:rPr>
-              <a:t>	</a:t>
-            </a:r>
-            <a:r>
-              <a:rPr lang="en-US" dirty="0" err="1">
-                <a:latin typeface="Courier New" charset="0"/>
-                <a:ea typeface="Calibri" charset="0"/>
-                <a:cs typeface="Times New Roman" charset="0"/>
-              </a:rPr>
-              <a:t>css</a:t>
-            </a:r>
-            <a:r>
-              <a:rPr lang="en-US" dirty="0">
-                <a:latin typeface="Courier New" charset="0"/>
-                <a:ea typeface="Calibri" charset="0"/>
-                <a:cs typeface="Times New Roman" charset="0"/>
-              </a:rPr>
-              <a:t> /resources/</a:t>
-            </a:r>
-            <a:r>
-              <a:rPr lang="en-US" dirty="0" err="1">
-                <a:latin typeface="Courier New" charset="0"/>
-                <a:ea typeface="Calibri" charset="0"/>
-                <a:cs typeface="Times New Roman" charset="0"/>
-              </a:rPr>
-              <a:t>css</a:t>
-            </a:r>
-            <a:r>
-              <a:rPr lang="en-US" dirty="0">
-                <a:latin typeface="Courier New" charset="0"/>
-                <a:ea typeface="Calibri" charset="0"/>
-                <a:cs typeface="Times New Roman" charset="0"/>
-              </a:rPr>
-              <a:t>/</a:t>
-            </a:r>
-            <a:r>
-              <a:rPr lang="en-US" dirty="0" err="1">
-                <a:latin typeface="Courier New" charset="0"/>
-                <a:ea typeface="Calibri" charset="0"/>
-                <a:cs typeface="Times New Roman" charset="0"/>
-              </a:rPr>
-              <a:t>blog.css</a:t>
-            </a:r>
-            <a:endParaRPr lang="en-US" sz="2800" dirty="0">
-              <a:latin typeface="Calibri" charset="0"/>
-              <a:ea typeface="Calibri" charset="0"/>
-              <a:cs typeface="Times New Roman" charset="0"/>
-            </a:endParaRPr>
-          </a:p>
-          <a:p>
-            <a:pPr>
-              <a:spcAft>
-                <a:spcPts val="0"/>
-              </a:spcAft>
-            </a:pPr>
-            <a:r>
-              <a:rPr lang="en-US" dirty="0">
-                <a:latin typeface="Courier New" charset="0"/>
-                <a:ea typeface="Calibri" charset="0"/>
-                <a:cs typeface="Times New Roman" charset="0"/>
-              </a:rPr>
-              <a:t>	</a:t>
-            </a:r>
-            <a:r>
-              <a:rPr lang="en-US" dirty="0" err="1">
-                <a:latin typeface="Courier New" charset="0"/>
-                <a:ea typeface="Calibri" charset="0"/>
-                <a:cs typeface="Times New Roman" charset="0"/>
-              </a:rPr>
-              <a:t>js</a:t>
-            </a:r>
-            <a:r>
-              <a:rPr lang="en-US" dirty="0">
-                <a:latin typeface="Courier New" charset="0"/>
-                <a:ea typeface="Calibri" charset="0"/>
-                <a:cs typeface="Times New Roman" charset="0"/>
-              </a:rPr>
-              <a:t>  /resources/</a:t>
-            </a:r>
-            <a:r>
-              <a:rPr lang="en-US" dirty="0" err="1">
-                <a:latin typeface="Courier New" charset="0"/>
-                <a:ea typeface="Calibri" charset="0"/>
-                <a:cs typeface="Times New Roman" charset="0"/>
-              </a:rPr>
-              <a:t>js</a:t>
-            </a:r>
-            <a:r>
-              <a:rPr lang="en-US" dirty="0">
-                <a:latin typeface="Courier New" charset="0"/>
-                <a:ea typeface="Calibri" charset="0"/>
-                <a:cs typeface="Times New Roman" charset="0"/>
-              </a:rPr>
-              <a:t>/</a:t>
-            </a:r>
-            <a:r>
-              <a:rPr lang="en-US" dirty="0" err="1">
-                <a:latin typeface="Courier New" charset="0"/>
-                <a:ea typeface="Calibri" charset="0"/>
-                <a:cs typeface="Times New Roman" charset="0"/>
-              </a:rPr>
-              <a:t>blog.js</a:t>
-            </a:r>
-            <a:endParaRPr lang="en-US" sz="2800" dirty="0">
-              <a:latin typeface="Calibri" charset="0"/>
-              <a:ea typeface="Calibri" charset="0"/>
-              <a:cs typeface="Times New Roman" charset="0"/>
-            </a:endParaRPr>
-          </a:p>
-          <a:p>
-            <a:pPr>
-              <a:spcAft>
-                <a:spcPts val="0"/>
-              </a:spcAft>
-            </a:pPr>
-            <a:r>
-              <a:rPr lang="en-US" dirty="0">
-                <a:latin typeface="Courier New" charset="0"/>
-                <a:ea typeface="Calibri" charset="0"/>
-                <a:cs typeface="Times New Roman" charset="0"/>
-              </a:rPr>
-              <a:t>	template </a:t>
-            </a:r>
-            <a:r>
-              <a:rPr lang="en-US" dirty="0" err="1">
-                <a:latin typeface="Courier New" charset="0"/>
-                <a:ea typeface="Calibri" charset="0"/>
-                <a:cs typeface="Times New Roman" charset="0"/>
-              </a:rPr>
-              <a:t>default.html</a:t>
-            </a:r>
-            <a:endParaRPr lang="en-US" sz="2800" dirty="0">
-              <a:latin typeface="Calibri" charset="0"/>
-              <a:ea typeface="Calibri" charset="0"/>
-              <a:cs typeface="Times New Roman" charset="0"/>
-            </a:endParaRPr>
-          </a:p>
-          <a:p>
-            <a:pPr>
-              <a:spcAft>
-                <a:spcPts val="0"/>
-              </a:spcAft>
-            </a:pPr>
-            <a:r>
-              <a:rPr lang="en-US" dirty="0">
-                <a:latin typeface="Courier New" charset="0"/>
-                <a:ea typeface="Calibri" charset="0"/>
-                <a:cs typeface="Times New Roman" charset="0"/>
-              </a:rPr>
-              <a:t>	template blog  </a:t>
-            </a:r>
-            <a:r>
-              <a:rPr lang="en-US" dirty="0" err="1">
-                <a:latin typeface="Courier New" charset="0"/>
-                <a:ea typeface="Calibri" charset="0"/>
-                <a:cs typeface="Times New Roman" charset="0"/>
-              </a:rPr>
-              <a:t>blog.html</a:t>
-            </a:r>
-            <a:endParaRPr lang="en-US" sz="2800" dirty="0">
-              <a:latin typeface="Calibri" charset="0"/>
-              <a:ea typeface="Calibri" charset="0"/>
-              <a:cs typeface="Times New Roman" charset="0"/>
-            </a:endParaRPr>
-          </a:p>
-          <a:p>
-            <a:pPr>
-              <a:spcAft>
-                <a:spcPts val="0"/>
-              </a:spcAft>
-            </a:pPr>
-            <a:r>
-              <a:rPr lang="en-US" dirty="0">
-                <a:latin typeface="Courier New" charset="0"/>
-                <a:ea typeface="Calibri" charset="0"/>
-                <a:cs typeface="Times New Roman" charset="0"/>
-              </a:rPr>
-              <a:t>	template about </a:t>
-            </a:r>
-            <a:r>
-              <a:rPr lang="en-US" dirty="0" err="1">
-                <a:latin typeface="Courier New" charset="0"/>
-                <a:ea typeface="Calibri" charset="0"/>
-                <a:cs typeface="Times New Roman" charset="0"/>
-              </a:rPr>
-              <a:t>about.html</a:t>
-            </a:r>
-            <a:endParaRPr lang="en-US" sz="2800" dirty="0">
-              <a:latin typeface="Calibri" charset="0"/>
-              <a:ea typeface="Calibri" charset="0"/>
-              <a:cs typeface="Times New Roman" charset="0"/>
-            </a:endParaRPr>
-          </a:p>
-          <a:p>
-            <a:pPr>
-              <a:spcAft>
-                <a:spcPts val="0"/>
-              </a:spcAft>
-            </a:pPr>
-            <a:r>
-              <a:rPr lang="en-US" dirty="0">
-                <a:latin typeface="Courier New" charset="0"/>
-                <a:ea typeface="Calibri" charset="0"/>
-                <a:cs typeface="Times New Roman" charset="0"/>
-              </a:rPr>
-              <a:t>}</a:t>
-            </a:r>
-            <a:endParaRPr lang="en-US" sz="2800" dirty="0">
-              <a:effectLst/>
-              <a:latin typeface="Calibri" charset="0"/>
-              <a:ea typeface="Calibri" charset="0"/>
-              <a:cs typeface="Times New Roman" charset="0"/>
-            </a:endParaRPr>
+            <a:r>
+              <a:rPr lang="en-US" sz="2400" b="1" dirty="0"/>
+              <a:t>Visitor's IP:</a:t>
+            </a:r>
+            <a:endParaRPr lang="en-US" sz="2400" dirty="0"/>
+          </a:p>
+          <a:p>
+            <a:r>
+              <a:rPr lang="en-US" sz="2400" dirty="0"/>
+              <a:t>{{.IP}} </a:t>
+            </a:r>
+          </a:p>
+          <a:p>
+            <a:r>
+              <a:rPr lang="en-US" sz="2400" b="1" dirty="0"/>
+              <a:t>Request URI:</a:t>
+            </a:r>
+            <a:endParaRPr lang="en-US" sz="2400" dirty="0"/>
+          </a:p>
+          <a:p>
+            <a:r>
+              <a:rPr lang="en-US" sz="2400" dirty="0"/>
+              <a:t>{{.URI}} </a:t>
+            </a:r>
+          </a:p>
+          <a:p>
+            <a:r>
+              <a:rPr lang="en-US" sz="2400" b="1" dirty="0"/>
+              <a:t>Host portion of request:</a:t>
+            </a:r>
+            <a:endParaRPr lang="en-US" sz="2400" dirty="0"/>
+          </a:p>
+          <a:p>
+            <a:r>
+              <a:rPr lang="en-US" sz="2400" dirty="0"/>
+              <a:t>{{.Host}} </a:t>
+            </a:r>
+          </a:p>
+          <a:p>
+            <a:r>
+              <a:rPr lang="en-US" sz="2400" b="1" dirty="0"/>
+              <a:t>Port portion of request:</a:t>
+            </a:r>
+            <a:endParaRPr lang="en-US" sz="2400" dirty="0"/>
+          </a:p>
+          <a:p>
+            <a:r>
+              <a:rPr lang="en-US" sz="2400" dirty="0"/>
+              <a:t>{{.Port}} </a:t>
+            </a:r>
+          </a:p>
+          <a:p>
+            <a:r>
+              <a:rPr lang="en-US" sz="2400" b="1" dirty="0"/>
+              <a:t>Request method:</a:t>
+            </a:r>
+            <a:endParaRPr lang="en-US" sz="2400" dirty="0"/>
+          </a:p>
+          <a:p>
+            <a:r>
+              <a:rPr lang="en-US" sz="2400" dirty="0"/>
+              <a:t>{{.Method</a:t>
+            </a:r>
+            <a:r>
+              <a:rPr lang="en-US" sz="2400" dirty="0" smtClean="0"/>
+              <a:t>}}</a:t>
+            </a:r>
+          </a:p>
+          <a:p>
+            <a:r>
+              <a:rPr lang="en-US" sz="2400" b="1" dirty="0"/>
+              <a:t>A part of the URL:</a:t>
+            </a:r>
+            <a:endParaRPr lang="en-US" sz="2400" dirty="0"/>
+          </a:p>
+          <a:p>
+            <a:r>
+              <a:rPr lang="en-US" sz="2400" dirty="0"/>
+              <a:t>{{.</a:t>
+            </a:r>
+            <a:r>
+              <a:rPr lang="en-US" sz="2400" dirty="0" err="1"/>
+              <a:t>URL.RawQuery</a:t>
+            </a:r>
+            <a:r>
+              <a:rPr lang="en-US" sz="2400" dirty="0"/>
+              <a:t>}}</a:t>
+            </a:r>
           </a:p>
         </p:txBody>
       </p:sp>
     </p:spTree>
     <p:extLst>
       <p:ext uri="{BB962C8B-B14F-4D97-AF65-F5344CB8AC3E}">
-        <p14:creationId xmlns:p14="http://schemas.microsoft.com/office/powerpoint/2010/main" val="1028211025"/>
+        <p14:creationId xmlns:p14="http://schemas.microsoft.com/office/powerpoint/2010/main" val="1475998953"/>
       </p:ext>
     </p:extLst>
   </p:cSld>
@@ -14836,7 +14877,7 @@
         <p:spPr>
           <a:xfrm>
             <a:off x="404190" y="264541"/>
-            <a:ext cx="4444901" cy="830997"/>
+            <a:ext cx="11642035" cy="1692771"/>
           </a:xfrm>
           <a:prstGeom prst="rect">
             <a:avLst/>
@@ -14849,209 +14890,53 @@
           <a:lstStyle/>
           <a:p>
             <a:r>
-              <a:rPr lang="en-US" sz="4800" b="1" dirty="0" err="1" smtClean="0"/>
-              <a:t>Baiscauth</a:t>
+              <a:rPr lang="en-US" sz="4800" b="1" dirty="0"/>
+              <a:t>browse</a:t>
             </a:r>
             <a:endParaRPr lang="en-US" sz="2800" b="1" dirty="0"/>
+          </a:p>
+          <a:p>
+            <a:r>
+              <a:rPr lang="en-US" sz="2800" dirty="0">
+                <a:solidFill>
+                  <a:srgbClr val="0070C0"/>
+                </a:solidFill>
+              </a:rPr>
+              <a:t>browse enables directory browsing within the specified base path. It displays a file listing for directories which don't have an index file in them</a:t>
+            </a:r>
           </a:p>
         </p:txBody>
       </p:sp>
       <p:sp>
         <p:nvSpPr>
-          <p:cNvPr id="3" name="Rectangle 2"/>
+          <p:cNvPr id="4" name="Rectangle 3"/>
           <p:cNvSpPr/>
           <p:nvPr/>
         </p:nvSpPr>
         <p:spPr>
           <a:xfrm>
-            <a:off x="404190" y="1095538"/>
-            <a:ext cx="6096000" cy="2000548"/>
+            <a:off x="411212" y="1957312"/>
+            <a:ext cx="4594528" cy="461665"/>
           </a:xfrm>
           <a:prstGeom prst="rect">
             <a:avLst/>
           </a:prstGeom>
         </p:spPr>
         <p:txBody>
-          <a:bodyPr>
+          <a:bodyPr wrap="none">
             <a:spAutoFit/>
           </a:bodyPr>
           <a:lstStyle/>
           <a:p>
-            <a:pPr>
-              <a:spcAft>
-                <a:spcPts val="0"/>
-              </a:spcAft>
-            </a:pPr>
-            <a:r>
-              <a:rPr lang="en-US" sz="2000" dirty="0" err="1">
-                <a:latin typeface="Courier New" charset="0"/>
-                <a:ea typeface="Calibri" charset="0"/>
-                <a:cs typeface="Times New Roman" charset="0"/>
-              </a:rPr>
-              <a:t>basicauth</a:t>
-            </a:r>
-            <a:r>
-              <a:rPr lang="en-US" sz="2000" dirty="0">
-                <a:latin typeface="Courier New" charset="0"/>
-                <a:ea typeface="Calibri" charset="0"/>
-                <a:cs typeface="Times New Roman" charset="0"/>
-              </a:rPr>
-              <a:t> /secret Bob hiccup</a:t>
-            </a:r>
-            <a:endParaRPr lang="en-US" sz="3200" dirty="0">
-              <a:latin typeface="Calibri" charset="0"/>
-              <a:ea typeface="Calibri" charset="0"/>
-              <a:cs typeface="Times New Roman" charset="0"/>
-            </a:endParaRPr>
-          </a:p>
-          <a:p>
-            <a:pPr>
-              <a:spcAft>
-                <a:spcPts val="0"/>
-              </a:spcAft>
-            </a:pPr>
-            <a:r>
-              <a:rPr lang="en-US" sz="2000" dirty="0">
-                <a:latin typeface="Courier New" charset="0"/>
-                <a:ea typeface="Calibri" charset="0"/>
-                <a:cs typeface="Times New Roman" charset="0"/>
-              </a:rPr>
-              <a:t> </a:t>
-            </a:r>
-            <a:endParaRPr lang="en-US" sz="3200" dirty="0">
-              <a:latin typeface="Calibri" charset="0"/>
-              <a:ea typeface="Calibri" charset="0"/>
-              <a:cs typeface="Times New Roman" charset="0"/>
-            </a:endParaRPr>
-          </a:p>
-          <a:p>
-            <a:pPr>
-              <a:spcAft>
-                <a:spcPts val="0"/>
-              </a:spcAft>
-            </a:pPr>
-            <a:r>
-              <a:rPr lang="en-US" sz="2000" dirty="0" err="1">
-                <a:latin typeface="Courier New" charset="0"/>
-                <a:ea typeface="Calibri" charset="0"/>
-                <a:cs typeface="Times New Roman" charset="0"/>
-              </a:rPr>
-              <a:t>basicauth</a:t>
-            </a:r>
-            <a:r>
-              <a:rPr lang="en-US" sz="2000" dirty="0">
-                <a:latin typeface="Courier New" charset="0"/>
-                <a:ea typeface="Calibri" charset="0"/>
-                <a:cs typeface="Times New Roman" charset="0"/>
-              </a:rPr>
-              <a:t> "Mary Lou" milkshakes {</a:t>
-            </a:r>
-            <a:endParaRPr lang="en-US" sz="3200" dirty="0">
-              <a:latin typeface="Calibri" charset="0"/>
-              <a:ea typeface="Calibri" charset="0"/>
-              <a:cs typeface="Times New Roman" charset="0"/>
-            </a:endParaRPr>
-          </a:p>
-          <a:p>
-            <a:pPr>
-              <a:spcAft>
-                <a:spcPts val="0"/>
-              </a:spcAft>
-            </a:pPr>
-            <a:r>
-              <a:rPr lang="en-US" sz="2000" dirty="0" smtClean="0">
-                <a:latin typeface="Courier New" charset="0"/>
-                <a:ea typeface="Calibri" charset="0"/>
-                <a:cs typeface="Times New Roman" charset="0"/>
-              </a:rPr>
-              <a:t>	/</a:t>
-            </a:r>
-            <a:r>
-              <a:rPr lang="en-US" sz="2000" dirty="0" err="1">
-                <a:latin typeface="Courier New" charset="0"/>
-                <a:ea typeface="Calibri" charset="0"/>
-                <a:cs typeface="Times New Roman" charset="0"/>
-              </a:rPr>
-              <a:t>marylou</a:t>
-            </a:r>
-            <a:r>
-              <a:rPr lang="en-US" sz="2000" dirty="0">
-                <a:latin typeface="Courier New" charset="0"/>
-                <a:ea typeface="Calibri" charset="0"/>
-                <a:cs typeface="Times New Roman" charset="0"/>
-              </a:rPr>
-              <a:t>-files</a:t>
-            </a:r>
-            <a:endParaRPr lang="en-US" sz="3200" dirty="0">
-              <a:latin typeface="Calibri" charset="0"/>
-              <a:ea typeface="Calibri" charset="0"/>
-              <a:cs typeface="Times New Roman" charset="0"/>
-            </a:endParaRPr>
-          </a:p>
-          <a:p>
-            <a:pPr>
-              <a:spcAft>
-                <a:spcPts val="0"/>
-              </a:spcAft>
-            </a:pPr>
-            <a:r>
-              <a:rPr lang="en-US" sz="2000" dirty="0">
-                <a:latin typeface="Courier New" charset="0"/>
-                <a:ea typeface="Calibri" charset="0"/>
-                <a:cs typeface="Times New Roman" charset="0"/>
-              </a:rPr>
-              <a:t>  </a:t>
-            </a:r>
-            <a:r>
-              <a:rPr lang="en-US" sz="2000" dirty="0" smtClean="0">
-                <a:latin typeface="Courier New" charset="0"/>
-                <a:ea typeface="Calibri" charset="0"/>
-                <a:cs typeface="Times New Roman" charset="0"/>
-              </a:rPr>
-              <a:t>/</a:t>
-            </a:r>
-            <a:r>
-              <a:rPr lang="en-US" sz="2000" dirty="0">
-                <a:latin typeface="Courier New" charset="0"/>
-                <a:ea typeface="Calibri" charset="0"/>
-                <a:cs typeface="Times New Roman" charset="0"/>
-              </a:rPr>
-              <a:t>another-</a:t>
-            </a:r>
-            <a:r>
-              <a:rPr lang="en-US" sz="2000" dirty="0" err="1">
-                <a:latin typeface="Courier New" charset="0"/>
-                <a:ea typeface="Calibri" charset="0"/>
-                <a:cs typeface="Times New Roman" charset="0"/>
-              </a:rPr>
-              <a:t>file.txt</a:t>
-            </a:r>
-            <a:endParaRPr lang="en-US" sz="3200" dirty="0">
-              <a:latin typeface="Calibri" charset="0"/>
-              <a:ea typeface="Calibri" charset="0"/>
-              <a:cs typeface="Times New Roman" charset="0"/>
-            </a:endParaRPr>
-          </a:p>
-          <a:p>
-            <a:pPr>
-              <a:spcAft>
-                <a:spcPts val="0"/>
-              </a:spcAft>
-            </a:pPr>
-            <a:r>
-              <a:rPr lang="en-US" sz="2000" dirty="0">
-                <a:latin typeface="Courier New" charset="0"/>
-                <a:ea typeface="Calibri" charset="0"/>
-                <a:cs typeface="Times New Roman" charset="0"/>
-              </a:rPr>
-              <a:t>}</a:t>
-            </a:r>
-            <a:endParaRPr lang="en-US" sz="3200" dirty="0">
-              <a:effectLst/>
-              <a:latin typeface="Calibri" charset="0"/>
-              <a:ea typeface="Calibri" charset="0"/>
-              <a:cs typeface="Times New Roman" charset="0"/>
-            </a:endParaRPr>
+            <a:r>
+              <a:rPr lang="en-US" sz="2400" dirty="0"/>
+              <a:t>browse /photos ../</a:t>
+            </a:r>
+            <a:r>
+              <a:rPr lang="en-US" sz="2400" dirty="0" err="1"/>
+              <a:t>photo_album.tpl</a:t>
+            </a:r>
+            <a:endParaRPr lang="en-US" sz="2400" dirty="0"/>
           </a:p>
         </p:txBody>
       </p:sp>
@@ -15063,384 +14948,88 @@
         </p:nvSpPr>
         <p:spPr>
           <a:xfrm>
-            <a:off x="404190" y="3096086"/>
-            <a:ext cx="4444901" cy="830997"/>
+            <a:off x="411212" y="2326644"/>
+            <a:ext cx="3772058" cy="1200329"/>
           </a:xfrm>
           <a:prstGeom prst="rect">
             <a:avLst/>
           </a:prstGeom>
         </p:spPr>
         <p:txBody>
-          <a:bodyPr wrap="square">
+          <a:bodyPr wrap="none">
             <a:spAutoFit/>
           </a:bodyPr>
           <a:lstStyle/>
           <a:p>
             <a:r>
-              <a:rPr lang="en-US" sz="4800" b="1" dirty="0" smtClean="0"/>
-              <a:t>Rewrite</a:t>
-            </a:r>
-            <a:endParaRPr lang="en-US" sz="2800" b="1" dirty="0"/>
+              <a:rPr lang="en-US" sz="2400" dirty="0" smtClean="0"/>
+              <a:t>Response: </a:t>
+            </a:r>
+            <a:endParaRPr lang="en-US" sz="2400" dirty="0"/>
+          </a:p>
+          <a:p>
+            <a:pPr marL="342900" indent="-342900">
+              <a:buFontTx/>
+              <a:buChar char="-"/>
+            </a:pPr>
+            <a:r>
+              <a:rPr lang="en-US" sz="2400" dirty="0" smtClean="0"/>
+              <a:t>Template Format (HTML)</a:t>
+            </a:r>
+          </a:p>
+          <a:p>
+            <a:pPr marL="342900" indent="-342900">
+              <a:buFontTx/>
+              <a:buChar char="-"/>
+            </a:pPr>
+            <a:r>
+              <a:rPr lang="en-US" sz="2400" dirty="0"/>
+              <a:t>JSON Response</a:t>
+            </a:r>
+            <a:endParaRPr lang="en-US" sz="2400" dirty="0" smtClean="0"/>
           </a:p>
         </p:txBody>
       </p:sp>
       <p:sp>
         <p:nvSpPr>
-          <p:cNvPr id="6" name="Rectangle 5"/>
+          <p:cNvPr id="8" name="Rectangle 7"/>
           <p:cNvSpPr/>
           <p:nvPr/>
         </p:nvSpPr>
         <p:spPr>
           <a:xfrm>
-            <a:off x="404190" y="3906816"/>
-            <a:ext cx="6096000" cy="2246769"/>
+            <a:off x="411212" y="3526973"/>
+            <a:ext cx="7655044" cy="461665"/>
           </a:xfrm>
           <a:prstGeom prst="rect">
             <a:avLst/>
           </a:prstGeom>
         </p:spPr>
         <p:txBody>
-          <a:bodyPr>
+          <a:bodyPr wrap="none">
             <a:spAutoFit/>
           </a:bodyPr>
           <a:lstStyle/>
           <a:p>
             <a:r>
-              <a:rPr lang="en-US" sz="2000" dirty="0"/>
-              <a:t>rewrite [</a:t>
-            </a:r>
-            <a:r>
-              <a:rPr lang="en-US" sz="2000" dirty="0" err="1"/>
-              <a:t>basepath</a:t>
-            </a:r>
-            <a:r>
-              <a:rPr lang="en-US" sz="2000" dirty="0"/>
-              <a:t>] {</a:t>
-            </a:r>
-          </a:p>
-          <a:p>
-            <a:r>
-              <a:rPr lang="en-US" sz="2000" dirty="0"/>
-              <a:t>    </a:t>
-            </a:r>
-            <a:r>
-              <a:rPr lang="en-US" sz="2000" dirty="0" err="1"/>
-              <a:t>regexp</a:t>
-            </a:r>
-            <a:r>
-              <a:rPr lang="en-US" sz="2000" dirty="0"/>
-              <a:t> pattern</a:t>
-            </a:r>
-          </a:p>
-          <a:p>
-            <a:r>
-              <a:rPr lang="en-US" sz="2000" dirty="0"/>
-              <a:t>    </a:t>
-            </a:r>
-            <a:r>
-              <a:rPr lang="en-US" sz="2000" dirty="0" err="1"/>
-              <a:t>ext</a:t>
-            </a:r>
-            <a:r>
-              <a:rPr lang="en-US" sz="2000" dirty="0"/>
-              <a:t>    extensions...</a:t>
-            </a:r>
-          </a:p>
-          <a:p>
-            <a:r>
-              <a:rPr lang="en-US" sz="2000" dirty="0"/>
-              <a:t>    if     a </a:t>
-            </a:r>
-            <a:r>
-              <a:rPr lang="en-US" sz="2000" dirty="0" err="1"/>
-              <a:t>cond</a:t>
-            </a:r>
-            <a:r>
-              <a:rPr lang="en-US" sz="2000" dirty="0"/>
-              <a:t> b</a:t>
-            </a:r>
-          </a:p>
-          <a:p>
-            <a:r>
-              <a:rPr lang="en-US" sz="2000" dirty="0"/>
-              <a:t>    status code</a:t>
-            </a:r>
-          </a:p>
-          <a:p>
-            <a:r>
-              <a:rPr lang="en-US" sz="2000" dirty="0"/>
-              <a:t>    to     destinations...</a:t>
-            </a:r>
-          </a:p>
-          <a:p>
-            <a:r>
-              <a:rPr lang="en-US" sz="2000" dirty="0"/>
-              <a:t>}</a:t>
-            </a:r>
-          </a:p>
-        </p:txBody>
-      </p:sp>
-      <p:sp>
-        <p:nvSpPr>
-          <p:cNvPr id="7" name="Rectangle 6"/>
-          <p:cNvSpPr/>
-          <p:nvPr/>
-        </p:nvSpPr>
-        <p:spPr>
-          <a:xfrm>
-            <a:off x="6500190" y="1095538"/>
-            <a:ext cx="6096000" cy="4154984"/>
-          </a:xfrm>
-          <a:prstGeom prst="rect">
-            <a:avLst/>
-          </a:prstGeom>
-        </p:spPr>
-        <p:txBody>
-          <a:bodyPr>
-            <a:spAutoFit/>
-          </a:bodyPr>
-          <a:lstStyle/>
-          <a:p>
-            <a:pPr>
-              <a:spcAft>
-                <a:spcPts val="0"/>
-              </a:spcAft>
-            </a:pPr>
-            <a:r>
-              <a:rPr lang="en-US" sz="2400" dirty="0" smtClean="0">
-                <a:latin typeface="Calibri" charset="0"/>
-                <a:ea typeface="Calibri" charset="0"/>
-                <a:cs typeface="Times New Roman" charset="0"/>
-              </a:rPr>
-              <a:t>rewrite </a:t>
-            </a:r>
-            <a:r>
-              <a:rPr lang="en-US" sz="2400" dirty="0">
-                <a:latin typeface="Calibri" charset="0"/>
-                <a:ea typeface="Calibri" charset="0"/>
-                <a:cs typeface="Times New Roman" charset="0"/>
-              </a:rPr>
-              <a:t>{</a:t>
-            </a:r>
-          </a:p>
-          <a:p>
-            <a:pPr>
-              <a:spcAft>
-                <a:spcPts val="0"/>
-              </a:spcAft>
-            </a:pPr>
-            <a:r>
-              <a:rPr lang="en-US" sz="2400" dirty="0">
-                <a:latin typeface="Calibri" charset="0"/>
-                <a:ea typeface="Calibri" charset="0"/>
-                <a:cs typeface="Times New Roman" charset="0"/>
-              </a:rPr>
-              <a:t>    if {file} not </a:t>
-            </a:r>
-            <a:r>
-              <a:rPr lang="en-US" sz="2400" dirty="0" err="1">
-                <a:latin typeface="Calibri" charset="0"/>
-                <a:ea typeface="Calibri" charset="0"/>
-                <a:cs typeface="Times New Roman" charset="0"/>
-              </a:rPr>
-              <a:t>favicon.ico</a:t>
-            </a:r>
-            <a:endParaRPr lang="en-US" sz="2400" dirty="0">
-              <a:latin typeface="Calibri" charset="0"/>
-              <a:ea typeface="Calibri" charset="0"/>
-              <a:cs typeface="Times New Roman" charset="0"/>
-            </a:endParaRPr>
-          </a:p>
-          <a:p>
-            <a:pPr>
-              <a:spcAft>
-                <a:spcPts val="0"/>
-              </a:spcAft>
-            </a:pPr>
-            <a:r>
-              <a:rPr lang="en-US" sz="2400" dirty="0">
-                <a:latin typeface="Calibri" charset="0"/>
-                <a:ea typeface="Calibri" charset="0"/>
-                <a:cs typeface="Times New Roman" charset="0"/>
-              </a:rPr>
-              <a:t>    to {path} {path}/ /</a:t>
-            </a:r>
-            <a:r>
-              <a:rPr lang="en-US" sz="2400" dirty="0" err="1">
-                <a:latin typeface="Calibri" charset="0"/>
-                <a:ea typeface="Calibri" charset="0"/>
-                <a:cs typeface="Times New Roman" charset="0"/>
-              </a:rPr>
-              <a:t>maintenance.html</a:t>
-            </a:r>
-            <a:r>
-              <a:rPr lang="en-US" sz="2400" dirty="0">
-                <a:latin typeface="Calibri" charset="0"/>
-                <a:ea typeface="Calibri" charset="0"/>
-                <a:cs typeface="Times New Roman" charset="0"/>
-              </a:rPr>
-              <a:t> /</a:t>
-            </a:r>
-            <a:r>
-              <a:rPr lang="en-US" sz="2400" dirty="0" err="1">
-                <a:latin typeface="Calibri" charset="0"/>
-                <a:ea typeface="Calibri" charset="0"/>
-                <a:cs typeface="Times New Roman" charset="0"/>
-              </a:rPr>
-              <a:t>index.php</a:t>
-            </a:r>
-            <a:endParaRPr lang="en-US" sz="2400" dirty="0">
-              <a:latin typeface="Calibri" charset="0"/>
-              <a:ea typeface="Calibri" charset="0"/>
-              <a:cs typeface="Times New Roman" charset="0"/>
-            </a:endParaRPr>
-          </a:p>
-          <a:p>
-            <a:pPr>
-              <a:spcAft>
-                <a:spcPts val="0"/>
-              </a:spcAft>
-            </a:pPr>
-            <a:r>
-              <a:rPr lang="en-US" sz="2400" dirty="0">
-                <a:latin typeface="Calibri" charset="0"/>
-                <a:ea typeface="Calibri" charset="0"/>
-                <a:cs typeface="Times New Roman" charset="0"/>
-              </a:rPr>
-              <a:t>}</a:t>
-            </a:r>
-          </a:p>
-          <a:p>
-            <a:pPr>
-              <a:spcAft>
-                <a:spcPts val="0"/>
-              </a:spcAft>
-            </a:pPr>
-            <a:r>
-              <a:rPr lang="en-US" sz="2400" dirty="0">
-                <a:latin typeface="Calibri" charset="0"/>
-                <a:ea typeface="Calibri" charset="0"/>
-                <a:cs typeface="Times New Roman" charset="0"/>
-              </a:rPr>
-              <a:t> </a:t>
-            </a:r>
-          </a:p>
-          <a:p>
-            <a:pPr>
-              <a:spcAft>
-                <a:spcPts val="0"/>
-              </a:spcAft>
-            </a:pPr>
-            <a:r>
-              <a:rPr lang="en-US" sz="2400" dirty="0">
-                <a:latin typeface="Calibri" charset="0"/>
-                <a:ea typeface="Calibri" charset="0"/>
-                <a:cs typeface="Times New Roman" charset="0"/>
-              </a:rPr>
-              <a:t> </a:t>
-            </a:r>
-            <a:r>
-              <a:rPr lang="en-US" sz="2400" dirty="0" smtClean="0">
-                <a:latin typeface="Calibri" charset="0"/>
-                <a:ea typeface="Calibri" charset="0"/>
-                <a:cs typeface="Times New Roman" charset="0"/>
-              </a:rPr>
-              <a:t>rewrite </a:t>
-            </a:r>
-            <a:r>
-              <a:rPr lang="en-US" sz="2400" dirty="0">
-                <a:latin typeface="Calibri" charset="0"/>
-                <a:ea typeface="Calibri" charset="0"/>
-                <a:cs typeface="Times New Roman" charset="0"/>
-              </a:rPr>
-              <a:t>{</a:t>
-            </a:r>
-          </a:p>
-          <a:p>
-            <a:pPr>
-              <a:spcAft>
-                <a:spcPts val="0"/>
-              </a:spcAft>
-            </a:pPr>
-            <a:r>
-              <a:rPr lang="en-US" sz="2400" dirty="0">
-                <a:latin typeface="Calibri" charset="0"/>
-                <a:ea typeface="Calibri" charset="0"/>
-                <a:cs typeface="Times New Roman" charset="0"/>
-              </a:rPr>
-              <a:t>    if if {&gt;User-agent} has mobile</a:t>
-            </a:r>
-          </a:p>
-          <a:p>
-            <a:pPr>
-              <a:spcAft>
-                <a:spcPts val="0"/>
-              </a:spcAft>
-            </a:pPr>
-            <a:r>
-              <a:rPr lang="en-US" sz="2400" dirty="0">
-                <a:latin typeface="Calibri" charset="0"/>
-                <a:ea typeface="Calibri" charset="0"/>
-                <a:cs typeface="Times New Roman" charset="0"/>
-              </a:rPr>
-              <a:t>    to {path} {path}/ /mobile/</a:t>
-            </a:r>
-            <a:r>
-              <a:rPr lang="en-US" sz="2400" dirty="0" err="1">
-                <a:latin typeface="Calibri" charset="0"/>
-                <a:ea typeface="Calibri" charset="0"/>
-                <a:cs typeface="Times New Roman" charset="0"/>
-              </a:rPr>
-              <a:t>index.php</a:t>
-            </a:r>
-            <a:endParaRPr lang="en-US" sz="2400" dirty="0">
-              <a:latin typeface="Calibri" charset="0"/>
-              <a:ea typeface="Calibri" charset="0"/>
-              <a:cs typeface="Times New Roman" charset="0"/>
-            </a:endParaRPr>
-          </a:p>
-          <a:p>
-            <a:pPr>
-              <a:spcAft>
-                <a:spcPts val="0"/>
-              </a:spcAft>
-            </a:pPr>
-            <a:r>
-              <a:rPr lang="en-US" sz="2400" dirty="0">
-                <a:latin typeface="Calibri" charset="0"/>
-                <a:ea typeface="Calibri" charset="0"/>
-                <a:cs typeface="Times New Roman" charset="0"/>
-              </a:rPr>
-              <a:t>}</a:t>
-            </a:r>
-          </a:p>
-          <a:p>
-            <a:pPr>
-              <a:spcAft>
-                <a:spcPts val="0"/>
-              </a:spcAft>
-            </a:pPr>
-            <a:r>
-              <a:rPr lang="en-US" sz="2400" dirty="0">
-                <a:latin typeface="Calibri" charset="0"/>
-                <a:ea typeface="Calibri" charset="0"/>
-                <a:cs typeface="Times New Roman" charset="0"/>
-              </a:rPr>
-              <a:t> </a:t>
-            </a:r>
-            <a:endParaRPr lang="en-US" sz="2400" dirty="0">
-              <a:effectLst/>
-              <a:latin typeface="Calibri" charset="0"/>
-              <a:ea typeface="Calibri" charset="0"/>
-              <a:cs typeface="Times New Roman" charset="0"/>
-            </a:endParaRPr>
+              <a:rPr lang="en-US" sz="2400" dirty="0"/>
+              <a:t>$ curl -H "Accept: application/</a:t>
+            </a:r>
+            <a:r>
+              <a:rPr lang="en-US" sz="2400" dirty="0" err="1"/>
+              <a:t>json</a:t>
+            </a:r>
+            <a:r>
+              <a:rPr lang="en-US" sz="2400" dirty="0"/>
+              <a:t>" 'localhost:2015/?limit=1'</a:t>
+            </a:r>
           </a:p>
         </p:txBody>
       </p:sp>
     </p:spTree>
     <p:extLst>
       <p:ext uri="{BB962C8B-B14F-4D97-AF65-F5344CB8AC3E}">
-        <p14:creationId xmlns:p14="http://schemas.microsoft.com/office/powerpoint/2010/main" val="1791532722"/>
+        <p14:creationId xmlns:p14="http://schemas.microsoft.com/office/powerpoint/2010/main" val="183360808"/>
       </p:ext>
     </p:extLst>
   </p:cSld>
@@ -15483,7 +15072,7 @@
         <p:spPr>
           <a:xfrm>
             <a:off x="404190" y="264541"/>
-            <a:ext cx="11642035" cy="1015663"/>
+            <a:ext cx="11642035" cy="2554545"/>
           </a:xfrm>
           <a:prstGeom prst="rect">
             <a:avLst/>
@@ -15496,27 +15085,50 @@
           <a:lstStyle/>
           <a:p>
             <a:r>
-              <a:rPr lang="en-US" sz="6000" b="1" dirty="0" err="1" smtClean="0"/>
-              <a:t>Git</a:t>
-            </a:r>
-            <a:r>
-              <a:rPr lang="en-US" sz="6000" b="1" dirty="0" smtClean="0"/>
-              <a:t> (Add-on)</a:t>
-            </a:r>
-            <a:endParaRPr lang="en-US" sz="3600" b="1" dirty="0"/>
+              <a:rPr lang="en-US" sz="4800" b="1" dirty="0" smtClean="0"/>
+              <a:t>Markdown</a:t>
+            </a:r>
+            <a:endParaRPr lang="en-US" sz="2800" b="1" dirty="0"/>
+          </a:p>
+          <a:p>
+            <a:r>
+              <a:rPr lang="en-US" sz="2800" dirty="0">
+                <a:solidFill>
+                  <a:srgbClr val="0070C0"/>
+                </a:solidFill>
+              </a:rPr>
+              <a:t>markdown serves </a:t>
+            </a:r>
+            <a:r>
+              <a:rPr lang="en-US" sz="2800" dirty="0">
+                <a:solidFill>
+                  <a:srgbClr val="0070C0"/>
+                </a:solidFill>
+                <a:hlinkClick r:id="rId2"/>
+              </a:rPr>
+              <a:t>Markdown</a:t>
+            </a:r>
+            <a:r>
+              <a:rPr lang="en-US" sz="2800" dirty="0">
+                <a:solidFill>
+                  <a:srgbClr val="0070C0"/>
+                </a:solidFill>
+              </a:rPr>
+              <a:t> files as HTML pages on demand, but it can also generate a static site from Markdown so it doesn't have to render on-the-fly. You can specify whole custom templates or just the CSS and JavaScript files to be used on the pages to give them a custom look and behavior.</a:t>
+            </a:r>
           </a:p>
         </p:txBody>
       </p:sp>
       <p:sp>
         <p:nvSpPr>
-          <p:cNvPr id="4" name="Rectangle 3"/>
+          <p:cNvPr id="7" name="Rectangle 6"/>
           <p:cNvSpPr/>
           <p:nvPr/>
         </p:nvSpPr>
         <p:spPr>
           <a:xfrm>
-            <a:off x="404190" y="1095538"/>
-            <a:ext cx="6096000" cy="3847207"/>
+            <a:off x="404190" y="2819086"/>
+            <a:ext cx="6096000" cy="2308324"/>
           </a:xfrm>
           <a:prstGeom prst="rect">
             <a:avLst/>
@@ -15534,38 +15146,14 @@
               </a:spcAft>
             </a:pPr>
             <a:r>
-              <a:rPr lang="en-US" sz="2400">
+              <a:rPr lang="en-US" dirty="0">
                 <a:latin typeface="Courier New" charset="0"/>
                 <a:ea typeface="Calibri" charset="0"/>
                 <a:cs typeface="Times New Roman" charset="0"/>
               </a:rPr>
-              <a:t>git</a:t>
-            </a:r>
-            <a:r>
-              <a:rPr lang="en-US" sz="2400" dirty="0">
-                <a:latin typeface="Courier New" charset="0"/>
-                <a:ea typeface="Calibri" charset="0"/>
-                <a:cs typeface="Times New Roman" charset="0"/>
-              </a:rPr>
-              <a:t> repo [</a:t>
-            </a:r>
-            <a:r>
-              <a:rPr lang="en-US" sz="2400" dirty="0" err="1">
-                <a:latin typeface="Courier New" charset="0"/>
-                <a:ea typeface="Calibri" charset="0"/>
-                <a:cs typeface="Times New Roman" charset="0"/>
-              </a:rPr>
-              <a:t>clonepath</a:t>
-            </a:r>
-            <a:r>
-              <a:rPr lang="en-US" sz="2400" dirty="0">
-                <a:latin typeface="Courier New" charset="0"/>
-                <a:ea typeface="Calibri" charset="0"/>
-                <a:cs typeface="Times New Roman" charset="0"/>
-              </a:rPr>
-              <a:t>] {</a:t>
-            </a:r>
-            <a:endParaRPr lang="en-US" sz="3600" dirty="0">
+              <a:t>markdown /blog {</a:t>
+            </a:r>
+            <a:endParaRPr lang="en-US" sz="2800" dirty="0">
               <a:latin typeface="Calibri" charset="0"/>
               <a:ea typeface="Calibri" charset="0"/>
               <a:cs typeface="Times New Roman" charset="0"/>
@@ -15578,14 +15166,30 @@
               </a:spcAft>
             </a:pPr>
             <a:r>
-              <a:rPr lang="en-US" sz="2400" dirty="0">
+              <a:rPr lang="en-US" dirty="0">
                 <a:latin typeface="Courier New" charset="0"/>
                 <a:ea typeface="Calibri" charset="0"/>
                 <a:cs typeface="Times New Roman" charset="0"/>
               </a:rPr>
-              <a:t>	repo     repo</a:t>
-            </a:r>
-            <a:endParaRPr lang="en-US" sz="3600" dirty="0">
+              <a:t>	</a:t>
+            </a:r>
+            <a:r>
+              <a:rPr lang="en-US" dirty="0" err="1">
+                <a:latin typeface="Courier New" charset="0"/>
+                <a:ea typeface="Calibri" charset="0"/>
+                <a:cs typeface="Times New Roman" charset="0"/>
+              </a:rPr>
+              <a:t>ext</a:t>
+            </a:r>
+            <a:r>
+              <a:rPr lang="en-US" dirty="0">
+                <a:latin typeface="Courier New" charset="0"/>
+                <a:ea typeface="Calibri" charset="0"/>
+                <a:cs typeface="Times New Roman" charset="0"/>
+              </a:rPr>
+              <a:t> .md .txt</a:t>
+            </a:r>
+            <a:endParaRPr lang="en-US" sz="2800" dirty="0">
               <a:latin typeface="Calibri" charset="0"/>
               <a:ea typeface="Calibri" charset="0"/>
               <a:cs typeface="Times New Roman" charset="0"/>
@@ -15598,22 +15202,54 @@
               </a:spcAft>
             </a:pPr>
             <a:r>
-              <a:rPr lang="en-US" sz="2400" dirty="0">
+              <a:rPr lang="en-US" dirty="0">
                 <a:latin typeface="Courier New" charset="0"/>
                 <a:ea typeface="Calibri" charset="0"/>
                 <a:cs typeface="Times New Roman" charset="0"/>
               </a:rPr>
-              <a:t>	path     </a:t>
-            </a:r>
-            <a:r>
-              <a:rPr lang="en-US" sz="2400" dirty="0" err="1">
+              <a:t>	</a:t>
+            </a:r>
+            <a:r>
+              <a:rPr lang="en-US" dirty="0" err="1">
                 <a:latin typeface="Courier New" charset="0"/>
                 <a:ea typeface="Calibri" charset="0"/>
                 <a:cs typeface="Times New Roman" charset="0"/>
               </a:rPr>
-              <a:t>clonepath</a:t>
-            </a:r>
-            <a:endParaRPr lang="en-US" sz="3600" dirty="0">
+              <a:t>css</a:t>
+            </a:r>
+            <a:r>
+              <a:rPr lang="en-US" dirty="0">
+                <a:latin typeface="Courier New" charset="0"/>
+                <a:ea typeface="Calibri" charset="0"/>
+                <a:cs typeface="Times New Roman" charset="0"/>
+              </a:rPr>
+              <a:t> /resources/</a:t>
+            </a:r>
+            <a:r>
+              <a:rPr lang="en-US" dirty="0" err="1">
+                <a:latin typeface="Courier New" charset="0"/>
+                <a:ea typeface="Calibri" charset="0"/>
+                <a:cs typeface="Times New Roman" charset="0"/>
+              </a:rPr>
+              <a:t>css</a:t>
+            </a:r>
+            <a:r>
+              <a:rPr lang="en-US" dirty="0">
+                <a:latin typeface="Courier New" charset="0"/>
+                <a:ea typeface="Calibri" charset="0"/>
+                <a:cs typeface="Times New Roman" charset="0"/>
+              </a:rPr>
+              <a:t>/</a:t>
+            </a:r>
+            <a:r>
+              <a:rPr lang="en-US" dirty="0" err="1">
+                <a:latin typeface="Courier New" charset="0"/>
+                <a:ea typeface="Calibri" charset="0"/>
+                <a:cs typeface="Times New Roman" charset="0"/>
+              </a:rPr>
+              <a:t>blog.css</a:t>
+            </a:r>
+            <a:endParaRPr lang="en-US" sz="2800" dirty="0">
               <a:latin typeface="Calibri" charset="0"/>
               <a:ea typeface="Calibri" charset="0"/>
               <a:cs typeface="Times New Roman" charset="0"/>
@@ -15626,14 +15262,54 @@
               </a:spcAft>
             </a:pPr>
             <a:r>
-              <a:rPr lang="en-US" sz="2400" dirty="0">
+              <a:rPr lang="en-US" dirty="0">
                 <a:latin typeface="Courier New" charset="0"/>
                 <a:ea typeface="Calibri" charset="0"/>
                 <a:cs typeface="Times New Roman" charset="0"/>
               </a:rPr>
-              <a:t>	branch   branch</a:t>
-            </a:r>
-            <a:endParaRPr lang="en-US" sz="3600" dirty="0">
+              <a:t>	</a:t>
+            </a:r>
+            <a:r>
+              <a:rPr lang="en-US" dirty="0" err="1">
+                <a:latin typeface="Courier New" charset="0"/>
+                <a:ea typeface="Calibri" charset="0"/>
+                <a:cs typeface="Times New Roman" charset="0"/>
+              </a:rPr>
+              <a:t>js</a:t>
+            </a:r>
+            <a:r>
+              <a:rPr lang="en-US" dirty="0">
+                <a:latin typeface="Courier New" charset="0"/>
+                <a:ea typeface="Calibri" charset="0"/>
+                <a:cs typeface="Times New Roman" charset="0"/>
+              </a:rPr>
+              <a:t>  /resources/</a:t>
+            </a:r>
+            <a:r>
+              <a:rPr lang="en-US" dirty="0" err="1">
+                <a:latin typeface="Courier New" charset="0"/>
+                <a:ea typeface="Calibri" charset="0"/>
+                <a:cs typeface="Times New Roman" charset="0"/>
+              </a:rPr>
+              <a:t>js</a:t>
+            </a:r>
+            <a:r>
+              <a:rPr lang="en-US" dirty="0">
+                <a:latin typeface="Courier New" charset="0"/>
+                <a:ea typeface="Calibri" charset="0"/>
+                <a:cs typeface="Times New Roman" charset="0"/>
+              </a:rPr>
+              <a:t>/</a:t>
+            </a:r>
+            <a:r>
+              <a:rPr lang="en-US" dirty="0" err="1">
+                <a:latin typeface="Courier New" charset="0"/>
+                <a:ea typeface="Calibri" charset="0"/>
+                <a:cs typeface="Times New Roman" charset="0"/>
+              </a:rPr>
+              <a:t>blog.js</a:t>
+            </a:r>
+            <a:endParaRPr lang="en-US" sz="2800" dirty="0">
               <a:latin typeface="Calibri" charset="0"/>
               <a:ea typeface="Calibri" charset="0"/>
               <a:cs typeface="Times New Roman" charset="0"/>
@@ -15646,14 +15322,22 @@
               </a:spcAft>
             </a:pPr>
             <a:r>
-              <a:rPr lang="en-US" sz="2400" dirty="0">
+              <a:rPr lang="en-US" dirty="0">
                 <a:latin typeface="Courier New" charset="0"/>
                 <a:ea typeface="Calibri" charset="0"/>
                 <a:cs typeface="Times New Roman" charset="0"/>
               </a:rPr>
-              <a:t>	key      key</a:t>
-            </a:r>
-            <a:endParaRPr lang="en-US" sz="3600" dirty="0">
+              <a:t>	template </a:t>
+            </a:r>
+            <a:r>
+              <a:rPr lang="en-US" dirty="0" err="1">
+                <a:latin typeface="Courier New" charset="0"/>
+                <a:ea typeface="Calibri" charset="0"/>
+                <a:cs typeface="Times New Roman" charset="0"/>
+              </a:rPr>
+              <a:t>default.html</a:t>
+            </a:r>
+            <a:endParaRPr lang="en-US" sz="2800" dirty="0">
               <a:latin typeface="Calibri" charset="0"/>
               <a:ea typeface="Calibri" charset="0"/>
               <a:cs typeface="Times New Roman" charset="0"/>
@@ -15666,14 +15350,22 @@
               </a:spcAft>
             </a:pPr>
             <a:r>
-              <a:rPr lang="en-US" sz="2400" dirty="0">
+              <a:rPr lang="en-US" dirty="0">
                 <a:latin typeface="Courier New" charset="0"/>
                 <a:ea typeface="Calibri" charset="0"/>
                 <a:cs typeface="Times New Roman" charset="0"/>
               </a:rPr>
-              <a:t>	hook     path [secret]</a:t>
-            </a:r>
-            <a:endParaRPr lang="en-US" sz="3600" dirty="0">
+              <a:t>	template blog  </a:t>
+            </a:r>
+            <a:r>
+              <a:rPr lang="en-US" dirty="0" err="1">
+                <a:latin typeface="Courier New" charset="0"/>
+                <a:ea typeface="Calibri" charset="0"/>
+                <a:cs typeface="Times New Roman" charset="0"/>
+              </a:rPr>
+              <a:t>blog.html</a:t>
+            </a:r>
+            <a:endParaRPr lang="en-US" sz="2800" dirty="0">
               <a:latin typeface="Calibri" charset="0"/>
               <a:ea typeface="Calibri" charset="0"/>
               <a:cs typeface="Times New Roman" charset="0"/>
@@ -15686,14 +15378,22 @@
               </a:spcAft>
             </a:pPr>
             <a:r>
-              <a:rPr lang="en-US" sz="2400" dirty="0">
+              <a:rPr lang="en-US" dirty="0">
                 <a:latin typeface="Courier New" charset="0"/>
                 <a:ea typeface="Calibri" charset="0"/>
                 <a:cs typeface="Times New Roman" charset="0"/>
               </a:rPr>
-              <a:t>	interval interval</a:t>
-            </a:r>
-            <a:endParaRPr lang="en-US" sz="3600" dirty="0">
+              <a:t>	template about </a:t>
+            </a:r>
+            <a:r>
+              <a:rPr lang="en-US" dirty="0" err="1">
+                <a:latin typeface="Courier New" charset="0"/>
+                <a:ea typeface="Calibri" charset="0"/>
+                <a:cs typeface="Times New Roman" charset="0"/>
+              </a:rPr>
+              <a:t>about.html</a:t>
+            </a:r>
+            <a:endParaRPr lang="en-US" sz="2800" dirty="0">
               <a:latin typeface="Calibri" charset="0"/>
               <a:ea typeface="Calibri" charset="0"/>
               <a:cs typeface="Times New Roman" charset="0"/>
@@ -15706,102 +15406,14 @@
               </a:spcAft>
             </a:pPr>
             <a:r>
-              <a:rPr lang="en-US" sz="2400" dirty="0">
+              <a:rPr lang="en-US" dirty="0">
                 <a:latin typeface="Courier New" charset="0"/>
                 <a:ea typeface="Calibri" charset="0"/>
                 <a:cs typeface="Times New Roman" charset="0"/>
               </a:rPr>
-              <a:t>	then     command [</a:t>
-            </a:r>
-            <a:r>
-              <a:rPr lang="en-US" sz="2400" dirty="0" err="1">
-                <a:latin typeface="Courier New" charset="0"/>
-                <a:ea typeface="Calibri" charset="0"/>
-                <a:cs typeface="Times New Roman" charset="0"/>
-              </a:rPr>
-              <a:t>args</a:t>
-            </a:r>
-            <a:r>
-              <a:rPr lang="en-US" sz="2400" dirty="0">
-                <a:latin typeface="Courier New" charset="0"/>
-                <a:ea typeface="Calibri" charset="0"/>
-                <a:cs typeface="Times New Roman" charset="0"/>
-              </a:rPr>
-              <a:t>...]</a:t>
-            </a:r>
-            <a:endParaRPr lang="en-US" sz="3600" dirty="0">
-              <a:latin typeface="Calibri" charset="0"/>
-              <a:ea typeface="Calibri" charset="0"/>
-              <a:cs typeface="Times New Roman" charset="0"/>
-            </a:endParaRPr>
-          </a:p>
-          <a:p>
-            <a:pPr>
-              <a:spcAft>
-                <a:spcPts val="0"/>
-              </a:spcAft>
-            </a:pPr>
-            <a:r>
-              <a:rPr lang="en-US" sz="2400" dirty="0">
-                <a:latin typeface="Courier New" charset="0"/>
-                <a:ea typeface="Calibri" charset="0"/>
-                <a:cs typeface="Times New Roman" charset="0"/>
-              </a:rPr>
-              <a:t>	</a:t>
-            </a:r>
-            <a:r>
-              <a:rPr lang="en-US" sz="2400" dirty="0" err="1">
-                <a:latin typeface="Courier New" charset="0"/>
-                <a:ea typeface="Calibri" charset="0"/>
-                <a:cs typeface="Times New Roman" charset="0"/>
-              </a:rPr>
-              <a:t>then_longcommand</a:t>
-            </a:r>
-            <a:r>
-              <a:rPr lang="en-US" sz="2400" dirty="0">
-                <a:latin typeface="Courier New" charset="0"/>
-                <a:ea typeface="Calibri" charset="0"/>
-                <a:cs typeface="Times New Roman" charset="0"/>
-              </a:rPr>
-              <a:t> [</a:t>
-            </a:r>
-            <a:r>
-              <a:rPr lang="en-US" sz="2400" dirty="0" err="1">
-                <a:latin typeface="Courier New" charset="0"/>
-                <a:ea typeface="Calibri" charset="0"/>
-                <a:cs typeface="Times New Roman" charset="0"/>
-              </a:rPr>
-              <a:t>args</a:t>
-            </a:r>
-            <a:r>
-              <a:rPr lang="en-US" sz="2400" dirty="0">
-                <a:latin typeface="Courier New" charset="0"/>
-                <a:ea typeface="Calibri" charset="0"/>
-                <a:cs typeface="Times New Roman" charset="0"/>
-              </a:rPr>
-              <a:t>...]</a:t>
-            </a:r>
-            <a:endParaRPr lang="en-US" sz="3600" dirty="0">
-              <a:latin typeface="Calibri" charset="0"/>
-              <a:ea typeface="Calibri" charset="0"/>
-              <a:cs typeface="Times New Roman" charset="0"/>
-            </a:endParaRPr>
-          </a:p>
-          <a:p>
-            <a:pPr>
-              <a:spcAft>
-                <a:spcPts val="0"/>
-              </a:spcAft>
-            </a:pPr>
-            <a:r>
-              <a:rPr lang="en-US" sz="2400" dirty="0">
-                <a:latin typeface="Courier New" charset="0"/>
-                <a:ea typeface="Calibri" charset="0"/>
-                <a:cs typeface="Times New Roman" charset="0"/>
-              </a:rPr>
               <a:t>}</a:t>
             </a:r>
-            <a:endParaRPr lang="en-US" sz="3600" dirty="0">
+            <a:endParaRPr lang="en-US" sz="2800" dirty="0">
               <a:effectLst/>
               <a:latin typeface="Calibri" charset="0"/>
               <a:ea typeface="Calibri" charset="0"/>
@@ -15810,113 +15422,10 @@
           </a:p>
         </p:txBody>
       </p:sp>
-      <p:sp>
-        <p:nvSpPr>
-          <p:cNvPr id="5" name="Rectangle 4"/>
-          <p:cNvSpPr/>
-          <p:nvPr/>
-        </p:nvSpPr>
-        <p:spPr>
-          <a:xfrm>
-            <a:off x="6096000" y="196573"/>
-            <a:ext cx="6096000" cy="4339650"/>
-          </a:xfrm>
-          <a:prstGeom prst="rect">
-            <a:avLst/>
-          </a:prstGeom>
-        </p:spPr>
-        <p:txBody>
-          <a:bodyPr>
-            <a:spAutoFit/>
-          </a:bodyPr>
-          <a:lstStyle/>
-          <a:p>
-            <a:r>
-              <a:rPr lang="en-US" sz="3600" dirty="0">
-                <a:latin typeface="Times New Roman" charset="0"/>
-                <a:ea typeface="Calibri" charset="0"/>
-              </a:rPr>
-              <a:t>Private repository pulled into the "subfolder" directory with tag v1.0 once per day: </a:t>
-            </a:r>
-          </a:p>
-          <a:p>
-            <a:r>
-              <a:rPr lang="en-US" sz="2400" dirty="0" err="1"/>
-              <a:t>git</a:t>
-            </a:r>
-            <a:r>
-              <a:rPr lang="en-US" sz="2400" dirty="0"/>
-              <a:t> {</a:t>
-            </a:r>
-          </a:p>
-          <a:p>
-            <a:r>
-              <a:rPr lang="en-US" sz="2400" dirty="0"/>
-              <a:t>	repo     </a:t>
-            </a:r>
-            <a:r>
-              <a:rPr lang="en-US" sz="2400" dirty="0" err="1"/>
-              <a:t>git@github.com:user</a:t>
-            </a:r>
-            <a:r>
-              <a:rPr lang="en-US" sz="2400" dirty="0"/>
-              <a:t>/</a:t>
-            </a:r>
-            <a:r>
-              <a:rPr lang="en-US" sz="2400" dirty="0" err="1"/>
-              <a:t>myproject</a:t>
-            </a:r>
-            <a:endParaRPr lang="en-US" sz="2400" dirty="0"/>
-          </a:p>
-          <a:p>
-            <a:r>
-              <a:rPr lang="en-US" sz="2400" dirty="0"/>
-              <a:t>	branch   v1.0</a:t>
-            </a:r>
-          </a:p>
-          <a:p>
-            <a:r>
-              <a:rPr lang="en-US" sz="2400" dirty="0"/>
-              <a:t>	key      /home/user/.</a:t>
-            </a:r>
-            <a:r>
-              <a:rPr lang="en-US" sz="2400" dirty="0" err="1"/>
-              <a:t>ssh</a:t>
-            </a:r>
-            <a:r>
-              <a:rPr lang="en-US" sz="2400" dirty="0"/>
-              <a:t>/</a:t>
-            </a:r>
-            <a:r>
-              <a:rPr lang="en-US" sz="2400" dirty="0" err="1"/>
-              <a:t>id_rsa</a:t>
-            </a:r>
-            <a:endParaRPr lang="en-US" sz="2400" dirty="0"/>
-          </a:p>
-          <a:p>
-            <a:r>
-              <a:rPr lang="en-US" sz="2400" dirty="0"/>
-              <a:t>	path     subfolder</a:t>
-            </a:r>
-          </a:p>
-          <a:p>
-            <a:r>
-              <a:rPr lang="en-US" sz="2400" dirty="0"/>
-              <a:t>	interval 86400</a:t>
-            </a:r>
-          </a:p>
-          <a:p>
-            <a:r>
-              <a:rPr lang="en-US" sz="2400" dirty="0"/>
-              <a:t>}</a:t>
-            </a:r>
-          </a:p>
-        </p:txBody>
-      </p:sp>
     </p:spTree>
     <p:extLst>
       <p:ext uri="{BB962C8B-B14F-4D97-AF65-F5344CB8AC3E}">
-        <p14:creationId xmlns:p14="http://schemas.microsoft.com/office/powerpoint/2010/main" val="975640932"/>
+        <p14:creationId xmlns:p14="http://schemas.microsoft.com/office/powerpoint/2010/main" val="1028211025"/>
       </p:ext>
     </p:extLst>
   </p:cSld>
@@ -15959,7 +15468,7 @@
         <p:spPr>
           <a:xfrm>
             <a:off x="404190" y="264541"/>
-            <a:ext cx="11642035" cy="830997"/>
+            <a:ext cx="4444901" cy="830997"/>
           </a:xfrm>
           <a:prstGeom prst="rect">
             <a:avLst/>
@@ -15972,12 +15481,8 @@
           <a:lstStyle/>
           <a:p>
             <a:r>
-              <a:rPr lang="en-US" sz="4800" b="1" dirty="0" smtClean="0"/>
-              <a:t>Fast-</a:t>
-            </a:r>
-            <a:r>
               <a:rPr lang="en-US" sz="4800" b="1" dirty="0" err="1" smtClean="0"/>
-              <a:t>cgi</a:t>
+              <a:t>Baiscauth</a:t>
             </a:r>
             <a:endParaRPr lang="en-US" sz="2800" b="1" dirty="0"/>
           </a:p>
@@ -15985,14 +15490,213 @@
       </p:sp>
       <p:sp>
         <p:nvSpPr>
-          <p:cNvPr id="4" name="Rectangle 3"/>
+          <p:cNvPr id="3" name="Rectangle 2"/>
           <p:cNvSpPr/>
           <p:nvPr/>
         </p:nvSpPr>
         <p:spPr>
           <a:xfrm>
             <a:off x="404190" y="1095538"/>
-            <a:ext cx="9992140" cy="1077218"/>
+            <a:ext cx="6096000" cy="2000548"/>
+          </a:xfrm>
+          <a:prstGeom prst="rect">
+            <a:avLst/>
+          </a:prstGeom>
+        </p:spPr>
+        <p:txBody>
+          <a:bodyPr>
+            <a:spAutoFit/>
+          </a:bodyPr>
+          <a:lstStyle/>
+          <a:p>
+            <a:pPr>
+              <a:spcAft>
+                <a:spcPts val="0"/>
+              </a:spcAft>
+            </a:pPr>
+            <a:r>
+              <a:rPr lang="en-US" sz="2000" dirty="0" err="1">
+                <a:latin typeface="Courier New" charset="0"/>
+                <a:ea typeface="Calibri" charset="0"/>
+                <a:cs typeface="Times New Roman" charset="0"/>
+              </a:rPr>
+              <a:t>basicauth</a:t>
+            </a:r>
+            <a:r>
+              <a:rPr lang="en-US" sz="2000" dirty="0">
+                <a:latin typeface="Courier New" charset="0"/>
+                <a:ea typeface="Calibri" charset="0"/>
+                <a:cs typeface="Times New Roman" charset="0"/>
+              </a:rPr>
+              <a:t> /secret Bob hiccup</a:t>
+            </a:r>
+            <a:endParaRPr lang="en-US" sz="3200" dirty="0">
+              <a:latin typeface="Calibri" charset="0"/>
+              <a:ea typeface="Calibri" charset="0"/>
+              <a:cs typeface="Times New Roman" charset="0"/>
+            </a:endParaRPr>
+          </a:p>
+          <a:p>
+            <a:pPr>
+              <a:spcAft>
+                <a:spcPts val="0"/>
+              </a:spcAft>
+            </a:pPr>
+            <a:r>
+              <a:rPr lang="en-US" sz="2000" dirty="0">
+                <a:latin typeface="Courier New" charset="0"/>
+                <a:ea typeface="Calibri" charset="0"/>
+                <a:cs typeface="Times New Roman" charset="0"/>
+              </a:rPr>
+              <a:t> </a:t>
+            </a:r>
+            <a:endParaRPr lang="en-US" sz="3200" dirty="0">
+              <a:latin typeface="Calibri" charset="0"/>
+              <a:ea typeface="Calibri" charset="0"/>
+              <a:cs typeface="Times New Roman" charset="0"/>
+            </a:endParaRPr>
+          </a:p>
+          <a:p>
+            <a:pPr>
+              <a:spcAft>
+                <a:spcPts val="0"/>
+              </a:spcAft>
+            </a:pPr>
+            <a:r>
+              <a:rPr lang="en-US" sz="2000" dirty="0" err="1">
+                <a:latin typeface="Courier New" charset="0"/>
+                <a:ea typeface="Calibri" charset="0"/>
+                <a:cs typeface="Times New Roman" charset="0"/>
+              </a:rPr>
+              <a:t>basicauth</a:t>
+            </a:r>
+            <a:r>
+              <a:rPr lang="en-US" sz="2000" dirty="0">
+                <a:latin typeface="Courier New" charset="0"/>
+                <a:ea typeface="Calibri" charset="0"/>
+                <a:cs typeface="Times New Roman" charset="0"/>
+              </a:rPr>
+              <a:t> "Mary Lou" milkshakes {</a:t>
+            </a:r>
+            <a:endParaRPr lang="en-US" sz="3200" dirty="0">
+              <a:latin typeface="Calibri" charset="0"/>
+              <a:ea typeface="Calibri" charset="0"/>
+              <a:cs typeface="Times New Roman" charset="0"/>
+            </a:endParaRPr>
+          </a:p>
+          <a:p>
+            <a:pPr>
+              <a:spcAft>
+                <a:spcPts val="0"/>
+              </a:spcAft>
+            </a:pPr>
+            <a:r>
+              <a:rPr lang="en-US" sz="2000" dirty="0" smtClean="0">
+                <a:latin typeface="Courier New" charset="0"/>
+                <a:ea typeface="Calibri" charset="0"/>
+                <a:cs typeface="Times New Roman" charset="0"/>
+              </a:rPr>
+              <a:t>	/</a:t>
+            </a:r>
+            <a:r>
+              <a:rPr lang="en-US" sz="2000" dirty="0" err="1">
+                <a:latin typeface="Courier New" charset="0"/>
+                <a:ea typeface="Calibri" charset="0"/>
+                <a:cs typeface="Times New Roman" charset="0"/>
+              </a:rPr>
+              <a:t>marylou</a:t>
+            </a:r>
+            <a:r>
+              <a:rPr lang="en-US" sz="2000" dirty="0">
+                <a:latin typeface="Courier New" charset="0"/>
+                <a:ea typeface="Calibri" charset="0"/>
+                <a:cs typeface="Times New Roman" charset="0"/>
+              </a:rPr>
+              <a:t>-files</a:t>
+            </a:r>
+            <a:endParaRPr lang="en-US" sz="3200" dirty="0">
+              <a:latin typeface="Calibri" charset="0"/>
+              <a:ea typeface="Calibri" charset="0"/>
+              <a:cs typeface="Times New Roman" charset="0"/>
+            </a:endParaRPr>
+          </a:p>
+          <a:p>
+            <a:pPr>
+              <a:spcAft>
+                <a:spcPts val="0"/>
+              </a:spcAft>
+            </a:pPr>
+            <a:r>
+              <a:rPr lang="en-US" sz="2000" dirty="0">
+                <a:latin typeface="Courier New" charset="0"/>
+                <a:ea typeface="Calibri" charset="0"/>
+                <a:cs typeface="Times New Roman" charset="0"/>
+              </a:rPr>
+              <a:t>  </a:t>
+            </a:r>
+            <a:r>
+              <a:rPr lang="en-US" sz="2000" dirty="0" smtClean="0">
+                <a:latin typeface="Courier New" charset="0"/>
+                <a:ea typeface="Calibri" charset="0"/>
+                <a:cs typeface="Times New Roman" charset="0"/>
+              </a:rPr>
+              <a:t>/</a:t>
+            </a:r>
+            <a:r>
+              <a:rPr lang="en-US" sz="2000" dirty="0">
+                <a:latin typeface="Courier New" charset="0"/>
+                <a:ea typeface="Calibri" charset="0"/>
+                <a:cs typeface="Times New Roman" charset="0"/>
+              </a:rPr>
+              <a:t>another-</a:t>
+            </a:r>
+            <a:r>
+              <a:rPr lang="en-US" sz="2000" dirty="0" err="1">
+                <a:latin typeface="Courier New" charset="0"/>
+                <a:ea typeface="Calibri" charset="0"/>
+                <a:cs typeface="Times New Roman" charset="0"/>
+              </a:rPr>
+              <a:t>file.txt</a:t>
+            </a:r>
+            <a:endParaRPr lang="en-US" sz="3200" dirty="0">
+              <a:latin typeface="Calibri" charset="0"/>
+              <a:ea typeface="Calibri" charset="0"/>
+              <a:cs typeface="Times New Roman" charset="0"/>
+            </a:endParaRPr>
+          </a:p>
+          <a:p>
+            <a:pPr>
+              <a:spcAft>
+                <a:spcPts val="0"/>
+              </a:spcAft>
+            </a:pPr>
+            <a:r>
+              <a:rPr lang="en-US" sz="2000" dirty="0">
+                <a:latin typeface="Courier New" charset="0"/>
+                <a:ea typeface="Calibri" charset="0"/>
+                <a:cs typeface="Times New Roman" charset="0"/>
+              </a:rPr>
+              <a:t>}</a:t>
+            </a:r>
+            <a:endParaRPr lang="en-US" sz="3200" dirty="0">
+              <a:effectLst/>
+              <a:latin typeface="Calibri" charset="0"/>
+              <a:ea typeface="Calibri" charset="0"/>
+              <a:cs typeface="Times New Roman" charset="0"/>
+            </a:endParaRPr>
+          </a:p>
+        </p:txBody>
+      </p:sp>
+      <p:sp>
+        <p:nvSpPr>
+          <p:cNvPr id="5" name="Rectangle 4"/>
+          <p:cNvSpPr/>
+          <p:nvPr/>
+        </p:nvSpPr>
+        <p:spPr>
+          <a:xfrm>
+            <a:off x="404190" y="3096086"/>
+            <a:ext cx="4444901" cy="830997"/>
           </a:xfrm>
           <a:prstGeom prst="rect">
             <a:avLst/>
@@ -16005,93 +15709,22 @@
           <a:lstStyle/>
           <a:p>
             <a:r>
-              <a:rPr lang="en-US" sz="3200" dirty="0" err="1"/>
-              <a:t>fastcgi</a:t>
-            </a:r>
-            <a:r>
-              <a:rPr lang="en-US" sz="3200" dirty="0"/>
-              <a:t> /blog/ 127.0.0.1:9000 </a:t>
-            </a:r>
-            <a:r>
-              <a:rPr lang="en-US" sz="3200" dirty="0" err="1" smtClean="0"/>
-              <a:t>php</a:t>
-            </a:r>
-            <a:endParaRPr lang="en-US" sz="3200" dirty="0" smtClean="0"/>
-          </a:p>
-          <a:p>
-            <a:r>
-              <a:rPr lang="en-US" sz="3200" dirty="0" err="1"/>
-              <a:t>fastcgi</a:t>
-            </a:r>
-            <a:r>
-              <a:rPr lang="en-US" sz="3200" dirty="0"/>
-              <a:t> / /</a:t>
-            </a:r>
-            <a:r>
-              <a:rPr lang="en-US" sz="3200" dirty="0" err="1"/>
-              <a:t>var</a:t>
-            </a:r>
-            <a:r>
-              <a:rPr lang="en-US" sz="3200" dirty="0"/>
-              <a:t>/run/php5-fpm.sock </a:t>
-            </a:r>
-            <a:r>
-              <a:rPr lang="en-US" sz="3200" dirty="0" err="1"/>
-              <a:t>php</a:t>
-            </a:r>
-            <a:endParaRPr lang="en-US" sz="3200" dirty="0"/>
+              <a:rPr lang="en-US" sz="4800" b="1" dirty="0" smtClean="0"/>
+              <a:t>Rewrite</a:t>
+            </a:r>
+            <a:endParaRPr lang="en-US" sz="2800" b="1" dirty="0"/>
           </a:p>
         </p:txBody>
       </p:sp>
       <p:sp>
         <p:nvSpPr>
-          <p:cNvPr id="5" name="Rectangle 4"/>
+          <p:cNvPr id="6" name="Rectangle 5"/>
           <p:cNvSpPr/>
           <p:nvPr/>
         </p:nvSpPr>
         <p:spPr>
           <a:xfrm>
-            <a:off x="404189" y="2366719"/>
-            <a:ext cx="11642035" cy="1261884"/>
-          </a:xfrm>
-          <a:prstGeom prst="rect">
-            <a:avLst/>
-          </a:prstGeom>
-        </p:spPr>
-        <p:txBody>
-          <a:bodyPr wrap="square">
-            <a:spAutoFit/>
-          </a:bodyPr>
-          <a:lstStyle/>
-          <a:p>
-            <a:r>
-              <a:rPr lang="en-US" sz="4800" b="1" dirty="0" smtClean="0"/>
-              <a:t>Search (Using </a:t>
-            </a:r>
-            <a:r>
-              <a:rPr lang="en-US" sz="4800" b="1" dirty="0" err="1" smtClean="0"/>
-              <a:t>Bleve</a:t>
-            </a:r>
-            <a:r>
-              <a:rPr lang="en-US" sz="4800" b="1" dirty="0" smtClean="0"/>
-              <a:t> Engine)</a:t>
-            </a:r>
-            <a:endParaRPr lang="en-US" sz="2800" b="1" dirty="0"/>
-          </a:p>
-          <a:p>
-            <a:endParaRPr lang="en-US" sz="2800" b="1" dirty="0"/>
-          </a:p>
-        </p:txBody>
-      </p:sp>
-      <p:sp>
-        <p:nvSpPr>
-          <p:cNvPr id="3" name="Rectangle 2"/>
-          <p:cNvSpPr/>
-          <p:nvPr/>
-        </p:nvSpPr>
-        <p:spPr>
-          <a:xfrm>
-            <a:off x="404189" y="3482954"/>
+            <a:off x="404190" y="3906816"/>
             <a:ext cx="6096000" cy="2246769"/>
           </a:xfrm>
           <a:prstGeom prst="rect">
@@ -16104,133 +15737,342 @@
           </a:bodyPr>
           <a:lstStyle/>
           <a:p>
-            <a:pPr>
-              <a:spcAft>
-                <a:spcPts val="0"/>
-              </a:spcAft>
-            </a:pPr>
-            <a:r>
-              <a:rPr lang="en-US" sz="2800" dirty="0">
-                <a:latin typeface="Calibri" charset="0"/>
-                <a:ea typeface="Calibri" charset="0"/>
-                <a:cs typeface="Times New Roman" charset="0"/>
-              </a:rPr>
-              <a:t>search ^/blog/ {</a:t>
-            </a:r>
-          </a:p>
-          <a:p>
-            <a:pPr>
-              <a:spcAft>
-                <a:spcPts val="0"/>
-              </a:spcAft>
-            </a:pPr>
-            <a:r>
-              <a:rPr lang="en-US" sz="2800" dirty="0">
-                <a:latin typeface="Calibri" charset="0"/>
-                <a:ea typeface="Calibri" charset="0"/>
-                <a:cs typeface="Times New Roman" charset="0"/>
-              </a:rPr>
-              <a:t>	+path /static/docs</a:t>
-            </a:r>
-          </a:p>
-          <a:p>
-            <a:pPr>
-              <a:spcAft>
-                <a:spcPts val="0"/>
-              </a:spcAft>
-            </a:pPr>
-            <a:r>
-              <a:rPr lang="en-US" sz="2800" dirty="0">
-                <a:latin typeface="Calibri" charset="0"/>
-                <a:ea typeface="Calibri" charset="0"/>
-                <a:cs typeface="Times New Roman" charset="0"/>
-              </a:rPr>
-              <a:t>	-path ^/blog/admin/</a:t>
-            </a:r>
-          </a:p>
-          <a:p>
-            <a:pPr>
-              <a:spcAft>
-                <a:spcPts val="0"/>
-              </a:spcAft>
-            </a:pPr>
-            <a:r>
-              <a:rPr lang="en-US" sz="2800" dirty="0">
-                <a:latin typeface="Calibri" charset="0"/>
-                <a:ea typeface="Calibri" charset="0"/>
-                <a:cs typeface="Times New Roman" charset="0"/>
-              </a:rPr>
-              <a:t>	-path </a:t>
-            </a:r>
-            <a:r>
-              <a:rPr lang="en-US" sz="2800" dirty="0" err="1">
-                <a:latin typeface="Calibri" charset="0"/>
-                <a:ea typeface="Calibri" charset="0"/>
-                <a:cs typeface="Times New Roman" charset="0"/>
-              </a:rPr>
-              <a:t>robots.txt</a:t>
-            </a:r>
-            <a:endParaRPr lang="en-US" sz="2800" dirty="0">
-              <a:latin typeface="Calibri" charset="0"/>
-              <a:ea typeface="Calibri" charset="0"/>
-              <a:cs typeface="Times New Roman" charset="0"/>
-            </a:endParaRPr>
-          </a:p>
-          <a:p>
-            <a:pPr>
-              <a:spcAft>
-                <a:spcPts val="0"/>
-              </a:spcAft>
-            </a:pPr>
-            <a:r>
-              <a:rPr lang="en-US" sz="2800" dirty="0">
-                <a:latin typeface="Calibri" charset="0"/>
-                <a:ea typeface="Calibri" charset="0"/>
-                <a:cs typeface="Times New Roman" charset="0"/>
-              </a:rPr>
+            <a:r>
+              <a:rPr lang="en-US" sz="2000" dirty="0"/>
+              <a:t>rewrite [</a:t>
+            </a:r>
+            <a:r>
+              <a:rPr lang="en-US" sz="2000" dirty="0" err="1"/>
+              <a:t>basepath</a:t>
+            </a:r>
+            <a:r>
+              <a:rPr lang="en-US" sz="2000" dirty="0"/>
+              <a:t>] {</a:t>
+            </a:r>
+          </a:p>
+          <a:p>
+            <a:r>
+              <a:rPr lang="en-US" sz="2000" dirty="0"/>
+              <a:t>    </a:t>
+            </a:r>
+            <a:r>
+              <a:rPr lang="en-US" sz="2000" dirty="0" err="1"/>
+              <a:t>regexp</a:t>
+            </a:r>
+            <a:r>
+              <a:rPr lang="en-US" sz="2000" dirty="0"/>
+              <a:t> pattern</a:t>
+            </a:r>
+          </a:p>
+          <a:p>
+            <a:r>
+              <a:rPr lang="en-US" sz="2000" dirty="0"/>
+              <a:t>    </a:t>
+            </a:r>
+            <a:r>
+              <a:rPr lang="en-US" sz="2000" dirty="0" err="1"/>
+              <a:t>ext</a:t>
+            </a:r>
+            <a:r>
+              <a:rPr lang="en-US" sz="2000" dirty="0"/>
+              <a:t>    extensions...</a:t>
+            </a:r>
+          </a:p>
+          <a:p>
+            <a:r>
+              <a:rPr lang="en-US" sz="2000" dirty="0"/>
+              <a:t>    if     a </a:t>
+            </a:r>
+            <a:r>
+              <a:rPr lang="en-US" sz="2000" dirty="0" err="1"/>
+              <a:t>cond</a:t>
+            </a:r>
+            <a:r>
+              <a:rPr lang="en-US" sz="2000" dirty="0"/>
+              <a:t> b</a:t>
+            </a:r>
+          </a:p>
+          <a:p>
+            <a:r>
+              <a:rPr lang="en-US" sz="2000" dirty="0"/>
+              <a:t>    status code</a:t>
+            </a:r>
+          </a:p>
+          <a:p>
+            <a:r>
+              <a:rPr lang="en-US" sz="2000" dirty="0"/>
+              <a:t>    to     destinations...</a:t>
+            </a:r>
+          </a:p>
+          <a:p>
+            <a:r>
+              <a:rPr lang="en-US" sz="2000" dirty="0"/>
               <a:t>}</a:t>
             </a:r>
-            <a:endParaRPr lang="en-US" sz="2800" dirty="0">
-              <a:effectLst/>
-              <a:latin typeface="Calibri" charset="0"/>
-              <a:ea typeface="Calibri" charset="0"/>
-              <a:cs typeface="Times New Roman" charset="0"/>
-            </a:endParaRPr>
           </a:p>
         </p:txBody>
       </p:sp>
       <p:sp>
         <p:nvSpPr>
-          <p:cNvPr id="6" name="Rectangle 5"/>
+          <p:cNvPr id="7" name="Rectangle 6"/>
           <p:cNvSpPr/>
           <p:nvPr/>
         </p:nvSpPr>
         <p:spPr>
           <a:xfrm>
-            <a:off x="404189" y="3074605"/>
-            <a:ext cx="5359609" cy="523220"/>
+            <a:off x="6500190" y="1095538"/>
+            <a:ext cx="6096000" cy="4154984"/>
           </a:xfrm>
           <a:prstGeom prst="rect">
             <a:avLst/>
           </a:prstGeom>
         </p:spPr>
         <p:txBody>
-          <a:bodyPr wrap="none">
+          <a:bodyPr>
             <a:spAutoFit/>
           </a:bodyPr>
           <a:lstStyle/>
           <a:p>
-            <a:r>
-              <a:rPr lang="en-US" sz="2800" dirty="0"/>
-              <a:t>full-text search and indexing for Go</a:t>
-            </a:r>
+            <a:pPr>
+              <a:spcAft>
+                <a:spcPts val="0"/>
+              </a:spcAft>
+            </a:pPr>
+            <a:r>
+              <a:rPr lang="en-US" sz="2400" dirty="0" smtClean="0">
+                <a:latin typeface="Calibri" charset="0"/>
+                <a:ea typeface="Calibri" charset="0"/>
+                <a:cs typeface="Times New Roman" charset="0"/>
+              </a:rPr>
+              <a:t>rewrite </a:t>
+            </a:r>
+            <a:r>
+              <a:rPr lang="en-US" sz="2400" dirty="0">
+                <a:latin typeface="Calibri" charset="0"/>
+                <a:ea typeface="Calibri" charset="0"/>
+                <a:cs typeface="Times New Roman" charset="0"/>
+              </a:rPr>
+              <a:t>{</a:t>
+            </a:r>
+          </a:p>
+          <a:p>
+            <a:pPr>
+              <a:spcAft>
+                <a:spcPts val="0"/>
+              </a:spcAft>
+            </a:pPr>
+            <a:r>
+              <a:rPr lang="en-US" sz="2400" dirty="0">
+                <a:latin typeface="Calibri" charset="0"/>
+                <a:ea typeface="Calibri" charset="0"/>
+                <a:cs typeface="Times New Roman" charset="0"/>
+              </a:rPr>
+              <a:t>    if {file} not </a:t>
+            </a:r>
+            <a:r>
+              <a:rPr lang="en-US" sz="2400" dirty="0" err="1">
+                <a:latin typeface="Calibri" charset="0"/>
+                <a:ea typeface="Calibri" charset="0"/>
+                <a:cs typeface="Times New Roman" charset="0"/>
+              </a:rPr>
+              <a:t>favicon.ico</a:t>
+            </a:r>
+            <a:endParaRPr lang="en-US" sz="2400" dirty="0">
+              <a:latin typeface="Calibri" charset="0"/>
+              <a:ea typeface="Calibri" charset="0"/>
+              <a:cs typeface="Times New Roman" charset="0"/>
+            </a:endParaRPr>
+          </a:p>
+          <a:p>
+            <a:pPr>
+              <a:spcAft>
+                <a:spcPts val="0"/>
+              </a:spcAft>
+            </a:pPr>
+            <a:r>
+              <a:rPr lang="en-US" sz="2400" dirty="0">
+                <a:latin typeface="Calibri" charset="0"/>
+                <a:ea typeface="Calibri" charset="0"/>
+                <a:cs typeface="Times New Roman" charset="0"/>
+              </a:rPr>
+              <a:t>    to {path} {path}/ /</a:t>
+            </a:r>
+            <a:r>
+              <a:rPr lang="en-US" sz="2400" dirty="0" err="1">
+                <a:latin typeface="Calibri" charset="0"/>
+                <a:ea typeface="Calibri" charset="0"/>
+                <a:cs typeface="Times New Roman" charset="0"/>
+              </a:rPr>
+              <a:t>maintenance.html</a:t>
+            </a:r>
+            <a:r>
+              <a:rPr lang="en-US" sz="2400" dirty="0">
+                <a:latin typeface="Calibri" charset="0"/>
+                <a:ea typeface="Calibri" charset="0"/>
+                <a:cs typeface="Times New Roman" charset="0"/>
+              </a:rPr>
+              <a:t> /</a:t>
+            </a:r>
+            <a:r>
+              <a:rPr lang="en-US" sz="2400" dirty="0" err="1">
+                <a:latin typeface="Calibri" charset="0"/>
+                <a:ea typeface="Calibri" charset="0"/>
+                <a:cs typeface="Times New Roman" charset="0"/>
+              </a:rPr>
+              <a:t>index.php</a:t>
+            </a:r>
+            <a:endParaRPr lang="en-US" sz="2400" dirty="0">
+              <a:latin typeface="Calibri" charset="0"/>
+              <a:ea typeface="Calibri" charset="0"/>
+              <a:cs typeface="Times New Roman" charset="0"/>
+            </a:endParaRPr>
+          </a:p>
+          <a:p>
+            <a:pPr>
+              <a:spcAft>
+                <a:spcPts val="0"/>
+              </a:spcAft>
+            </a:pPr>
+            <a:r>
+              <a:rPr lang="en-US" sz="2400" dirty="0">
+                <a:latin typeface="Calibri" charset="0"/>
+                <a:ea typeface="Calibri" charset="0"/>
+                <a:cs typeface="Times New Roman" charset="0"/>
+              </a:rPr>
+              <a:t>}</a:t>
+            </a:r>
+          </a:p>
+          <a:p>
+            <a:pPr>
+              <a:spcAft>
+                <a:spcPts val="0"/>
+              </a:spcAft>
+            </a:pPr>
+            <a:r>
+              <a:rPr lang="en-US" sz="2400" dirty="0">
+                <a:latin typeface="Calibri" charset="0"/>
+                <a:ea typeface="Calibri" charset="0"/>
+                <a:cs typeface="Times New Roman" charset="0"/>
+              </a:rPr>
+              <a:t> </a:t>
+            </a:r>
+          </a:p>
+          <a:p>
+            <a:pPr>
+              <a:spcAft>
+                <a:spcPts val="0"/>
+              </a:spcAft>
+            </a:pPr>
+            <a:r>
+              <a:rPr lang="en-US" sz="2400" dirty="0">
+                <a:latin typeface="Calibri" charset="0"/>
+                <a:ea typeface="Calibri" charset="0"/>
+                <a:cs typeface="Times New Roman" charset="0"/>
+              </a:rPr>
+              <a:t> </a:t>
+            </a:r>
+            <a:r>
+              <a:rPr lang="en-US" sz="2400" dirty="0" smtClean="0">
+                <a:latin typeface="Calibri" charset="0"/>
+                <a:ea typeface="Calibri" charset="0"/>
+                <a:cs typeface="Times New Roman" charset="0"/>
+              </a:rPr>
+              <a:t>rewrite </a:t>
+            </a:r>
+            <a:r>
+              <a:rPr lang="en-US" sz="2400" dirty="0">
+                <a:latin typeface="Calibri" charset="0"/>
+                <a:ea typeface="Calibri" charset="0"/>
+                <a:cs typeface="Times New Roman" charset="0"/>
+              </a:rPr>
+              <a:t>{</a:t>
+            </a:r>
+          </a:p>
+          <a:p>
+            <a:pPr>
+              <a:spcAft>
+                <a:spcPts val="0"/>
+              </a:spcAft>
+            </a:pPr>
+            <a:r>
+              <a:rPr lang="en-US" sz="2400" dirty="0">
+                <a:latin typeface="Calibri" charset="0"/>
+                <a:ea typeface="Calibri" charset="0"/>
+                <a:cs typeface="Times New Roman" charset="0"/>
+              </a:rPr>
+              <a:t>    if if {&gt;User-agent} has mobile</a:t>
+            </a:r>
+          </a:p>
+          <a:p>
+            <a:pPr>
+              <a:spcAft>
+                <a:spcPts val="0"/>
+              </a:spcAft>
+            </a:pPr>
+            <a:r>
+              <a:rPr lang="en-US" sz="2400" dirty="0">
+                <a:latin typeface="Calibri" charset="0"/>
+                <a:ea typeface="Calibri" charset="0"/>
+                <a:cs typeface="Times New Roman" charset="0"/>
+              </a:rPr>
+              <a:t>    to {path} {path}/ /mobile/</a:t>
+            </a:r>
+            <a:r>
+              <a:rPr lang="en-US" sz="2400" dirty="0" err="1">
+                <a:latin typeface="Calibri" charset="0"/>
+                <a:ea typeface="Calibri" charset="0"/>
+                <a:cs typeface="Times New Roman" charset="0"/>
+              </a:rPr>
+              <a:t>index.php</a:t>
+            </a:r>
+            <a:endParaRPr lang="en-US" sz="2400" dirty="0">
+              <a:latin typeface="Calibri" charset="0"/>
+              <a:ea typeface="Calibri" charset="0"/>
+              <a:cs typeface="Times New Roman" charset="0"/>
+            </a:endParaRPr>
+          </a:p>
+          <a:p>
+            <a:pPr>
+              <a:spcAft>
+                <a:spcPts val="0"/>
+              </a:spcAft>
+            </a:pPr>
+            <a:r>
+              <a:rPr lang="en-US" sz="2400" dirty="0">
+                <a:latin typeface="Calibri" charset="0"/>
+                <a:ea typeface="Calibri" charset="0"/>
+                <a:cs typeface="Times New Roman" charset="0"/>
+              </a:rPr>
+              <a:t>}</a:t>
+            </a:r>
+          </a:p>
+          <a:p>
+            <a:pPr>
+              <a:spcAft>
+                <a:spcPts val="0"/>
+              </a:spcAft>
+            </a:pPr>
+            <a:r>
+              <a:rPr lang="en-US" sz="2400" dirty="0">
+                <a:latin typeface="Calibri" charset="0"/>
+                <a:ea typeface="Calibri" charset="0"/>
+                <a:cs typeface="Times New Roman" charset="0"/>
+              </a:rPr>
+              <a:t> </a:t>
+            </a:r>
+            <a:endParaRPr lang="en-US" sz="2400" dirty="0">
+              <a:effectLst/>
+              <a:latin typeface="Calibri" charset="0"/>
+              <a:ea typeface="Calibri" charset="0"/>
+              <a:cs typeface="Times New Roman" charset="0"/>
+            </a:endParaRPr>
           </a:p>
         </p:txBody>
       </p:sp>
     </p:spTree>
     <p:extLst>
       <p:ext uri="{BB962C8B-B14F-4D97-AF65-F5344CB8AC3E}">
-        <p14:creationId xmlns:p14="http://schemas.microsoft.com/office/powerpoint/2010/main" val="1026377243"/>
+        <p14:creationId xmlns:p14="http://schemas.microsoft.com/office/powerpoint/2010/main" val="1791532722"/>
       </p:ext>
     </p:extLst>
   </p:cSld>
@@ -16273,7 +16115,7 @@
         <p:spPr>
           <a:xfrm>
             <a:off x="404190" y="264541"/>
-            <a:ext cx="11642035" cy="830997"/>
+            <a:ext cx="11642035" cy="1015663"/>
           </a:xfrm>
           <a:prstGeom prst="rect">
             <a:avLst/>
@@ -16286,23 +16128,27 @@
           <a:lstStyle/>
           <a:p>
             <a:r>
-              <a:rPr lang="en-US" sz="4800" b="1" dirty="0" err="1" smtClean="0"/>
-              <a:t>IPFilter</a:t>
-            </a:r>
-            <a:endParaRPr lang="en-US" sz="2800" b="1" dirty="0"/>
+              <a:rPr lang="en-US" sz="6000" b="1" dirty="0" err="1" smtClean="0"/>
+              <a:t>Git</a:t>
+            </a:r>
+            <a:r>
+              <a:rPr lang="en-US" sz="6000" b="1" dirty="0" smtClean="0"/>
+              <a:t> (Add-on)</a:t>
+            </a:r>
+            <a:endParaRPr lang="en-US" sz="3600" b="1" dirty="0"/>
           </a:p>
         </p:txBody>
       </p:sp>
       <p:sp>
         <p:nvSpPr>
-          <p:cNvPr id="3" name="Rectangle 2"/>
+          <p:cNvPr id="4" name="Rectangle 3"/>
           <p:cNvSpPr/>
           <p:nvPr/>
         </p:nvSpPr>
         <p:spPr>
           <a:xfrm>
             <a:off x="404190" y="1095538"/>
-            <a:ext cx="6096000" cy="2308324"/>
+            <a:ext cx="6096000" cy="3847207"/>
           </a:xfrm>
           <a:prstGeom prst="rect">
             <a:avLst/>
@@ -16320,21 +16166,42 @@
               </a:spcAft>
             </a:pPr>
             <a:r>
-              <a:rPr lang="en-US" dirty="0" err="1">
-                <a:latin typeface="Calibri" charset="0"/>
-                <a:ea typeface="Calibri" charset="0"/>
-                <a:cs typeface="Times New Roman" charset="0"/>
-              </a:rPr>
-              <a:t>ipfilter</a:t>
-            </a:r>
-            <a:r>
-              <a:rPr lang="en-US" dirty="0">
-                <a:latin typeface="Calibri" charset="0"/>
-                <a:ea typeface="Calibri" charset="0"/>
-                <a:cs typeface="Times New Roman" charset="0"/>
-              </a:rPr>
-              <a:t> paths... {</a:t>
-            </a:r>
+              <a:rPr lang="en-US" sz="2400">
+                <a:latin typeface="Courier New" charset="0"/>
+                <a:ea typeface="Calibri" charset="0"/>
+                <a:cs typeface="Times New Roman" charset="0"/>
+              </a:rPr>
+              <a:t>git</a:t>
+            </a:r>
+            <a:r>
+              <a:rPr lang="en-US" sz="2400" dirty="0">
+                <a:latin typeface="Courier New" charset="0"/>
+                <a:ea typeface="Calibri" charset="0"/>
+                <a:cs typeface="Times New Roman" charset="0"/>
+              </a:rPr>
+              <a:t> repo [</a:t>
+            </a:r>
+            <a:r>
+              <a:rPr lang="en-US" sz="2400" dirty="0" err="1">
+                <a:latin typeface="Courier New" charset="0"/>
+                <a:ea typeface="Calibri" charset="0"/>
+                <a:cs typeface="Times New Roman" charset="0"/>
+              </a:rPr>
+              <a:t>clonepath</a:t>
+            </a:r>
+            <a:r>
+              <a:rPr lang="en-US" sz="2400" dirty="0">
+                <a:latin typeface="Courier New" charset="0"/>
+                <a:ea typeface="Calibri" charset="0"/>
+                <a:cs typeface="Times New Roman" charset="0"/>
+              </a:rPr>
+              <a:t>] {</a:t>
+            </a:r>
+            <a:endParaRPr lang="en-US" sz="3600" dirty="0">
+              <a:latin typeface="Calibri" charset="0"/>
+              <a:ea typeface="Calibri" charset="0"/>
+              <a:cs typeface="Times New Roman" charset="0"/>
+            </a:endParaRPr>
           </a:p>
           <a:p>
             <a:pPr>
@@ -16343,13 +16210,18 @@
               </a:spcAft>
             </a:pPr>
             <a:r>
-              <a:rPr lang="en-US" dirty="0">
-                <a:latin typeface="Calibri" charset="0"/>
-                <a:ea typeface="Calibri" charset="0"/>
-                <a:cs typeface="Times New Roman" charset="0"/>
-              </a:rPr>
-              <a:t>	rule       block | allow</a:t>
-            </a:r>
+              <a:rPr lang="en-US" sz="2400" dirty="0">
+                <a:latin typeface="Courier New" charset="0"/>
+                <a:ea typeface="Calibri" charset="0"/>
+                <a:cs typeface="Times New Roman" charset="0"/>
+              </a:rPr>
+              <a:t>	repo     repo</a:t>
+            </a:r>
+            <a:endParaRPr lang="en-US" sz="3600" dirty="0">
+              <a:latin typeface="Calibri" charset="0"/>
+              <a:ea typeface="Calibri" charset="0"/>
+              <a:cs typeface="Times New Roman" charset="0"/>
+            </a:endParaRPr>
           </a:p>
           <a:p>
             <a:pPr>
@@ -16358,29 +16230,26 @@
               </a:spcAft>
             </a:pPr>
             <a:r>
-              <a:rPr lang="en-US" dirty="0">
-                <a:latin typeface="Calibri" charset="0"/>
-                <a:ea typeface="Calibri" charset="0"/>
-                <a:cs typeface="Times New Roman" charset="0"/>
-              </a:rPr>
-              <a:t>	</a:t>
-            </a:r>
-            <a:r>
-              <a:rPr lang="en-US" dirty="0" err="1">
-                <a:latin typeface="Calibri" charset="0"/>
-                <a:ea typeface="Calibri" charset="0"/>
-                <a:cs typeface="Times New Roman" charset="0"/>
-              </a:rPr>
-              <a:t>ip</a:t>
-            </a:r>
-            <a:r>
-              <a:rPr lang="en-US" dirty="0">
-                <a:latin typeface="Calibri" charset="0"/>
-                <a:ea typeface="Calibri" charset="0"/>
-                <a:cs typeface="Times New Roman" charset="0"/>
-              </a:rPr>
-              <a:t>         list or/and range of IPs...</a:t>
-            </a:r>
+              <a:rPr lang="en-US" sz="2400" dirty="0">
+                <a:latin typeface="Courier New" charset="0"/>
+                <a:ea typeface="Calibri" charset="0"/>
+                <a:cs typeface="Times New Roman" charset="0"/>
+              </a:rPr>
+              <a:t>	path     </a:t>
+            </a:r>
+            <a:r>
+              <a:rPr lang="en-US" sz="2400" dirty="0" err="1">
+                <a:latin typeface="Courier New" charset="0"/>
+                <a:ea typeface="Calibri" charset="0"/>
+                <a:cs typeface="Times New Roman" charset="0"/>
+              </a:rPr>
+              <a:t>clonepath</a:t>
+            </a:r>
+            <a:endParaRPr lang="en-US" sz="3600" dirty="0">
+              <a:latin typeface="Calibri" charset="0"/>
+              <a:ea typeface="Calibri" charset="0"/>
+              <a:cs typeface="Times New Roman" charset="0"/>
+            </a:endParaRPr>
           </a:p>
           <a:p>
             <a:pPr>
@@ -16389,13 +16258,18 @@
               </a:spcAft>
             </a:pPr>
             <a:r>
-              <a:rPr lang="en-US" dirty="0">
-                <a:latin typeface="Calibri" charset="0"/>
-                <a:ea typeface="Calibri" charset="0"/>
-                <a:cs typeface="Times New Roman" charset="0"/>
-              </a:rPr>
-              <a:t>	country    countries ISO codes...</a:t>
-            </a:r>
+              <a:rPr lang="en-US" sz="2400" dirty="0">
+                <a:latin typeface="Courier New" charset="0"/>
+                <a:ea typeface="Calibri" charset="0"/>
+                <a:cs typeface="Times New Roman" charset="0"/>
+              </a:rPr>
+              <a:t>	branch   branch</a:t>
+            </a:r>
+            <a:endParaRPr lang="en-US" sz="3600" dirty="0">
+              <a:latin typeface="Calibri" charset="0"/>
+              <a:ea typeface="Calibri" charset="0"/>
+              <a:cs typeface="Times New Roman" charset="0"/>
+            </a:endParaRPr>
           </a:p>
           <a:p>
             <a:pPr>
@@ -16404,22 +16278,14 @@
               </a:spcAft>
             </a:pPr>
             <a:r>
-              <a:rPr lang="en-US" dirty="0">
-                <a:latin typeface="Calibri" charset="0"/>
-                <a:ea typeface="Calibri" charset="0"/>
-                <a:cs typeface="Times New Roman" charset="0"/>
-              </a:rPr>
-              <a:t>	database   </a:t>
-            </a:r>
-            <a:r>
-              <a:rPr lang="en-US" dirty="0" err="1">
-                <a:latin typeface="Calibri" charset="0"/>
-                <a:ea typeface="Calibri" charset="0"/>
-                <a:cs typeface="Times New Roman" charset="0"/>
-              </a:rPr>
-              <a:t>db_path</a:t>
-            </a:r>
-            <a:endParaRPr lang="en-US" dirty="0">
+              <a:rPr lang="en-US" sz="2400" dirty="0">
+                <a:latin typeface="Courier New" charset="0"/>
+                <a:ea typeface="Calibri" charset="0"/>
+                <a:cs typeface="Times New Roman" charset="0"/>
+              </a:rPr>
+              <a:t>	key      key</a:t>
+            </a:r>
+            <a:endParaRPr lang="en-US" sz="3600" dirty="0">
               <a:latin typeface="Calibri" charset="0"/>
               <a:ea typeface="Calibri" charset="0"/>
               <a:cs typeface="Times New Roman" charset="0"/>
@@ -16432,38 +16298,14 @@
               </a:spcAft>
             </a:pPr>
             <a:r>
-              <a:rPr lang="en-US" dirty="0">
-                <a:latin typeface="Calibri" charset="0"/>
-                <a:ea typeface="Calibri" charset="0"/>
-                <a:cs typeface="Times New Roman" charset="0"/>
-              </a:rPr>
-              <a:t>	</a:t>
-            </a:r>
-            <a:r>
-              <a:rPr lang="en-US" dirty="0" err="1">
-                <a:latin typeface="Calibri" charset="0"/>
-                <a:ea typeface="Calibri" charset="0"/>
-                <a:cs typeface="Times New Roman" charset="0"/>
-              </a:rPr>
-              <a:t>blockpage</a:t>
-            </a:r>
-            <a:r>
-              <a:rPr lang="en-US" dirty="0">
-                <a:latin typeface="Calibri" charset="0"/>
-                <a:ea typeface="Calibri" charset="0"/>
-                <a:cs typeface="Times New Roman" charset="0"/>
-              </a:rPr>
-              <a:t>  </a:t>
-            </a:r>
-            <a:r>
-              <a:rPr lang="en-US" dirty="0" err="1">
-                <a:latin typeface="Calibri" charset="0"/>
-                <a:ea typeface="Calibri" charset="0"/>
-                <a:cs typeface="Times New Roman" charset="0"/>
-              </a:rPr>
-              <a:t>block_page</a:t>
-            </a:r>
-            <a:endParaRPr lang="en-US" dirty="0">
+              <a:rPr lang="en-US" sz="2400" dirty="0">
+                <a:latin typeface="Courier New" charset="0"/>
+                <a:ea typeface="Calibri" charset="0"/>
+                <a:cs typeface="Times New Roman" charset="0"/>
+              </a:rPr>
+              <a:t>	hook     path [secret]</a:t>
+            </a:r>
+            <a:endParaRPr lang="en-US" sz="3600" dirty="0">
               <a:latin typeface="Calibri" charset="0"/>
               <a:ea typeface="Calibri" charset="0"/>
               <a:cs typeface="Times New Roman" charset="0"/>
@@ -16476,13 +16318,18 @@
               </a:spcAft>
             </a:pPr>
             <a:r>
-              <a:rPr lang="en-US" dirty="0">
-                <a:latin typeface="Calibri" charset="0"/>
-                <a:ea typeface="Calibri" charset="0"/>
-                <a:cs typeface="Times New Roman" charset="0"/>
-              </a:rPr>
-              <a:t>	strict</a:t>
-            </a:r>
+              <a:rPr lang="en-US" sz="2400" dirty="0">
+                <a:latin typeface="Courier New" charset="0"/>
+                <a:ea typeface="Calibri" charset="0"/>
+                <a:cs typeface="Times New Roman" charset="0"/>
+              </a:rPr>
+              <a:t>	interval interval</a:t>
+            </a:r>
+            <a:endParaRPr lang="en-US" sz="3600" dirty="0">
+              <a:latin typeface="Calibri" charset="0"/>
+              <a:ea typeface="Calibri" charset="0"/>
+              <a:cs typeface="Times New Roman" charset="0"/>
+            </a:endParaRPr>
           </a:p>
           <a:p>
             <a:pPr>
@@ -16491,14 +16338,102 @@
               </a:spcAft>
             </a:pPr>
             <a:r>
-              <a:rPr lang="en-US" dirty="0">
-                <a:latin typeface="Calibri" charset="0"/>
+              <a:rPr lang="en-US" sz="2400" dirty="0">
+                <a:latin typeface="Courier New" charset="0"/>
+                <a:ea typeface="Calibri" charset="0"/>
+                <a:cs typeface="Times New Roman" charset="0"/>
+              </a:rPr>
+              <a:t>	then     command [</a:t>
+            </a:r>
+            <a:r>
+              <a:rPr lang="en-US" sz="2400" dirty="0" err="1">
+                <a:latin typeface="Courier New" charset="0"/>
+                <a:ea typeface="Calibri" charset="0"/>
+                <a:cs typeface="Times New Roman" charset="0"/>
+              </a:rPr>
+              <a:t>args</a:t>
+            </a:r>
+            <a:r>
+              <a:rPr lang="en-US" sz="2400" dirty="0">
+                <a:latin typeface="Courier New" charset="0"/>
+                <a:ea typeface="Calibri" charset="0"/>
+                <a:cs typeface="Times New Roman" charset="0"/>
+              </a:rPr>
+              <a:t>...]</a:t>
+            </a:r>
+            <a:endParaRPr lang="en-US" sz="3600" dirty="0">
+              <a:latin typeface="Calibri" charset="0"/>
+              <a:ea typeface="Calibri" charset="0"/>
+              <a:cs typeface="Times New Roman" charset="0"/>
+            </a:endParaRPr>
+          </a:p>
+          <a:p>
+            <a:pPr>
+              <a:spcAft>
+                <a:spcPts val="0"/>
+              </a:spcAft>
+            </a:pPr>
+            <a:r>
+              <a:rPr lang="en-US" sz="2400" dirty="0">
+                <a:latin typeface="Courier New" charset="0"/>
+                <a:ea typeface="Calibri" charset="0"/>
+                <a:cs typeface="Times New Roman" charset="0"/>
+              </a:rPr>
+              <a:t>	</a:t>
+            </a:r>
+            <a:r>
+              <a:rPr lang="en-US" sz="2400" dirty="0" err="1">
+                <a:latin typeface="Courier New" charset="0"/>
+                <a:ea typeface="Calibri" charset="0"/>
+                <a:cs typeface="Times New Roman" charset="0"/>
+              </a:rPr>
+              <a:t>then_longcommand</a:t>
+            </a:r>
+            <a:r>
+              <a:rPr lang="en-US" sz="2400" dirty="0">
+                <a:latin typeface="Courier New" charset="0"/>
+                <a:ea typeface="Calibri" charset="0"/>
+                <a:cs typeface="Times New Roman" charset="0"/>
+              </a:rPr>
+              <a:t> [</a:t>
+            </a:r>
+            <a:r>
+              <a:rPr lang="en-US" sz="2400" dirty="0" err="1">
+                <a:latin typeface="Courier New" charset="0"/>
+                <a:ea typeface="Calibri" charset="0"/>
+                <a:cs typeface="Times New Roman" charset="0"/>
+              </a:rPr>
+              <a:t>args</a:t>
+            </a:r>
+            <a:r>
+              <a:rPr lang="en-US" sz="2400" dirty="0">
+                <a:latin typeface="Courier New" charset="0"/>
+                <a:ea typeface="Calibri" charset="0"/>
+                <a:cs typeface="Times New Roman" charset="0"/>
+              </a:rPr>
+              <a:t>...]</a:t>
+            </a:r>
+            <a:endParaRPr lang="en-US" sz="3600" dirty="0">
+              <a:latin typeface="Calibri" charset="0"/>
+              <a:ea typeface="Calibri" charset="0"/>
+              <a:cs typeface="Times New Roman" charset="0"/>
+            </a:endParaRPr>
+          </a:p>
+          <a:p>
+            <a:pPr>
+              <a:spcAft>
+                <a:spcPts val="0"/>
+              </a:spcAft>
+            </a:pPr>
+            <a:r>
+              <a:rPr lang="en-US" sz="2400" dirty="0">
+                <a:latin typeface="Courier New" charset="0"/>
                 <a:ea typeface="Calibri" charset="0"/>
                 <a:cs typeface="Times New Roman" charset="0"/>
               </a:rPr>
               <a:t>}</a:t>
             </a:r>
-            <a:endParaRPr lang="en-US" dirty="0">
+            <a:endParaRPr lang="en-US" sz="3600" dirty="0">
               <a:effectLst/>
               <a:latin typeface="Calibri" charset="0"/>
               <a:ea typeface="Calibri" charset="0"/>
@@ -16515,8 +16450,8 @@
         </p:nvSpPr>
         <p:spPr>
           <a:xfrm>
-            <a:off x="404190" y="3425974"/>
-            <a:ext cx="6096000" cy="3970318"/>
+            <a:off x="6096000" y="196573"/>
+            <a:ext cx="6096000" cy="4339650"/>
           </a:xfrm>
           <a:prstGeom prst="rect">
             <a:avLst/>
@@ -16528,668 +16463,92 @@
           </a:bodyPr>
           <a:lstStyle/>
           <a:p>
-            <a:pPr>
-              <a:spcAft>
-                <a:spcPts val="0"/>
-              </a:spcAft>
-            </a:pPr>
-            <a:r>
-              <a:rPr lang="en-US" dirty="0" err="1">
-                <a:latin typeface="Calibri" charset="0"/>
-                <a:ea typeface="Calibri" charset="0"/>
-                <a:cs typeface="Times New Roman" charset="0"/>
-              </a:rPr>
-              <a:t>ipfilter</a:t>
-            </a:r>
-            <a:r>
-              <a:rPr lang="en-US" dirty="0">
-                <a:latin typeface="Calibri" charset="0"/>
-                <a:ea typeface="Calibri" charset="0"/>
-                <a:cs typeface="Times New Roman" charset="0"/>
-              </a:rPr>
-              <a:t> / {</a:t>
-            </a:r>
-          </a:p>
-          <a:p>
-            <a:pPr>
-              <a:spcAft>
-                <a:spcPts val="0"/>
-              </a:spcAft>
-            </a:pPr>
-            <a:r>
-              <a:rPr lang="en-US" dirty="0">
-                <a:latin typeface="Calibri" charset="0"/>
-                <a:ea typeface="Calibri" charset="0"/>
-                <a:cs typeface="Times New Roman" charset="0"/>
-              </a:rPr>
-              <a:t>	rule       block</a:t>
-            </a:r>
-          </a:p>
-          <a:p>
-            <a:pPr>
-              <a:spcAft>
-                <a:spcPts val="0"/>
-              </a:spcAft>
-            </a:pPr>
-            <a:r>
-              <a:rPr lang="en-US" dirty="0">
-                <a:latin typeface="Calibri" charset="0"/>
-                <a:ea typeface="Calibri" charset="0"/>
-                <a:cs typeface="Times New Roman" charset="0"/>
-              </a:rPr>
-              <a:t>	</a:t>
-            </a:r>
-            <a:r>
-              <a:rPr lang="en-US" dirty="0" err="1">
-                <a:latin typeface="Calibri" charset="0"/>
-                <a:ea typeface="Calibri" charset="0"/>
-                <a:cs typeface="Times New Roman" charset="0"/>
-              </a:rPr>
-              <a:t>ip</a:t>
-            </a:r>
-            <a:r>
-              <a:rPr lang="en-US" dirty="0">
-                <a:latin typeface="Calibri" charset="0"/>
-                <a:ea typeface="Calibri" charset="0"/>
-                <a:cs typeface="Times New Roman" charset="0"/>
-              </a:rPr>
-              <a:t>         212.10.15.0-255 213.10.15.0-10 5.23.4.24</a:t>
-            </a:r>
-          </a:p>
-          <a:p>
-            <a:pPr>
-              <a:spcAft>
-                <a:spcPts val="0"/>
-              </a:spcAft>
-            </a:pPr>
-            <a:r>
-              <a:rPr lang="en-US" dirty="0">
-                <a:latin typeface="Calibri" charset="0"/>
-                <a:ea typeface="Calibri" charset="0"/>
-                <a:cs typeface="Times New Roman" charset="0"/>
-              </a:rPr>
-              <a:t>	</a:t>
-            </a:r>
-            <a:r>
-              <a:rPr lang="en-US" dirty="0" err="1">
-                <a:latin typeface="Calibri" charset="0"/>
-                <a:ea typeface="Calibri" charset="0"/>
-                <a:cs typeface="Times New Roman" charset="0"/>
-              </a:rPr>
-              <a:t>blockpage</a:t>
-            </a:r>
-            <a:r>
-              <a:rPr lang="en-US" dirty="0">
-                <a:latin typeface="Calibri" charset="0"/>
-                <a:ea typeface="Calibri" charset="0"/>
-                <a:cs typeface="Times New Roman" charset="0"/>
-              </a:rPr>
-              <a:t>  /local/data/</a:t>
-            </a:r>
-            <a:r>
-              <a:rPr lang="en-US" dirty="0" err="1">
-                <a:latin typeface="Calibri" charset="0"/>
-                <a:ea typeface="Calibri" charset="0"/>
-                <a:cs typeface="Times New Roman" charset="0"/>
-              </a:rPr>
-              <a:t>default.html</a:t>
-            </a:r>
-            <a:endParaRPr lang="en-US" dirty="0">
-              <a:latin typeface="Calibri" charset="0"/>
-              <a:ea typeface="Calibri" charset="0"/>
-              <a:cs typeface="Times New Roman" charset="0"/>
-            </a:endParaRPr>
-          </a:p>
-          <a:p>
-            <a:pPr>
-              <a:spcAft>
-                <a:spcPts val="0"/>
-              </a:spcAft>
-            </a:pPr>
-            <a:r>
-              <a:rPr lang="en-US" dirty="0">
-                <a:latin typeface="Calibri" charset="0"/>
-                <a:ea typeface="Calibri" charset="0"/>
-                <a:cs typeface="Times New Roman" charset="0"/>
-              </a:rPr>
+            <a:r>
+              <a:rPr lang="en-US" sz="3600" dirty="0">
+                <a:latin typeface="Times New Roman" charset="0"/>
+                <a:ea typeface="Calibri" charset="0"/>
+              </a:rPr>
+              <a:t>Private repository pulled into the "subfolder" directory with tag v1.0 once per day: </a:t>
+            </a:r>
+          </a:p>
+          <a:p>
+            <a:r>
+              <a:rPr lang="en-US" sz="2400" dirty="0" err="1"/>
+              <a:t>git</a:t>
+            </a:r>
+            <a:r>
+              <a:rPr lang="en-US" sz="2400" dirty="0"/>
+              <a:t> {</a:t>
+            </a:r>
+          </a:p>
+          <a:p>
+            <a:r>
+              <a:rPr lang="en-US" sz="2400" dirty="0"/>
+              <a:t>	repo     </a:t>
+            </a:r>
+            <a:r>
+              <a:rPr lang="en-US" sz="2400" dirty="0" err="1"/>
+              <a:t>git@github.com:user</a:t>
+            </a:r>
+            <a:r>
+              <a:rPr lang="en-US" sz="2400" dirty="0"/>
+              <a:t>/</a:t>
+            </a:r>
+            <a:r>
+              <a:rPr lang="en-US" sz="2400" dirty="0" err="1"/>
+              <a:t>myproject</a:t>
+            </a:r>
+            <a:endParaRPr lang="en-US" sz="2400" dirty="0"/>
+          </a:p>
+          <a:p>
+            <a:r>
+              <a:rPr lang="en-US" sz="2400" dirty="0"/>
+              <a:t>	branch   v1.0</a:t>
+            </a:r>
+          </a:p>
+          <a:p>
+            <a:r>
+              <a:rPr lang="en-US" sz="2400" dirty="0"/>
+              <a:t>	key      /home/user/.</a:t>
+            </a:r>
+            <a:r>
+              <a:rPr lang="en-US" sz="2400" dirty="0" err="1"/>
+              <a:t>ssh</a:t>
+            </a:r>
+            <a:r>
+              <a:rPr lang="en-US" sz="2400" dirty="0"/>
+              <a:t>/</a:t>
+            </a:r>
+            <a:r>
+              <a:rPr lang="en-US" sz="2400" dirty="0" err="1"/>
+              <a:t>id_rsa</a:t>
+            </a:r>
+            <a:endParaRPr lang="en-US" sz="2400" dirty="0"/>
+          </a:p>
+          <a:p>
+            <a:r>
+              <a:rPr lang="en-US" sz="2400" dirty="0"/>
+              <a:t>	path     subfolder</a:t>
+            </a:r>
+          </a:p>
+          <a:p>
+            <a:r>
+              <a:rPr lang="en-US" sz="2400" dirty="0"/>
+              <a:t>	interval 86400</a:t>
+            </a:r>
+          </a:p>
+          <a:p>
+            <a:r>
+              <a:rPr lang="en-US" sz="2400" dirty="0"/>
               <a:t>}</a:t>
             </a:r>
-          </a:p>
-          <a:p>
-            <a:pPr>
-              <a:spcAft>
-                <a:spcPts val="0"/>
-              </a:spcAft>
-            </a:pPr>
-            <a:r>
-              <a:rPr lang="en-US" dirty="0">
-                <a:latin typeface="Calibri" charset="0"/>
-                <a:ea typeface="Calibri" charset="0"/>
-                <a:cs typeface="Times New Roman" charset="0"/>
-              </a:rPr>
-              <a:t> </a:t>
-            </a:r>
-          </a:p>
-          <a:p>
-            <a:pPr>
-              <a:spcAft>
-                <a:spcPts val="0"/>
-              </a:spcAft>
-            </a:pPr>
-            <a:r>
-              <a:rPr lang="en-US" dirty="0" err="1">
-                <a:latin typeface="Calibri" charset="0"/>
-                <a:ea typeface="Calibri" charset="0"/>
-                <a:cs typeface="Times New Roman" charset="0"/>
-              </a:rPr>
-              <a:t>ipfilter</a:t>
-            </a:r>
-            <a:r>
-              <a:rPr lang="en-US" dirty="0">
-                <a:latin typeface="Calibri" charset="0"/>
-                <a:ea typeface="Calibri" charset="0"/>
-                <a:cs typeface="Times New Roman" charset="0"/>
-              </a:rPr>
-              <a:t> /</a:t>
-            </a:r>
-            <a:r>
-              <a:rPr lang="en-US" dirty="0" err="1">
-                <a:latin typeface="Calibri" charset="0"/>
-                <a:ea typeface="Calibri" charset="0"/>
-                <a:cs typeface="Times New Roman" charset="0"/>
-              </a:rPr>
-              <a:t>notglobal</a:t>
-            </a:r>
-            <a:r>
-              <a:rPr lang="en-US" dirty="0">
-                <a:latin typeface="Calibri" charset="0"/>
-                <a:ea typeface="Calibri" charset="0"/>
-                <a:cs typeface="Times New Roman" charset="0"/>
-              </a:rPr>
-              <a:t> /secret {</a:t>
-            </a:r>
-          </a:p>
-          <a:p>
-            <a:pPr>
-              <a:spcAft>
-                <a:spcPts val="0"/>
-              </a:spcAft>
-            </a:pPr>
-            <a:r>
-              <a:rPr lang="en-US" dirty="0">
-                <a:latin typeface="Calibri" charset="0"/>
-                <a:ea typeface="Calibri" charset="0"/>
-                <a:cs typeface="Times New Roman" charset="0"/>
-              </a:rPr>
-              <a:t>	rule       block</a:t>
-            </a:r>
-          </a:p>
-          <a:p>
-            <a:pPr>
-              <a:spcAft>
-                <a:spcPts val="0"/>
-              </a:spcAft>
-            </a:pPr>
-            <a:r>
-              <a:rPr lang="en-US" dirty="0">
-                <a:latin typeface="Calibri" charset="0"/>
-                <a:ea typeface="Calibri" charset="0"/>
-                <a:cs typeface="Times New Roman" charset="0"/>
-              </a:rPr>
-              <a:t>	country    US JP</a:t>
-            </a:r>
-          </a:p>
-          <a:p>
-            <a:pPr>
-              <a:spcAft>
-                <a:spcPts val="0"/>
-              </a:spcAft>
-            </a:pPr>
-            <a:r>
-              <a:rPr lang="en-US" dirty="0">
-                <a:latin typeface="Calibri" charset="0"/>
-                <a:ea typeface="Calibri" charset="0"/>
-                <a:cs typeface="Times New Roman" charset="0"/>
-              </a:rPr>
-              <a:t>	database   /local/data/GeoLite2-Country.mmdb </a:t>
-            </a:r>
-          </a:p>
-          <a:p>
-            <a:pPr>
-              <a:spcAft>
-                <a:spcPts val="0"/>
-              </a:spcAft>
-            </a:pPr>
-            <a:r>
-              <a:rPr lang="en-US" dirty="0">
-                <a:latin typeface="Calibri" charset="0"/>
-                <a:ea typeface="Calibri" charset="0"/>
-                <a:cs typeface="Times New Roman" charset="0"/>
-              </a:rPr>
-              <a:t>	</a:t>
-            </a:r>
-            <a:r>
-              <a:rPr lang="en-US" dirty="0" err="1">
-                <a:latin typeface="Calibri" charset="0"/>
-                <a:ea typeface="Calibri" charset="0"/>
-                <a:cs typeface="Times New Roman" charset="0"/>
-              </a:rPr>
-              <a:t>blockpage</a:t>
-            </a:r>
-            <a:r>
-              <a:rPr lang="en-US" dirty="0">
-                <a:latin typeface="Calibri" charset="0"/>
-                <a:ea typeface="Calibri" charset="0"/>
-                <a:cs typeface="Times New Roman" charset="0"/>
-              </a:rPr>
-              <a:t>  /local/data/</a:t>
-            </a:r>
-            <a:r>
-              <a:rPr lang="en-US" dirty="0" err="1">
-                <a:latin typeface="Calibri" charset="0"/>
-                <a:ea typeface="Calibri" charset="0"/>
-                <a:cs typeface="Times New Roman" charset="0"/>
-              </a:rPr>
-              <a:t>default.html</a:t>
-            </a:r>
-            <a:endParaRPr lang="en-US" dirty="0">
-              <a:latin typeface="Calibri" charset="0"/>
-              <a:ea typeface="Calibri" charset="0"/>
-              <a:cs typeface="Times New Roman" charset="0"/>
-            </a:endParaRPr>
-          </a:p>
-          <a:p>
-            <a:pPr>
-              <a:spcAft>
-                <a:spcPts val="0"/>
-              </a:spcAft>
-            </a:pPr>
-            <a:r>
-              <a:rPr lang="en-US" dirty="0">
-                <a:latin typeface="Calibri" charset="0"/>
-                <a:ea typeface="Calibri" charset="0"/>
-                <a:cs typeface="Times New Roman" charset="0"/>
-              </a:rPr>
-              <a:t>}</a:t>
-            </a:r>
-          </a:p>
-          <a:p>
-            <a:pPr>
-              <a:spcAft>
-                <a:spcPts val="0"/>
-              </a:spcAft>
-            </a:pPr>
-            <a:r>
-              <a:rPr lang="en-US" dirty="0">
-                <a:latin typeface="Calibri" charset="0"/>
-                <a:ea typeface="Calibri" charset="0"/>
-                <a:cs typeface="Times New Roman" charset="0"/>
-              </a:rPr>
-              <a:t> </a:t>
-            </a:r>
-          </a:p>
-          <a:p>
-            <a:pPr>
-              <a:spcAft>
-                <a:spcPts val="0"/>
-              </a:spcAft>
-            </a:pPr>
-            <a:r>
-              <a:rPr lang="en-US" dirty="0">
-                <a:latin typeface="Calibri" charset="0"/>
-                <a:ea typeface="Calibri" charset="0"/>
-                <a:cs typeface="Times New Roman" charset="0"/>
-              </a:rPr>
-              <a:t> </a:t>
-            </a:r>
-            <a:endParaRPr lang="en-US" dirty="0">
-              <a:effectLst/>
-              <a:latin typeface="Calibri" charset="0"/>
-              <a:ea typeface="Calibri" charset="0"/>
-              <a:cs typeface="Times New Roman" charset="0"/>
-            </a:endParaRPr>
-          </a:p>
-        </p:txBody>
-      </p:sp>
-      <p:sp>
-        <p:nvSpPr>
-          <p:cNvPr id="6" name="Rectangle 5"/>
-          <p:cNvSpPr/>
-          <p:nvPr/>
-        </p:nvSpPr>
-        <p:spPr>
-          <a:xfrm>
-            <a:off x="6370983" y="1073426"/>
-            <a:ext cx="6096000" cy="1477328"/>
-          </a:xfrm>
-          <a:prstGeom prst="rect">
-            <a:avLst/>
-          </a:prstGeom>
-        </p:spPr>
-        <p:txBody>
-          <a:bodyPr>
-            <a:spAutoFit/>
-          </a:bodyPr>
-          <a:lstStyle/>
-          <a:p>
-            <a:pPr>
-              <a:spcAft>
-                <a:spcPts val="0"/>
-              </a:spcAft>
-            </a:pPr>
-            <a:r>
-              <a:rPr lang="en-US" dirty="0" err="1">
-                <a:latin typeface="Courier New" charset="0"/>
-                <a:ea typeface="Calibri" charset="0"/>
-                <a:cs typeface="Times New Roman" charset="0"/>
-              </a:rPr>
-              <a:t>realip</a:t>
-            </a:r>
-            <a:r>
-              <a:rPr lang="en-US" dirty="0">
-                <a:latin typeface="Courier New" charset="0"/>
-                <a:ea typeface="Calibri" charset="0"/>
-                <a:cs typeface="Times New Roman" charset="0"/>
-              </a:rPr>
-              <a:t> {</a:t>
-            </a:r>
-            <a:endParaRPr lang="en-US" sz="2800" dirty="0">
-              <a:latin typeface="Calibri" charset="0"/>
-              <a:ea typeface="Calibri" charset="0"/>
-              <a:cs typeface="Times New Roman" charset="0"/>
-            </a:endParaRPr>
-          </a:p>
-          <a:p>
-            <a:pPr>
-              <a:spcAft>
-                <a:spcPts val="0"/>
-              </a:spcAft>
-            </a:pPr>
-            <a:r>
-              <a:rPr lang="en-US" dirty="0">
-                <a:latin typeface="Courier New" charset="0"/>
-                <a:ea typeface="Calibri" charset="0"/>
-                <a:cs typeface="Times New Roman" charset="0"/>
-              </a:rPr>
-              <a:t>    header name</a:t>
-            </a:r>
-            <a:endParaRPr lang="en-US" sz="2800" dirty="0">
-              <a:latin typeface="Calibri" charset="0"/>
-              <a:ea typeface="Calibri" charset="0"/>
-              <a:cs typeface="Times New Roman" charset="0"/>
-            </a:endParaRPr>
-          </a:p>
-          <a:p>
-            <a:pPr>
-              <a:spcAft>
-                <a:spcPts val="0"/>
-              </a:spcAft>
-            </a:pPr>
-            <a:r>
-              <a:rPr lang="en-US" dirty="0">
-                <a:latin typeface="Courier New" charset="0"/>
-                <a:ea typeface="Calibri" charset="0"/>
-                <a:cs typeface="Times New Roman" charset="0"/>
-              </a:rPr>
-              <a:t>    from   </a:t>
-            </a:r>
-            <a:r>
-              <a:rPr lang="en-US" dirty="0" err="1">
-                <a:latin typeface="Courier New" charset="0"/>
-                <a:ea typeface="Calibri" charset="0"/>
-                <a:cs typeface="Times New Roman" charset="0"/>
-              </a:rPr>
-              <a:t>cidr</a:t>
-            </a:r>
-            <a:endParaRPr lang="en-US" sz="2800" dirty="0">
-              <a:latin typeface="Calibri" charset="0"/>
-              <a:ea typeface="Calibri" charset="0"/>
-              <a:cs typeface="Times New Roman" charset="0"/>
-            </a:endParaRPr>
-          </a:p>
-          <a:p>
-            <a:pPr>
-              <a:spcAft>
-                <a:spcPts val="0"/>
-              </a:spcAft>
-            </a:pPr>
-            <a:r>
-              <a:rPr lang="en-US" dirty="0">
-                <a:latin typeface="Courier New" charset="0"/>
-                <a:ea typeface="Calibri" charset="0"/>
-                <a:cs typeface="Times New Roman" charset="0"/>
-              </a:rPr>
-              <a:t>    strict</a:t>
-            </a:r>
-            <a:endParaRPr lang="en-US" sz="2800" dirty="0">
-              <a:latin typeface="Calibri" charset="0"/>
-              <a:ea typeface="Calibri" charset="0"/>
-              <a:cs typeface="Times New Roman" charset="0"/>
-            </a:endParaRPr>
-          </a:p>
-          <a:p>
-            <a:pPr>
-              <a:spcAft>
-                <a:spcPts val="0"/>
-              </a:spcAft>
-            </a:pPr>
-            <a:r>
-              <a:rPr lang="en-US" dirty="0">
-                <a:latin typeface="Courier New" charset="0"/>
-                <a:ea typeface="Calibri" charset="0"/>
-                <a:cs typeface="Times New Roman" charset="0"/>
-              </a:rPr>
-              <a:t>}</a:t>
-            </a:r>
-            <a:endParaRPr lang="en-US" sz="2800" dirty="0">
-              <a:effectLst/>
-              <a:latin typeface="Calibri" charset="0"/>
-              <a:ea typeface="Calibri" charset="0"/>
-              <a:cs typeface="Times New Roman" charset="0"/>
-            </a:endParaRPr>
-          </a:p>
-        </p:txBody>
-      </p:sp>
-      <p:sp>
-        <p:nvSpPr>
-          <p:cNvPr id="7" name="Rectangle 6"/>
-          <p:cNvSpPr/>
-          <p:nvPr/>
-        </p:nvSpPr>
-        <p:spPr>
-          <a:xfrm>
-            <a:off x="6370982" y="242429"/>
-            <a:ext cx="11642035" cy="830997"/>
-          </a:xfrm>
-          <a:prstGeom prst="rect">
-            <a:avLst/>
-          </a:prstGeom>
-        </p:spPr>
-        <p:txBody>
-          <a:bodyPr wrap="square">
-            <a:spAutoFit/>
-          </a:bodyPr>
-          <a:lstStyle/>
-          <a:p>
-            <a:r>
-              <a:rPr lang="en-US" sz="4800" b="1" dirty="0" smtClean="0"/>
-              <a:t>Real-IP (Add-on)</a:t>
-            </a:r>
-            <a:endParaRPr lang="en-US" sz="2800" b="1" dirty="0"/>
-          </a:p>
-        </p:txBody>
-      </p:sp>
-      <p:sp>
-        <p:nvSpPr>
-          <p:cNvPr id="8" name="Rectangle 7"/>
-          <p:cNvSpPr/>
-          <p:nvPr/>
-        </p:nvSpPr>
-        <p:spPr>
-          <a:xfrm>
-            <a:off x="5950225" y="2750620"/>
-            <a:ext cx="6096000" cy="1754326"/>
-          </a:xfrm>
-          <a:prstGeom prst="rect">
-            <a:avLst/>
-          </a:prstGeom>
-        </p:spPr>
-        <p:txBody>
-          <a:bodyPr>
-            <a:spAutoFit/>
-          </a:bodyPr>
-          <a:lstStyle/>
-          <a:p>
-            <a:pPr>
-              <a:spcAft>
-                <a:spcPts val="0"/>
-              </a:spcAft>
-            </a:pPr>
-            <a:r>
-              <a:rPr lang="en-US">
-                <a:latin typeface="Courier New" charset="0"/>
-                <a:ea typeface="Calibri" charset="0"/>
-                <a:cs typeface="Times New Roman" charset="0"/>
-              </a:rPr>
-              <a:t>	</a:t>
-            </a:r>
-            <a:r>
-              <a:rPr lang="en-US" dirty="0" err="1">
-                <a:latin typeface="Courier New" charset="0"/>
-                <a:ea typeface="Calibri" charset="0"/>
-                <a:cs typeface="Times New Roman" charset="0"/>
-              </a:rPr>
-              <a:t>realip</a:t>
-            </a:r>
-            <a:r>
-              <a:rPr lang="en-US" dirty="0">
-                <a:latin typeface="Courier New" charset="0"/>
-                <a:ea typeface="Calibri" charset="0"/>
-                <a:cs typeface="Times New Roman" charset="0"/>
-              </a:rPr>
-              <a:t> {</a:t>
-            </a:r>
-            <a:endParaRPr lang="en-US" sz="2800" dirty="0">
-              <a:latin typeface="Calibri" charset="0"/>
-              <a:ea typeface="Calibri" charset="0"/>
-              <a:cs typeface="Times New Roman" charset="0"/>
-            </a:endParaRPr>
-          </a:p>
-          <a:p>
-            <a:pPr>
-              <a:spcAft>
-                <a:spcPts val="0"/>
-              </a:spcAft>
-            </a:pPr>
-            <a:r>
-              <a:rPr lang="en-US" dirty="0">
-                <a:latin typeface="Courier New" charset="0"/>
-                <a:ea typeface="Calibri" charset="0"/>
-                <a:cs typeface="Times New Roman" charset="0"/>
-              </a:rPr>
-              <a:t>	    header X-Forwarded-For</a:t>
-            </a:r>
-            <a:endParaRPr lang="en-US" sz="2800" dirty="0">
-              <a:latin typeface="Calibri" charset="0"/>
-              <a:ea typeface="Calibri" charset="0"/>
-              <a:cs typeface="Times New Roman" charset="0"/>
-            </a:endParaRPr>
-          </a:p>
-          <a:p>
-            <a:pPr>
-              <a:spcAft>
-                <a:spcPts val="0"/>
-              </a:spcAft>
-            </a:pPr>
-            <a:r>
-              <a:rPr lang="en-US" dirty="0">
-                <a:latin typeface="Courier New" charset="0"/>
-                <a:ea typeface="Calibri" charset="0"/>
-                <a:cs typeface="Times New Roman" charset="0"/>
-              </a:rPr>
-              <a:t>	    from   </a:t>
-            </a:r>
-            <a:r>
-              <a:rPr lang="en-US" dirty="0" err="1">
-                <a:latin typeface="Courier New" charset="0"/>
-                <a:ea typeface="Calibri" charset="0"/>
-                <a:cs typeface="Times New Roman" charset="0"/>
-              </a:rPr>
-              <a:t>cloudflare</a:t>
-            </a:r>
-            <a:endParaRPr lang="en-US" sz="2800" dirty="0">
-              <a:latin typeface="Calibri" charset="0"/>
-              <a:ea typeface="Calibri" charset="0"/>
-              <a:cs typeface="Times New Roman" charset="0"/>
-            </a:endParaRPr>
-          </a:p>
-          <a:p>
-            <a:pPr>
-              <a:spcAft>
-                <a:spcPts val="0"/>
-              </a:spcAft>
-            </a:pPr>
-            <a:r>
-              <a:rPr lang="en-US" dirty="0">
-                <a:latin typeface="Courier New" charset="0"/>
-                <a:ea typeface="Calibri" charset="0"/>
-                <a:cs typeface="Times New Roman" charset="0"/>
-              </a:rPr>
-              <a:t>	    from   1.2.3.4/32</a:t>
-            </a:r>
-            <a:endParaRPr lang="en-US" sz="2800" dirty="0">
-              <a:latin typeface="Calibri" charset="0"/>
-              <a:ea typeface="Calibri" charset="0"/>
-              <a:cs typeface="Times New Roman" charset="0"/>
-            </a:endParaRPr>
-          </a:p>
-          <a:p>
-            <a:pPr>
-              <a:spcAft>
-                <a:spcPts val="0"/>
-              </a:spcAft>
-            </a:pPr>
-            <a:r>
-              <a:rPr lang="en-US" dirty="0">
-                <a:latin typeface="Courier New" charset="0"/>
-                <a:ea typeface="Calibri" charset="0"/>
-                <a:cs typeface="Times New Roman" charset="0"/>
-              </a:rPr>
-              <a:t>	    from   0.0.0.0/0</a:t>
-            </a:r>
-            <a:endParaRPr lang="en-US" sz="2800" dirty="0">
-              <a:latin typeface="Calibri" charset="0"/>
-              <a:ea typeface="Calibri" charset="0"/>
-              <a:cs typeface="Times New Roman" charset="0"/>
-            </a:endParaRPr>
-          </a:p>
-          <a:p>
-            <a:pPr>
-              <a:spcAft>
-                <a:spcPts val="0"/>
-              </a:spcAft>
-            </a:pPr>
-            <a:r>
-              <a:rPr lang="en-US" dirty="0">
-                <a:latin typeface="Courier New" charset="0"/>
-                <a:ea typeface="Calibri" charset="0"/>
-                <a:cs typeface="Times New Roman" charset="0"/>
-              </a:rPr>
-              <a:t>	}</a:t>
-            </a:r>
-            <a:endParaRPr lang="en-US" sz="2800" dirty="0">
-              <a:effectLst/>
-              <a:latin typeface="Calibri" charset="0"/>
-              <a:ea typeface="Calibri" charset="0"/>
-              <a:cs typeface="Times New Roman" charset="0"/>
-            </a:endParaRPr>
           </a:p>
         </p:txBody>
       </p:sp>
     </p:spTree>
     <p:extLst>
       <p:ext uri="{BB962C8B-B14F-4D97-AF65-F5344CB8AC3E}">
-        <p14:creationId xmlns:p14="http://schemas.microsoft.com/office/powerpoint/2010/main" val="172223766"/>
+        <p14:creationId xmlns:p14="http://schemas.microsoft.com/office/powerpoint/2010/main" val="975640932"/>
       </p:ext>
     </p:extLst>
   </p:cSld>
@@ -17246,7 +16605,11 @@
           <a:p>
             <a:r>
               <a:rPr lang="en-US" sz="4800" b="1" dirty="0" smtClean="0"/>
-              <a:t>Proxy</a:t>
+              <a:t>Fast-</a:t>
+            </a:r>
+            <a:r>
+              <a:rPr lang="en-US" sz="4800" b="1" dirty="0" err="1" smtClean="0"/>
+              <a:t>cgi</a:t>
             </a:r>
             <a:endParaRPr lang="en-US" sz="2800" b="1" dirty="0"/>
           </a:p>
@@ -17260,8 +16623,8 @@
         </p:nvSpPr>
         <p:spPr>
           <a:xfrm>
-            <a:off x="404189" y="1095538"/>
-            <a:ext cx="6950767" cy="3693319"/>
+            <a:off x="404190" y="1095538"/>
+            <a:ext cx="9992140" cy="1077218"/>
           </a:xfrm>
           <a:prstGeom prst="rect">
             <a:avLst/>
@@ -17273,18 +16636,171 @@
           </a:bodyPr>
           <a:lstStyle/>
           <a:p>
+            <a:r>
+              <a:rPr lang="en-US" sz="3200" dirty="0" err="1"/>
+              <a:t>fastcgi</a:t>
+            </a:r>
+            <a:r>
+              <a:rPr lang="en-US" sz="3200" dirty="0"/>
+              <a:t> /blog/ 127.0.0.1:9000 </a:t>
+            </a:r>
+            <a:r>
+              <a:rPr lang="en-US" sz="3200" dirty="0" err="1" smtClean="0"/>
+              <a:t>php</a:t>
+            </a:r>
+            <a:endParaRPr lang="en-US" sz="3200" dirty="0" smtClean="0"/>
+          </a:p>
+          <a:p>
+            <a:r>
+              <a:rPr lang="en-US" sz="3200" dirty="0" err="1"/>
+              <a:t>fastcgi</a:t>
+            </a:r>
+            <a:r>
+              <a:rPr lang="en-US" sz="3200" dirty="0"/>
+              <a:t> / /</a:t>
+            </a:r>
+            <a:r>
+              <a:rPr lang="en-US" sz="3200" dirty="0" err="1"/>
+              <a:t>var</a:t>
+            </a:r>
+            <a:r>
+              <a:rPr lang="en-US" sz="3200" dirty="0"/>
+              <a:t>/run/php5-fpm.sock </a:t>
+            </a:r>
+            <a:r>
+              <a:rPr lang="en-US" sz="3200" dirty="0" err="1"/>
+              <a:t>php</a:t>
+            </a:r>
+            <a:endParaRPr lang="en-US" sz="3200" dirty="0"/>
+          </a:p>
+        </p:txBody>
+      </p:sp>
+      <p:sp>
+        <p:nvSpPr>
+          <p:cNvPr id="5" name="Rectangle 4"/>
+          <p:cNvSpPr/>
+          <p:nvPr/>
+        </p:nvSpPr>
+        <p:spPr>
+          <a:xfrm>
+            <a:off x="404189" y="2366719"/>
+            <a:ext cx="11642035" cy="1261884"/>
+          </a:xfrm>
+          <a:prstGeom prst="rect">
+            <a:avLst/>
+          </a:prstGeom>
+        </p:spPr>
+        <p:txBody>
+          <a:bodyPr wrap="square">
+            <a:spAutoFit/>
+          </a:bodyPr>
+          <a:lstStyle/>
+          <a:p>
+            <a:r>
+              <a:rPr lang="en-US" sz="4800" b="1" dirty="0" smtClean="0"/>
+              <a:t>Search (Using </a:t>
+            </a:r>
+            <a:r>
+              <a:rPr lang="en-US" sz="4800" b="1" dirty="0" err="1" smtClean="0"/>
+              <a:t>Bleve</a:t>
+            </a:r>
+            <a:r>
+              <a:rPr lang="en-US" sz="4800" b="1" dirty="0" smtClean="0"/>
+              <a:t> Engine)</a:t>
+            </a:r>
+            <a:endParaRPr lang="en-US" sz="2800" b="1" dirty="0"/>
+          </a:p>
+          <a:p>
+            <a:endParaRPr lang="en-US" sz="2800" b="1" dirty="0"/>
+          </a:p>
+        </p:txBody>
+      </p:sp>
+      <p:sp>
+        <p:nvSpPr>
+          <p:cNvPr id="3" name="Rectangle 2"/>
+          <p:cNvSpPr/>
+          <p:nvPr/>
+        </p:nvSpPr>
+        <p:spPr>
+          <a:xfrm>
+            <a:off x="404189" y="3482954"/>
+            <a:ext cx="6096000" cy="2246769"/>
+          </a:xfrm>
+          <a:prstGeom prst="rect">
+            <a:avLst/>
+          </a:prstGeom>
+        </p:spPr>
+        <p:txBody>
+          <a:bodyPr>
+            <a:spAutoFit/>
+          </a:bodyPr>
+          <a:lstStyle/>
+          <a:p>
             <a:pPr>
               <a:spcAft>
                 <a:spcPts val="0"/>
               </a:spcAft>
             </a:pPr>
             <a:r>
-              <a:rPr lang="en-US" dirty="0">
-                <a:latin typeface="Courier New" charset="0"/>
-                <a:ea typeface="Calibri" charset="0"/>
-                <a:cs typeface="Times New Roman" charset="0"/>
-              </a:rPr>
-              <a:t>proxy from to... {</a:t>
+              <a:rPr lang="en-US" sz="2800" dirty="0">
+                <a:latin typeface="Calibri" charset="0"/>
+                <a:ea typeface="Calibri" charset="0"/>
+                <a:cs typeface="Times New Roman" charset="0"/>
+              </a:rPr>
+              <a:t>search ^/blog/ {</a:t>
+            </a:r>
+          </a:p>
+          <a:p>
+            <a:pPr>
+              <a:spcAft>
+                <a:spcPts val="0"/>
+              </a:spcAft>
+            </a:pPr>
+            <a:r>
+              <a:rPr lang="en-US" sz="2800" dirty="0">
+                <a:latin typeface="Calibri" charset="0"/>
+                <a:ea typeface="Calibri" charset="0"/>
+                <a:cs typeface="Times New Roman" charset="0"/>
+              </a:rPr>
+              <a:t>	+path /static/docs</a:t>
+            </a:r>
+          </a:p>
+          <a:p>
+            <a:pPr>
+              <a:spcAft>
+                <a:spcPts val="0"/>
+              </a:spcAft>
+            </a:pPr>
+            <a:r>
+              <a:rPr lang="en-US" sz="2800" dirty="0">
+                <a:latin typeface="Calibri" charset="0"/>
+                <a:ea typeface="Calibri" charset="0"/>
+                <a:cs typeface="Times New Roman" charset="0"/>
+              </a:rPr>
+              <a:t>	-path ^/blog/admin/</a:t>
+            </a:r>
+          </a:p>
+          <a:p>
+            <a:pPr>
+              <a:spcAft>
+                <a:spcPts val="0"/>
+              </a:spcAft>
+            </a:pPr>
+            <a:r>
+              <a:rPr lang="en-US" sz="2800" dirty="0">
+                <a:latin typeface="Calibri" charset="0"/>
+                <a:ea typeface="Calibri" charset="0"/>
+                <a:cs typeface="Times New Roman" charset="0"/>
+              </a:rPr>
+              <a:t>	-path </a:t>
+            </a:r>
+            <a:r>
+              <a:rPr lang="en-US" sz="2800" dirty="0" err="1">
+                <a:latin typeface="Calibri" charset="0"/>
+                <a:ea typeface="Calibri" charset="0"/>
+                <a:cs typeface="Times New Roman" charset="0"/>
+              </a:rPr>
+              <a:t>robots.txt</a:t>
             </a:r>
             <a:endParaRPr lang="en-US" sz="2800" dirty="0">
               <a:latin typeface="Calibri" charset="0"/>
@@ -17299,356 +16815,8 @@
               </a:spcAft>
             </a:pPr>
             <a:r>
-              <a:rPr lang="en-US" dirty="0">
-                <a:latin typeface="Courier New" charset="0"/>
-                <a:ea typeface="Calibri" charset="0"/>
-                <a:cs typeface="Times New Roman" charset="0"/>
-              </a:rPr>
-              <a:t>	policy random </a:t>
-            </a:r>
-            <a:endParaRPr lang="en-US" dirty="0" smtClean="0">
-              <a:latin typeface="Courier New" charset="0"/>
-              <a:ea typeface="Calibri" charset="0"/>
-              <a:cs typeface="Times New Roman" charset="0"/>
-            </a:endParaRPr>
-          </a:p>
-          <a:p>
-            <a:pPr>
-              <a:spcAft>
-                <a:spcPts val="0"/>
-              </a:spcAft>
-            </a:pPr>
-            <a:r>
-              <a:rPr lang="en-US" dirty="0">
-                <a:latin typeface="Courier New" charset="0"/>
-                <a:ea typeface="Calibri" charset="0"/>
-                <a:cs typeface="Times New Roman" charset="0"/>
-              </a:rPr>
-              <a:t>	</a:t>
-            </a:r>
-            <a:r>
-              <a:rPr lang="en-US" dirty="0" smtClean="0">
-                <a:latin typeface="Courier New" charset="0"/>
-                <a:ea typeface="Calibri" charset="0"/>
-                <a:cs typeface="Times New Roman" charset="0"/>
-              </a:rPr>
-              <a:t>| </a:t>
-            </a:r>
-            <a:r>
-              <a:rPr lang="en-US" dirty="0" err="1">
-                <a:latin typeface="Courier New" charset="0"/>
-                <a:ea typeface="Calibri" charset="0"/>
-                <a:cs typeface="Times New Roman" charset="0"/>
-              </a:rPr>
-              <a:t>least_conn</a:t>
-            </a:r>
-            <a:r>
-              <a:rPr lang="en-US" dirty="0">
-                <a:latin typeface="Courier New" charset="0"/>
-                <a:ea typeface="Calibri" charset="0"/>
-                <a:cs typeface="Times New Roman" charset="0"/>
-              </a:rPr>
-              <a:t> </a:t>
-            </a:r>
-            <a:endParaRPr lang="en-US" dirty="0" smtClean="0">
-              <a:latin typeface="Courier New" charset="0"/>
-              <a:ea typeface="Calibri" charset="0"/>
-              <a:cs typeface="Times New Roman" charset="0"/>
-            </a:endParaRPr>
-          </a:p>
-          <a:p>
-            <a:pPr>
-              <a:spcAft>
-                <a:spcPts val="0"/>
-              </a:spcAft>
-            </a:pPr>
-            <a:r>
-              <a:rPr lang="en-US" dirty="0">
-                <a:latin typeface="Courier New" charset="0"/>
-                <a:ea typeface="Calibri" charset="0"/>
-                <a:cs typeface="Times New Roman" charset="0"/>
-              </a:rPr>
-              <a:t>	</a:t>
-            </a:r>
-            <a:r>
-              <a:rPr lang="en-US" dirty="0" smtClean="0">
-                <a:latin typeface="Courier New" charset="0"/>
-                <a:ea typeface="Calibri" charset="0"/>
-                <a:cs typeface="Times New Roman" charset="0"/>
-              </a:rPr>
-              <a:t>| </a:t>
-            </a:r>
-            <a:r>
-              <a:rPr lang="en-US" dirty="0" err="1">
-                <a:latin typeface="Courier New" charset="0"/>
-                <a:ea typeface="Calibri" charset="0"/>
-                <a:cs typeface="Times New Roman" charset="0"/>
-              </a:rPr>
-              <a:t>round_robin</a:t>
-            </a:r>
-            <a:endParaRPr lang="en-US" sz="2800" dirty="0">
-              <a:latin typeface="Calibri" charset="0"/>
-              <a:ea typeface="Calibri" charset="0"/>
-              <a:cs typeface="Times New Roman" charset="0"/>
-            </a:endParaRPr>
-          </a:p>
-          <a:p>
-            <a:pPr>
-              <a:spcAft>
-                <a:spcPts val="0"/>
-              </a:spcAft>
-            </a:pPr>
-            <a:r>
-              <a:rPr lang="en-US" dirty="0">
-                <a:latin typeface="Courier New" charset="0"/>
-                <a:ea typeface="Calibri" charset="0"/>
-                <a:cs typeface="Times New Roman" charset="0"/>
-              </a:rPr>
-              <a:t>	</a:t>
-            </a:r>
-            <a:r>
-              <a:rPr lang="en-US" dirty="0" err="1">
-                <a:latin typeface="Courier New" charset="0"/>
-                <a:ea typeface="Calibri" charset="0"/>
-                <a:cs typeface="Times New Roman" charset="0"/>
-              </a:rPr>
-              <a:t>fail_timeout</a:t>
-            </a:r>
-            <a:r>
-              <a:rPr lang="en-US" dirty="0">
-                <a:latin typeface="Courier New" charset="0"/>
-                <a:ea typeface="Calibri" charset="0"/>
-                <a:cs typeface="Times New Roman" charset="0"/>
-              </a:rPr>
-              <a:t> duration</a:t>
-            </a:r>
-            <a:endParaRPr lang="en-US" sz="2800" dirty="0">
-              <a:latin typeface="Calibri" charset="0"/>
-              <a:ea typeface="Calibri" charset="0"/>
-              <a:cs typeface="Times New Roman" charset="0"/>
-            </a:endParaRPr>
-          </a:p>
-          <a:p>
-            <a:pPr>
-              <a:spcAft>
-                <a:spcPts val="0"/>
-              </a:spcAft>
-            </a:pPr>
-            <a:r>
-              <a:rPr lang="en-US" dirty="0">
-                <a:latin typeface="Courier New" charset="0"/>
-                <a:ea typeface="Calibri" charset="0"/>
-                <a:cs typeface="Times New Roman" charset="0"/>
-              </a:rPr>
-              <a:t>	</a:t>
-            </a:r>
-            <a:r>
-              <a:rPr lang="en-US" dirty="0" err="1">
-                <a:latin typeface="Courier New" charset="0"/>
-                <a:ea typeface="Calibri" charset="0"/>
-                <a:cs typeface="Times New Roman" charset="0"/>
-              </a:rPr>
-              <a:t>max_fails</a:t>
-            </a:r>
-            <a:r>
-              <a:rPr lang="en-US" dirty="0">
-                <a:latin typeface="Courier New" charset="0"/>
-                <a:ea typeface="Calibri" charset="0"/>
-                <a:cs typeface="Times New Roman" charset="0"/>
-              </a:rPr>
-              <a:t> integer</a:t>
-            </a:r>
-            <a:endParaRPr lang="en-US" sz="2800" dirty="0">
-              <a:latin typeface="Calibri" charset="0"/>
-              <a:ea typeface="Calibri" charset="0"/>
-              <a:cs typeface="Times New Roman" charset="0"/>
-            </a:endParaRPr>
-          </a:p>
-          <a:p>
-            <a:pPr>
-              <a:spcAft>
-                <a:spcPts val="0"/>
-              </a:spcAft>
-            </a:pPr>
-            <a:r>
-              <a:rPr lang="en-US" dirty="0">
-                <a:latin typeface="Courier New" charset="0"/>
-                <a:ea typeface="Calibri" charset="0"/>
-                <a:cs typeface="Times New Roman" charset="0"/>
-              </a:rPr>
-              <a:t>	</a:t>
-            </a:r>
-            <a:r>
-              <a:rPr lang="en-US" dirty="0" err="1">
-                <a:latin typeface="Courier New" charset="0"/>
-                <a:ea typeface="Calibri" charset="0"/>
-                <a:cs typeface="Times New Roman" charset="0"/>
-              </a:rPr>
-              <a:t>health_check</a:t>
-            </a:r>
-            <a:r>
-              <a:rPr lang="en-US" dirty="0">
-                <a:latin typeface="Courier New" charset="0"/>
-                <a:ea typeface="Calibri" charset="0"/>
-                <a:cs typeface="Times New Roman" charset="0"/>
-              </a:rPr>
-              <a:t> path [duration]</a:t>
-            </a:r>
-            <a:endParaRPr lang="en-US" sz="2800" dirty="0">
-              <a:latin typeface="Calibri" charset="0"/>
-              <a:ea typeface="Calibri" charset="0"/>
-              <a:cs typeface="Times New Roman" charset="0"/>
-            </a:endParaRPr>
-          </a:p>
-          <a:p>
-            <a:pPr>
-              <a:spcAft>
-                <a:spcPts val="0"/>
-              </a:spcAft>
-            </a:pPr>
-            <a:r>
-              <a:rPr lang="en-US" dirty="0">
-                <a:latin typeface="Courier New" charset="0"/>
-                <a:ea typeface="Calibri" charset="0"/>
-                <a:cs typeface="Times New Roman" charset="0"/>
-              </a:rPr>
-              <a:t>	</a:t>
-            </a:r>
-            <a:r>
-              <a:rPr lang="en-US" dirty="0" err="1">
-                <a:latin typeface="Courier New" charset="0"/>
-                <a:ea typeface="Calibri" charset="0"/>
-                <a:cs typeface="Times New Roman" charset="0"/>
-              </a:rPr>
-              <a:t>proxy_header</a:t>
-            </a:r>
-            <a:r>
-              <a:rPr lang="en-US" dirty="0">
-                <a:latin typeface="Courier New" charset="0"/>
-                <a:ea typeface="Calibri" charset="0"/>
-                <a:cs typeface="Times New Roman" charset="0"/>
-              </a:rPr>
-              <a:t> name value</a:t>
-            </a:r>
-            <a:endParaRPr lang="en-US" sz="2800" dirty="0">
-              <a:latin typeface="Calibri" charset="0"/>
-              <a:ea typeface="Calibri" charset="0"/>
-              <a:cs typeface="Times New Roman" charset="0"/>
-            </a:endParaRPr>
-          </a:p>
-          <a:p>
-            <a:pPr>
-              <a:spcAft>
-                <a:spcPts val="0"/>
-              </a:spcAft>
-            </a:pPr>
-            <a:r>
-              <a:rPr lang="en-US" dirty="0">
-                <a:latin typeface="Courier New" charset="0"/>
-                <a:ea typeface="Calibri" charset="0"/>
-                <a:cs typeface="Times New Roman" charset="0"/>
-              </a:rPr>
-              <a:t>	without prefix</a:t>
-            </a:r>
-            <a:endParaRPr lang="en-US" sz="2800" dirty="0">
-              <a:latin typeface="Calibri" charset="0"/>
-              <a:ea typeface="Calibri" charset="0"/>
-              <a:cs typeface="Times New Roman" charset="0"/>
-            </a:endParaRPr>
-          </a:p>
-          <a:p>
-            <a:pPr>
-              <a:spcAft>
-                <a:spcPts val="0"/>
-              </a:spcAft>
-            </a:pPr>
-            <a:r>
-              <a:rPr lang="en-US" dirty="0">
-                <a:latin typeface="Courier New" charset="0"/>
-                <a:ea typeface="Calibri" charset="0"/>
-                <a:cs typeface="Times New Roman" charset="0"/>
-              </a:rPr>
-              <a:t>	except </a:t>
-            </a:r>
-            <a:r>
-              <a:rPr lang="en-US" dirty="0" err="1">
-                <a:latin typeface="Courier New" charset="0"/>
-                <a:ea typeface="Calibri" charset="0"/>
-                <a:cs typeface="Times New Roman" charset="0"/>
-              </a:rPr>
-              <a:t>ignored_paths</a:t>
-            </a:r>
-            <a:r>
-              <a:rPr lang="en-US" dirty="0">
-                <a:latin typeface="Courier New" charset="0"/>
-                <a:ea typeface="Calibri" charset="0"/>
-                <a:cs typeface="Times New Roman" charset="0"/>
-              </a:rPr>
-              <a:t>...</a:t>
-            </a:r>
-            <a:endParaRPr lang="en-US" sz="2800" dirty="0">
-              <a:latin typeface="Calibri" charset="0"/>
-              <a:ea typeface="Calibri" charset="0"/>
-              <a:cs typeface="Times New Roman" charset="0"/>
-            </a:endParaRPr>
-          </a:p>
-          <a:p>
-            <a:pPr>
-              <a:spcAft>
-                <a:spcPts val="0"/>
-              </a:spcAft>
-            </a:pPr>
-            <a:r>
-              <a:rPr lang="en-US" dirty="0">
-                <a:latin typeface="Courier New" charset="0"/>
-                <a:ea typeface="Calibri" charset="0"/>
-                <a:cs typeface="Times New Roman" charset="0"/>
-              </a:rPr>
-              <a:t>	</a:t>
-            </a:r>
-            <a:r>
-              <a:rPr lang="en-US" dirty="0" err="1">
-                <a:latin typeface="Courier New" charset="0"/>
-                <a:ea typeface="Calibri" charset="0"/>
-                <a:cs typeface="Times New Roman" charset="0"/>
-              </a:rPr>
-              <a:t>insecure_skip_verify</a:t>
-            </a:r>
-            <a:endParaRPr lang="en-US" sz="2800" dirty="0">
-              <a:latin typeface="Calibri" charset="0"/>
-              <a:ea typeface="Calibri" charset="0"/>
-              <a:cs typeface="Times New Roman" charset="0"/>
-            </a:endParaRPr>
-          </a:p>
-          <a:p>
-            <a:pPr>
-              <a:spcAft>
-                <a:spcPts val="0"/>
-              </a:spcAft>
-            </a:pPr>
-            <a:r>
-              <a:rPr lang="en-US" dirty="0">
-                <a:latin typeface="Courier New" charset="0"/>
-                <a:ea typeface="Calibri" charset="0"/>
-                <a:cs typeface="Times New Roman" charset="0"/>
-              </a:rPr>
-              <a:t>	preset</a:t>
-            </a:r>
-            <a:endParaRPr lang="en-US" sz="2800" dirty="0">
-              <a:latin typeface="Calibri" charset="0"/>
-              <a:ea typeface="Calibri" charset="0"/>
-              <a:cs typeface="Times New Roman" charset="0"/>
-            </a:endParaRPr>
-          </a:p>
-          <a:p>
-            <a:pPr>
-              <a:spcAft>
-                <a:spcPts val="0"/>
-              </a:spcAft>
-            </a:pPr>
-            <a:r>
-              <a:rPr lang="en-US" dirty="0">
-                <a:latin typeface="Courier New" charset="0"/>
+              <a:rPr lang="en-US" sz="2800" dirty="0">
+                <a:latin typeface="Calibri" charset="0"/>
                 <a:ea typeface="Calibri" charset="0"/>
                 <a:cs typeface="Times New Roman" charset="0"/>
               </a:rPr>
@@ -17671,492 +16839,30 @@
         </p:nvSpPr>
         <p:spPr>
           <a:xfrm>
-            <a:off x="5652052" y="532684"/>
-            <a:ext cx="6096000" cy="5786199"/>
+            <a:off x="404189" y="3074605"/>
+            <a:ext cx="5359609" cy="523220"/>
           </a:xfrm>
           <a:prstGeom prst="rect">
             <a:avLst/>
           </a:prstGeom>
         </p:spPr>
         <p:txBody>
-          <a:bodyPr>
+          <a:bodyPr wrap="none">
             <a:spAutoFit/>
           </a:bodyPr>
           <a:lstStyle/>
           <a:p>
-            <a:pPr>
-              <a:spcAft>
-                <a:spcPts val="0"/>
-              </a:spcAft>
-            </a:pPr>
-            <a:r>
-              <a:rPr lang="en-US" dirty="0">
-                <a:latin typeface="Courier New" charset="0"/>
-                <a:ea typeface="Calibri" charset="0"/>
-                <a:cs typeface="Times New Roman" charset="0"/>
-              </a:rPr>
-              <a:t>proxy / web1.local:80 web2.local:90 web3.local:100 {</a:t>
-            </a:r>
-            <a:endParaRPr lang="en-US" sz="2800" dirty="0">
-              <a:latin typeface="Calibri" charset="0"/>
-              <a:ea typeface="Calibri" charset="0"/>
-              <a:cs typeface="Times New Roman" charset="0"/>
-            </a:endParaRPr>
-          </a:p>
-          <a:p>
-            <a:pPr>
-              <a:spcAft>
-                <a:spcPts val="0"/>
-              </a:spcAft>
-            </a:pPr>
-            <a:r>
-              <a:rPr lang="en-US" dirty="0">
-                <a:latin typeface="Courier New" charset="0"/>
-                <a:ea typeface="Calibri" charset="0"/>
-                <a:cs typeface="Times New Roman" charset="0"/>
-              </a:rPr>
-              <a:t>	policy </a:t>
-            </a:r>
-            <a:r>
-              <a:rPr lang="en-US" dirty="0" err="1">
-                <a:latin typeface="Courier New" charset="0"/>
-                <a:ea typeface="Calibri" charset="0"/>
-                <a:cs typeface="Times New Roman" charset="0"/>
-              </a:rPr>
-              <a:t>round_robin</a:t>
-            </a:r>
-            <a:endParaRPr lang="en-US" sz="2800" dirty="0">
-              <a:latin typeface="Calibri" charset="0"/>
-              <a:ea typeface="Calibri" charset="0"/>
-              <a:cs typeface="Times New Roman" charset="0"/>
-            </a:endParaRPr>
-          </a:p>
-          <a:p>
-            <a:pPr>
-              <a:spcAft>
-                <a:spcPts val="0"/>
-              </a:spcAft>
-            </a:pPr>
-            <a:r>
-              <a:rPr lang="en-US" dirty="0">
-                <a:latin typeface="Courier New" charset="0"/>
-                <a:ea typeface="Calibri" charset="0"/>
-                <a:cs typeface="Times New Roman" charset="0"/>
-              </a:rPr>
-              <a:t>	</a:t>
-            </a:r>
-            <a:r>
-              <a:rPr lang="en-US" dirty="0" err="1">
-                <a:latin typeface="Courier New" charset="0"/>
-                <a:ea typeface="Calibri" charset="0"/>
-                <a:cs typeface="Times New Roman" charset="0"/>
-              </a:rPr>
-              <a:t>health_check</a:t>
-            </a:r>
-            <a:r>
-              <a:rPr lang="en-US" dirty="0">
-                <a:latin typeface="Courier New" charset="0"/>
-                <a:ea typeface="Calibri" charset="0"/>
-                <a:cs typeface="Times New Roman" charset="0"/>
-              </a:rPr>
-              <a:t> /health</a:t>
-            </a:r>
-            <a:endParaRPr lang="en-US" sz="2800" dirty="0">
-              <a:latin typeface="Calibri" charset="0"/>
-              <a:ea typeface="Calibri" charset="0"/>
-              <a:cs typeface="Times New Roman" charset="0"/>
-            </a:endParaRPr>
-          </a:p>
-          <a:p>
-            <a:pPr>
-              <a:spcAft>
-                <a:spcPts val="0"/>
-              </a:spcAft>
-            </a:pPr>
-            <a:r>
-              <a:rPr lang="en-US" dirty="0">
-                <a:latin typeface="Courier New" charset="0"/>
-                <a:ea typeface="Calibri" charset="0"/>
-                <a:cs typeface="Times New Roman" charset="0"/>
-              </a:rPr>
-              <a:t>	</a:t>
-            </a:r>
-            <a:r>
-              <a:rPr lang="en-US" dirty="0" err="1">
-                <a:latin typeface="Courier New" charset="0"/>
-                <a:ea typeface="Calibri" charset="0"/>
-                <a:cs typeface="Times New Roman" charset="0"/>
-              </a:rPr>
-              <a:t>proxy_header</a:t>
-            </a:r>
-            <a:r>
-              <a:rPr lang="en-US" dirty="0">
-                <a:latin typeface="Courier New" charset="0"/>
-                <a:ea typeface="Calibri" charset="0"/>
-                <a:cs typeface="Times New Roman" charset="0"/>
-              </a:rPr>
-              <a:t> Host {host}</a:t>
-            </a:r>
-            <a:endParaRPr lang="en-US" sz="2800" dirty="0">
-              <a:latin typeface="Calibri" charset="0"/>
-              <a:ea typeface="Calibri" charset="0"/>
-              <a:cs typeface="Times New Roman" charset="0"/>
-            </a:endParaRPr>
-          </a:p>
-          <a:p>
-            <a:pPr>
-              <a:spcAft>
-                <a:spcPts val="0"/>
-              </a:spcAft>
-            </a:pPr>
-            <a:r>
-              <a:rPr lang="en-US" dirty="0">
-                <a:latin typeface="Courier New" charset="0"/>
-                <a:ea typeface="Calibri" charset="0"/>
-                <a:cs typeface="Times New Roman" charset="0"/>
-              </a:rPr>
-              <a:t>	</a:t>
-            </a:r>
-            <a:r>
-              <a:rPr lang="en-US" dirty="0" err="1">
-                <a:latin typeface="Courier New" charset="0"/>
-                <a:ea typeface="Calibri" charset="0"/>
-                <a:cs typeface="Times New Roman" charset="0"/>
-              </a:rPr>
-              <a:t>proxy_header</a:t>
-            </a:r>
-            <a:r>
-              <a:rPr lang="en-US" dirty="0">
-                <a:latin typeface="Courier New" charset="0"/>
-                <a:ea typeface="Calibri" charset="0"/>
-                <a:cs typeface="Times New Roman" charset="0"/>
-              </a:rPr>
-              <a:t> X-Real-IP {remote}</a:t>
-            </a:r>
-            <a:endParaRPr lang="en-US" sz="2800" dirty="0">
-              <a:latin typeface="Calibri" charset="0"/>
-              <a:ea typeface="Calibri" charset="0"/>
-              <a:cs typeface="Times New Roman" charset="0"/>
-            </a:endParaRPr>
-          </a:p>
-          <a:p>
-            <a:pPr>
-              <a:spcAft>
-                <a:spcPts val="0"/>
-              </a:spcAft>
-            </a:pPr>
-            <a:r>
-              <a:rPr lang="en-US" dirty="0">
-                <a:latin typeface="Courier New" charset="0"/>
-                <a:ea typeface="Calibri" charset="0"/>
-                <a:cs typeface="Times New Roman" charset="0"/>
-              </a:rPr>
-              <a:t>	</a:t>
-            </a:r>
-            <a:r>
-              <a:rPr lang="en-US" dirty="0" err="1">
-                <a:latin typeface="Courier New" charset="0"/>
-                <a:ea typeface="Calibri" charset="0"/>
-                <a:cs typeface="Times New Roman" charset="0"/>
-              </a:rPr>
-              <a:t>proxy_header</a:t>
-            </a:r>
-            <a:r>
-              <a:rPr lang="en-US" dirty="0">
-                <a:latin typeface="Courier New" charset="0"/>
-                <a:ea typeface="Calibri" charset="0"/>
-                <a:cs typeface="Times New Roman" charset="0"/>
-              </a:rPr>
-              <a:t> X-Forwarded-Proto {scheme}</a:t>
-            </a:r>
-            <a:endParaRPr lang="en-US" sz="2800" dirty="0">
-              <a:latin typeface="Calibri" charset="0"/>
-              <a:ea typeface="Calibri" charset="0"/>
-              <a:cs typeface="Times New Roman" charset="0"/>
-            </a:endParaRPr>
-          </a:p>
-          <a:p>
-            <a:pPr>
-              <a:spcAft>
-                <a:spcPts val="0"/>
-              </a:spcAft>
-            </a:pPr>
-            <a:r>
-              <a:rPr lang="en-US" dirty="0">
-                <a:latin typeface="Courier New" charset="0"/>
-                <a:ea typeface="Calibri" charset="0"/>
-                <a:cs typeface="Times New Roman" charset="0"/>
-              </a:rPr>
-              <a:t>}</a:t>
-            </a:r>
-            <a:endParaRPr lang="en-US" sz="2800" dirty="0">
-              <a:latin typeface="Calibri" charset="0"/>
-              <a:ea typeface="Calibri" charset="0"/>
-              <a:cs typeface="Times New Roman" charset="0"/>
-            </a:endParaRPr>
-          </a:p>
-          <a:p>
-            <a:pPr>
-              <a:spcAft>
-                <a:spcPts val="0"/>
-              </a:spcAft>
-            </a:pPr>
-            <a:r>
-              <a:rPr lang="en-US" dirty="0">
-                <a:latin typeface="Courier New" charset="0"/>
-                <a:ea typeface="Calibri" charset="0"/>
-                <a:cs typeface="Times New Roman" charset="0"/>
-              </a:rPr>
-              <a:t> </a:t>
-            </a:r>
-            <a:endParaRPr lang="en-US" sz="2800" dirty="0">
-              <a:latin typeface="Calibri" charset="0"/>
-              <a:ea typeface="Calibri" charset="0"/>
-              <a:cs typeface="Times New Roman" charset="0"/>
-            </a:endParaRPr>
-          </a:p>
-          <a:p>
-            <a:pPr>
-              <a:spcAft>
-                <a:spcPts val="0"/>
-              </a:spcAft>
-            </a:pPr>
-            <a:r>
-              <a:rPr lang="en-US" b="1" dirty="0">
-                <a:latin typeface="Courier New" charset="0"/>
-                <a:ea typeface="Calibri" charset="0"/>
-                <a:cs typeface="Times New Roman" charset="0"/>
-              </a:rPr>
-              <a:t>Proxy </a:t>
-            </a:r>
-            <a:r>
-              <a:rPr lang="en-US" b="1" dirty="0" err="1">
-                <a:latin typeface="Courier New" charset="0"/>
-                <a:ea typeface="Calibri" charset="0"/>
-                <a:cs typeface="Times New Roman" charset="0"/>
-              </a:rPr>
-              <a:t>WebSocket</a:t>
-            </a:r>
-            <a:r>
-              <a:rPr lang="en-US" b="1" dirty="0">
-                <a:latin typeface="Courier New" charset="0"/>
-                <a:ea typeface="Calibri" charset="0"/>
-                <a:cs typeface="Times New Roman" charset="0"/>
-              </a:rPr>
-              <a:t> connections:</a:t>
-            </a:r>
-            <a:endParaRPr lang="en-US" sz="2800" b="1" dirty="0">
-              <a:latin typeface="Calibri" charset="0"/>
-              <a:ea typeface="Calibri" charset="0"/>
-              <a:cs typeface="Times New Roman" charset="0"/>
-            </a:endParaRPr>
-          </a:p>
-          <a:p>
-            <a:pPr>
-              <a:spcAft>
-                <a:spcPts val="0"/>
-              </a:spcAft>
-            </a:pPr>
-            <a:r>
-              <a:rPr lang="en-US" dirty="0">
-                <a:latin typeface="Courier New" charset="0"/>
-                <a:ea typeface="Calibri" charset="0"/>
-                <a:cs typeface="Times New Roman" charset="0"/>
-              </a:rPr>
-              <a:t>proxy / localhost:8080 {</a:t>
-            </a:r>
-            <a:endParaRPr lang="en-US" sz="2800" dirty="0">
-              <a:latin typeface="Calibri" charset="0"/>
-              <a:ea typeface="Calibri" charset="0"/>
-              <a:cs typeface="Times New Roman" charset="0"/>
-            </a:endParaRPr>
-          </a:p>
-          <a:p>
-            <a:pPr>
-              <a:spcAft>
-                <a:spcPts val="0"/>
-              </a:spcAft>
-            </a:pPr>
-            <a:r>
-              <a:rPr lang="en-US" dirty="0">
-                <a:latin typeface="Courier New" charset="0"/>
-                <a:ea typeface="Calibri" charset="0"/>
-                <a:cs typeface="Times New Roman" charset="0"/>
-              </a:rPr>
-              <a:t>	</a:t>
-            </a:r>
-            <a:r>
-              <a:rPr lang="en-US" dirty="0" err="1">
-                <a:latin typeface="Courier New" charset="0"/>
-                <a:ea typeface="Calibri" charset="0"/>
-                <a:cs typeface="Times New Roman" charset="0"/>
-              </a:rPr>
-              <a:t>websocket</a:t>
-            </a:r>
-            <a:endParaRPr lang="en-US" sz="2800" dirty="0">
-              <a:latin typeface="Calibri" charset="0"/>
-              <a:ea typeface="Calibri" charset="0"/>
-              <a:cs typeface="Times New Roman" charset="0"/>
-            </a:endParaRPr>
-          </a:p>
-          <a:p>
-            <a:pPr>
-              <a:spcAft>
-                <a:spcPts val="0"/>
-              </a:spcAft>
-            </a:pPr>
-            <a:r>
-              <a:rPr lang="en-US" dirty="0">
-                <a:latin typeface="Courier New" charset="0"/>
-                <a:ea typeface="Calibri" charset="0"/>
-                <a:cs typeface="Times New Roman" charset="0"/>
-              </a:rPr>
-              <a:t>}</a:t>
-            </a:r>
-            <a:endParaRPr lang="en-US" sz="2800" dirty="0">
-              <a:latin typeface="Calibri" charset="0"/>
-              <a:ea typeface="Calibri" charset="0"/>
-              <a:cs typeface="Times New Roman" charset="0"/>
-            </a:endParaRPr>
-          </a:p>
-          <a:p>
-            <a:pPr>
-              <a:spcAft>
-                <a:spcPts val="0"/>
-              </a:spcAft>
-            </a:pPr>
-            <a:r>
-              <a:rPr lang="en-US" dirty="0">
-                <a:latin typeface="Courier New" charset="0"/>
-                <a:ea typeface="Calibri" charset="0"/>
-                <a:cs typeface="Times New Roman" charset="0"/>
-              </a:rPr>
-              <a:t> </a:t>
-            </a:r>
-            <a:endParaRPr lang="en-US" sz="2800" dirty="0">
-              <a:latin typeface="Calibri" charset="0"/>
-              <a:ea typeface="Calibri" charset="0"/>
-              <a:cs typeface="Times New Roman" charset="0"/>
-            </a:endParaRPr>
-          </a:p>
-          <a:p>
-            <a:pPr>
-              <a:spcAft>
-                <a:spcPts val="0"/>
-              </a:spcAft>
-            </a:pPr>
-            <a:r>
-              <a:rPr lang="en-US" b="1" dirty="0">
-                <a:latin typeface="Courier New" charset="0"/>
-                <a:ea typeface="Calibri" charset="0"/>
-                <a:cs typeface="Times New Roman" charset="0"/>
-              </a:rPr>
-              <a:t>Proxy everything except requests to /static or /</a:t>
-            </a:r>
-            <a:r>
-              <a:rPr lang="en-US" b="1" dirty="0" err="1">
-                <a:latin typeface="Courier New" charset="0"/>
-                <a:ea typeface="Calibri" charset="0"/>
-                <a:cs typeface="Times New Roman" charset="0"/>
-              </a:rPr>
-              <a:t>robots.txt</a:t>
-            </a:r>
-            <a:r>
-              <a:rPr lang="en-US" b="1" dirty="0" smtClean="0">
-                <a:latin typeface="Courier New" charset="0"/>
-                <a:ea typeface="Calibri" charset="0"/>
-                <a:cs typeface="Times New Roman" charset="0"/>
-              </a:rPr>
-              <a:t>:</a:t>
-            </a:r>
-          </a:p>
-          <a:p>
-            <a:pPr>
-              <a:spcAft>
-                <a:spcPts val="0"/>
-              </a:spcAft>
-            </a:pPr>
-            <a:endParaRPr lang="en-US" sz="2800" b="1" dirty="0">
-              <a:latin typeface="Calibri" charset="0"/>
-              <a:ea typeface="Calibri" charset="0"/>
-              <a:cs typeface="Times New Roman" charset="0"/>
-            </a:endParaRPr>
-          </a:p>
-          <a:p>
-            <a:pPr>
-              <a:spcAft>
-                <a:spcPts val="0"/>
-              </a:spcAft>
-            </a:pPr>
-            <a:r>
-              <a:rPr lang="en-US" dirty="0">
-                <a:latin typeface="Courier New" charset="0"/>
-                <a:ea typeface="Calibri" charset="0"/>
-                <a:cs typeface="Times New Roman" charset="0"/>
-              </a:rPr>
-              <a:t>proxy / backend:1234 {</a:t>
-            </a:r>
-            <a:endParaRPr lang="en-US" sz="2800" dirty="0">
-              <a:latin typeface="Calibri" charset="0"/>
-              <a:ea typeface="Calibri" charset="0"/>
-              <a:cs typeface="Times New Roman" charset="0"/>
-            </a:endParaRPr>
-          </a:p>
-          <a:p>
-            <a:pPr>
-              <a:spcAft>
-                <a:spcPts val="0"/>
-              </a:spcAft>
-            </a:pPr>
-            <a:r>
-              <a:rPr lang="en-US" dirty="0">
-                <a:latin typeface="Courier New" charset="0"/>
-                <a:ea typeface="Calibri" charset="0"/>
-                <a:cs typeface="Times New Roman" charset="0"/>
-              </a:rPr>
-              <a:t>	except /static /</a:t>
-            </a:r>
-            <a:r>
-              <a:rPr lang="en-US" dirty="0" err="1">
-                <a:latin typeface="Courier New" charset="0"/>
-                <a:ea typeface="Calibri" charset="0"/>
-                <a:cs typeface="Times New Roman" charset="0"/>
-              </a:rPr>
-              <a:t>robots.txt</a:t>
-            </a:r>
-            <a:endParaRPr lang="en-US" sz="2800" dirty="0">
-              <a:latin typeface="Calibri" charset="0"/>
-              <a:ea typeface="Calibri" charset="0"/>
-              <a:cs typeface="Times New Roman" charset="0"/>
-            </a:endParaRPr>
-          </a:p>
-          <a:p>
-            <a:pPr>
-              <a:spcAft>
-                <a:spcPts val="0"/>
-              </a:spcAft>
-            </a:pPr>
-            <a:r>
-              <a:rPr lang="en-US" dirty="0">
-                <a:latin typeface="Courier New" charset="0"/>
-                <a:ea typeface="Calibri" charset="0"/>
-                <a:cs typeface="Times New Roman" charset="0"/>
-              </a:rPr>
-              <a:t>}</a:t>
-            </a:r>
-            <a:endParaRPr lang="en-US" sz="2800" dirty="0">
-              <a:effectLst/>
-              <a:latin typeface="Calibri" charset="0"/>
-              <a:ea typeface="Calibri" charset="0"/>
-              <a:cs typeface="Times New Roman" charset="0"/>
-            </a:endParaRPr>
+            <a:r>
+              <a:rPr lang="en-US" sz="2800" dirty="0"/>
+              <a:t>full-text search and indexing for Go</a:t>
+            </a:r>
           </a:p>
         </p:txBody>
       </p:sp>
     </p:spTree>
     <p:extLst>
       <p:ext uri="{BB962C8B-B14F-4D97-AF65-F5344CB8AC3E}">
-        <p14:creationId xmlns:p14="http://schemas.microsoft.com/office/powerpoint/2010/main" val="315915884"/>
+        <p14:creationId xmlns:p14="http://schemas.microsoft.com/office/powerpoint/2010/main" val="1026377243"/>
       </p:ext>
     </p:extLst>
   </p:cSld>
@@ -18212,6 +16918,1932 @@
           <a:lstStyle/>
           <a:p>
             <a:r>
+              <a:rPr lang="en-US" sz="4800" b="1" dirty="0" err="1" smtClean="0"/>
+              <a:t>IPFilter</a:t>
+            </a:r>
+            <a:endParaRPr lang="en-US" sz="2800" b="1" dirty="0"/>
+          </a:p>
+        </p:txBody>
+      </p:sp>
+      <p:sp>
+        <p:nvSpPr>
+          <p:cNvPr id="3" name="Rectangle 2"/>
+          <p:cNvSpPr/>
+          <p:nvPr/>
+        </p:nvSpPr>
+        <p:spPr>
+          <a:xfrm>
+            <a:off x="404190" y="1095538"/>
+            <a:ext cx="6096000" cy="2308324"/>
+          </a:xfrm>
+          <a:prstGeom prst="rect">
+            <a:avLst/>
+          </a:prstGeom>
+        </p:spPr>
+        <p:txBody>
+          <a:bodyPr>
+            <a:spAutoFit/>
+          </a:bodyPr>
+          <a:lstStyle/>
+          <a:p>
+            <a:pPr>
+              <a:spcAft>
+                <a:spcPts val="0"/>
+              </a:spcAft>
+            </a:pPr>
+            <a:r>
+              <a:rPr lang="en-US" dirty="0" err="1">
+                <a:latin typeface="Calibri" charset="0"/>
+                <a:ea typeface="Calibri" charset="0"/>
+                <a:cs typeface="Times New Roman" charset="0"/>
+              </a:rPr>
+              <a:t>ipfilter</a:t>
+            </a:r>
+            <a:r>
+              <a:rPr lang="en-US" dirty="0">
+                <a:latin typeface="Calibri" charset="0"/>
+                <a:ea typeface="Calibri" charset="0"/>
+                <a:cs typeface="Times New Roman" charset="0"/>
+              </a:rPr>
+              <a:t> paths... {</a:t>
+            </a:r>
+          </a:p>
+          <a:p>
+            <a:pPr>
+              <a:spcAft>
+                <a:spcPts val="0"/>
+              </a:spcAft>
+            </a:pPr>
+            <a:r>
+              <a:rPr lang="en-US" dirty="0">
+                <a:latin typeface="Calibri" charset="0"/>
+                <a:ea typeface="Calibri" charset="0"/>
+                <a:cs typeface="Times New Roman" charset="0"/>
+              </a:rPr>
+              <a:t>	rule       block | allow</a:t>
+            </a:r>
+          </a:p>
+          <a:p>
+            <a:pPr>
+              <a:spcAft>
+                <a:spcPts val="0"/>
+              </a:spcAft>
+            </a:pPr>
+            <a:r>
+              <a:rPr lang="en-US" dirty="0">
+                <a:latin typeface="Calibri" charset="0"/>
+                <a:ea typeface="Calibri" charset="0"/>
+                <a:cs typeface="Times New Roman" charset="0"/>
+              </a:rPr>
+              <a:t>	</a:t>
+            </a:r>
+            <a:r>
+              <a:rPr lang="en-US" dirty="0" err="1">
+                <a:latin typeface="Calibri" charset="0"/>
+                <a:ea typeface="Calibri" charset="0"/>
+                <a:cs typeface="Times New Roman" charset="0"/>
+              </a:rPr>
+              <a:t>ip</a:t>
+            </a:r>
+            <a:r>
+              <a:rPr lang="en-US" dirty="0">
+                <a:latin typeface="Calibri" charset="0"/>
+                <a:ea typeface="Calibri" charset="0"/>
+                <a:cs typeface="Times New Roman" charset="0"/>
+              </a:rPr>
+              <a:t>         list or/and range of IPs...</a:t>
+            </a:r>
+          </a:p>
+          <a:p>
+            <a:pPr>
+              <a:spcAft>
+                <a:spcPts val="0"/>
+              </a:spcAft>
+            </a:pPr>
+            <a:r>
+              <a:rPr lang="en-US" dirty="0">
+                <a:latin typeface="Calibri" charset="0"/>
+                <a:ea typeface="Calibri" charset="0"/>
+                <a:cs typeface="Times New Roman" charset="0"/>
+              </a:rPr>
+              <a:t>	country    countries ISO codes...</a:t>
+            </a:r>
+          </a:p>
+          <a:p>
+            <a:pPr>
+              <a:spcAft>
+                <a:spcPts val="0"/>
+              </a:spcAft>
+            </a:pPr>
+            <a:r>
+              <a:rPr lang="en-US" dirty="0">
+                <a:latin typeface="Calibri" charset="0"/>
+                <a:ea typeface="Calibri" charset="0"/>
+                <a:cs typeface="Times New Roman" charset="0"/>
+              </a:rPr>
+              <a:t>	database   </a:t>
+            </a:r>
+            <a:r>
+              <a:rPr lang="en-US" dirty="0" err="1">
+                <a:latin typeface="Calibri" charset="0"/>
+                <a:ea typeface="Calibri" charset="0"/>
+                <a:cs typeface="Times New Roman" charset="0"/>
+              </a:rPr>
+              <a:t>db_path</a:t>
+            </a:r>
+            <a:endParaRPr lang="en-US" dirty="0">
+              <a:latin typeface="Calibri" charset="0"/>
+              <a:ea typeface="Calibri" charset="0"/>
+              <a:cs typeface="Times New Roman" charset="0"/>
+            </a:endParaRPr>
+          </a:p>
+          <a:p>
+            <a:pPr>
+              <a:spcAft>
+                <a:spcPts val="0"/>
+              </a:spcAft>
+            </a:pPr>
+            <a:r>
+              <a:rPr lang="en-US" dirty="0">
+                <a:latin typeface="Calibri" charset="0"/>
+                <a:ea typeface="Calibri" charset="0"/>
+                <a:cs typeface="Times New Roman" charset="0"/>
+              </a:rPr>
+              <a:t>	</a:t>
+            </a:r>
+            <a:r>
+              <a:rPr lang="en-US" dirty="0" err="1">
+                <a:latin typeface="Calibri" charset="0"/>
+                <a:ea typeface="Calibri" charset="0"/>
+                <a:cs typeface="Times New Roman" charset="0"/>
+              </a:rPr>
+              <a:t>blockpage</a:t>
+            </a:r>
+            <a:r>
+              <a:rPr lang="en-US" dirty="0">
+                <a:latin typeface="Calibri" charset="0"/>
+                <a:ea typeface="Calibri" charset="0"/>
+                <a:cs typeface="Times New Roman" charset="0"/>
+              </a:rPr>
+              <a:t>  </a:t>
+            </a:r>
+            <a:r>
+              <a:rPr lang="en-US" dirty="0" err="1">
+                <a:latin typeface="Calibri" charset="0"/>
+                <a:ea typeface="Calibri" charset="0"/>
+                <a:cs typeface="Times New Roman" charset="0"/>
+              </a:rPr>
+              <a:t>block_page</a:t>
+            </a:r>
+            <a:endParaRPr lang="en-US" dirty="0">
+              <a:latin typeface="Calibri" charset="0"/>
+              <a:ea typeface="Calibri" charset="0"/>
+              <a:cs typeface="Times New Roman" charset="0"/>
+            </a:endParaRPr>
+          </a:p>
+          <a:p>
+            <a:pPr>
+              <a:spcAft>
+                <a:spcPts val="0"/>
+              </a:spcAft>
+            </a:pPr>
+            <a:r>
+              <a:rPr lang="en-US" dirty="0">
+                <a:latin typeface="Calibri" charset="0"/>
+                <a:ea typeface="Calibri" charset="0"/>
+                <a:cs typeface="Times New Roman" charset="0"/>
+              </a:rPr>
+              <a:t>	strict</a:t>
+            </a:r>
+          </a:p>
+          <a:p>
+            <a:pPr>
+              <a:spcAft>
+                <a:spcPts val="0"/>
+              </a:spcAft>
+            </a:pPr>
+            <a:r>
+              <a:rPr lang="en-US" dirty="0">
+                <a:latin typeface="Calibri" charset="0"/>
+                <a:ea typeface="Calibri" charset="0"/>
+                <a:cs typeface="Times New Roman" charset="0"/>
+              </a:rPr>
+              <a:t>}</a:t>
+            </a:r>
+            <a:endParaRPr lang="en-US" dirty="0">
+              <a:effectLst/>
+              <a:latin typeface="Calibri" charset="0"/>
+              <a:ea typeface="Calibri" charset="0"/>
+              <a:cs typeface="Times New Roman" charset="0"/>
+            </a:endParaRPr>
+          </a:p>
+        </p:txBody>
+      </p:sp>
+      <p:sp>
+        <p:nvSpPr>
+          <p:cNvPr id="5" name="Rectangle 4"/>
+          <p:cNvSpPr/>
+          <p:nvPr/>
+        </p:nvSpPr>
+        <p:spPr>
+          <a:xfrm>
+            <a:off x="404190" y="3425974"/>
+            <a:ext cx="6096000" cy="3970318"/>
+          </a:xfrm>
+          <a:prstGeom prst="rect">
+            <a:avLst/>
+          </a:prstGeom>
+        </p:spPr>
+        <p:txBody>
+          <a:bodyPr>
+            <a:spAutoFit/>
+          </a:bodyPr>
+          <a:lstStyle/>
+          <a:p>
+            <a:pPr>
+              <a:spcAft>
+                <a:spcPts val="0"/>
+              </a:spcAft>
+            </a:pPr>
+            <a:r>
+              <a:rPr lang="en-US" dirty="0" err="1">
+                <a:latin typeface="Calibri" charset="0"/>
+                <a:ea typeface="Calibri" charset="0"/>
+                <a:cs typeface="Times New Roman" charset="0"/>
+              </a:rPr>
+              <a:t>ipfilter</a:t>
+            </a:r>
+            <a:r>
+              <a:rPr lang="en-US" dirty="0">
+                <a:latin typeface="Calibri" charset="0"/>
+                <a:ea typeface="Calibri" charset="0"/>
+                <a:cs typeface="Times New Roman" charset="0"/>
+              </a:rPr>
+              <a:t> / {</a:t>
+            </a:r>
+          </a:p>
+          <a:p>
+            <a:pPr>
+              <a:spcAft>
+                <a:spcPts val="0"/>
+              </a:spcAft>
+            </a:pPr>
+            <a:r>
+              <a:rPr lang="en-US" dirty="0">
+                <a:latin typeface="Calibri" charset="0"/>
+                <a:ea typeface="Calibri" charset="0"/>
+                <a:cs typeface="Times New Roman" charset="0"/>
+              </a:rPr>
+              <a:t>	rule       block</a:t>
+            </a:r>
+          </a:p>
+          <a:p>
+            <a:pPr>
+              <a:spcAft>
+                <a:spcPts val="0"/>
+              </a:spcAft>
+            </a:pPr>
+            <a:r>
+              <a:rPr lang="en-US" dirty="0">
+                <a:latin typeface="Calibri" charset="0"/>
+                <a:ea typeface="Calibri" charset="0"/>
+                <a:cs typeface="Times New Roman" charset="0"/>
+              </a:rPr>
+              <a:t>	</a:t>
+            </a:r>
+            <a:r>
+              <a:rPr lang="en-US" dirty="0" err="1">
+                <a:latin typeface="Calibri" charset="0"/>
+                <a:ea typeface="Calibri" charset="0"/>
+                <a:cs typeface="Times New Roman" charset="0"/>
+              </a:rPr>
+              <a:t>ip</a:t>
+            </a:r>
+            <a:r>
+              <a:rPr lang="en-US" dirty="0">
+                <a:latin typeface="Calibri" charset="0"/>
+                <a:ea typeface="Calibri" charset="0"/>
+                <a:cs typeface="Times New Roman" charset="0"/>
+              </a:rPr>
+              <a:t>         212.10.15.0-255 213.10.15.0-10 5.23.4.24</a:t>
+            </a:r>
+          </a:p>
+          <a:p>
+            <a:pPr>
+              <a:spcAft>
+                <a:spcPts val="0"/>
+              </a:spcAft>
+            </a:pPr>
+            <a:r>
+              <a:rPr lang="en-US" dirty="0">
+                <a:latin typeface="Calibri" charset="0"/>
+                <a:ea typeface="Calibri" charset="0"/>
+                <a:cs typeface="Times New Roman" charset="0"/>
+              </a:rPr>
+              <a:t>	</a:t>
+            </a:r>
+            <a:r>
+              <a:rPr lang="en-US" dirty="0" err="1">
+                <a:latin typeface="Calibri" charset="0"/>
+                <a:ea typeface="Calibri" charset="0"/>
+                <a:cs typeface="Times New Roman" charset="0"/>
+              </a:rPr>
+              <a:t>blockpage</a:t>
+            </a:r>
+            <a:r>
+              <a:rPr lang="en-US" dirty="0">
+                <a:latin typeface="Calibri" charset="0"/>
+                <a:ea typeface="Calibri" charset="0"/>
+                <a:cs typeface="Times New Roman" charset="0"/>
+              </a:rPr>
+              <a:t>  /local/data/</a:t>
+            </a:r>
+            <a:r>
+              <a:rPr lang="en-US" dirty="0" err="1">
+                <a:latin typeface="Calibri" charset="0"/>
+                <a:ea typeface="Calibri" charset="0"/>
+                <a:cs typeface="Times New Roman" charset="0"/>
+              </a:rPr>
+              <a:t>default.html</a:t>
+            </a:r>
+            <a:endParaRPr lang="en-US" dirty="0">
+              <a:latin typeface="Calibri" charset="0"/>
+              <a:ea typeface="Calibri" charset="0"/>
+              <a:cs typeface="Times New Roman" charset="0"/>
+            </a:endParaRPr>
+          </a:p>
+          <a:p>
+            <a:pPr>
+              <a:spcAft>
+                <a:spcPts val="0"/>
+              </a:spcAft>
+            </a:pPr>
+            <a:r>
+              <a:rPr lang="en-US" dirty="0">
+                <a:latin typeface="Calibri" charset="0"/>
+                <a:ea typeface="Calibri" charset="0"/>
+                <a:cs typeface="Times New Roman" charset="0"/>
+              </a:rPr>
+              <a:t>}</a:t>
+            </a:r>
+          </a:p>
+          <a:p>
+            <a:pPr>
+              <a:spcAft>
+                <a:spcPts val="0"/>
+              </a:spcAft>
+            </a:pPr>
+            <a:r>
+              <a:rPr lang="en-US" dirty="0">
+                <a:latin typeface="Calibri" charset="0"/>
+                <a:ea typeface="Calibri" charset="0"/>
+                <a:cs typeface="Times New Roman" charset="0"/>
+              </a:rPr>
+              <a:t> </a:t>
+            </a:r>
+          </a:p>
+          <a:p>
+            <a:pPr>
+              <a:spcAft>
+                <a:spcPts val="0"/>
+              </a:spcAft>
+            </a:pPr>
+            <a:r>
+              <a:rPr lang="en-US" dirty="0" err="1">
+                <a:latin typeface="Calibri" charset="0"/>
+                <a:ea typeface="Calibri" charset="0"/>
+                <a:cs typeface="Times New Roman" charset="0"/>
+              </a:rPr>
+              <a:t>ipfilter</a:t>
+            </a:r>
+            <a:r>
+              <a:rPr lang="en-US" dirty="0">
+                <a:latin typeface="Calibri" charset="0"/>
+                <a:ea typeface="Calibri" charset="0"/>
+                <a:cs typeface="Times New Roman" charset="0"/>
+              </a:rPr>
+              <a:t> /</a:t>
+            </a:r>
+            <a:r>
+              <a:rPr lang="en-US" dirty="0" err="1">
+                <a:latin typeface="Calibri" charset="0"/>
+                <a:ea typeface="Calibri" charset="0"/>
+                <a:cs typeface="Times New Roman" charset="0"/>
+              </a:rPr>
+              <a:t>notglobal</a:t>
+            </a:r>
+            <a:r>
+              <a:rPr lang="en-US" dirty="0">
+                <a:latin typeface="Calibri" charset="0"/>
+                <a:ea typeface="Calibri" charset="0"/>
+                <a:cs typeface="Times New Roman" charset="0"/>
+              </a:rPr>
+              <a:t> /secret {</a:t>
+            </a:r>
+          </a:p>
+          <a:p>
+            <a:pPr>
+              <a:spcAft>
+                <a:spcPts val="0"/>
+              </a:spcAft>
+            </a:pPr>
+            <a:r>
+              <a:rPr lang="en-US" dirty="0">
+                <a:latin typeface="Calibri" charset="0"/>
+                <a:ea typeface="Calibri" charset="0"/>
+                <a:cs typeface="Times New Roman" charset="0"/>
+              </a:rPr>
+              <a:t>	rule       block</a:t>
+            </a:r>
+          </a:p>
+          <a:p>
+            <a:pPr>
+              <a:spcAft>
+                <a:spcPts val="0"/>
+              </a:spcAft>
+            </a:pPr>
+            <a:r>
+              <a:rPr lang="en-US" dirty="0">
+                <a:latin typeface="Calibri" charset="0"/>
+                <a:ea typeface="Calibri" charset="0"/>
+                <a:cs typeface="Times New Roman" charset="0"/>
+              </a:rPr>
+              <a:t>	country    US JP</a:t>
+            </a:r>
+          </a:p>
+          <a:p>
+            <a:pPr>
+              <a:spcAft>
+                <a:spcPts val="0"/>
+              </a:spcAft>
+            </a:pPr>
+            <a:r>
+              <a:rPr lang="en-US" dirty="0">
+                <a:latin typeface="Calibri" charset="0"/>
+                <a:ea typeface="Calibri" charset="0"/>
+                <a:cs typeface="Times New Roman" charset="0"/>
+              </a:rPr>
+              <a:t>	database   /local/data/GeoLite2-Country.mmdb </a:t>
+            </a:r>
+          </a:p>
+          <a:p>
+            <a:pPr>
+              <a:spcAft>
+                <a:spcPts val="0"/>
+              </a:spcAft>
+            </a:pPr>
+            <a:r>
+              <a:rPr lang="en-US" dirty="0">
+                <a:latin typeface="Calibri" charset="0"/>
+                <a:ea typeface="Calibri" charset="0"/>
+                <a:cs typeface="Times New Roman" charset="0"/>
+              </a:rPr>
+              <a:t>	</a:t>
+            </a:r>
+            <a:r>
+              <a:rPr lang="en-US" dirty="0" err="1">
+                <a:latin typeface="Calibri" charset="0"/>
+                <a:ea typeface="Calibri" charset="0"/>
+                <a:cs typeface="Times New Roman" charset="0"/>
+              </a:rPr>
+              <a:t>blockpage</a:t>
+            </a:r>
+            <a:r>
+              <a:rPr lang="en-US" dirty="0">
+                <a:latin typeface="Calibri" charset="0"/>
+                <a:ea typeface="Calibri" charset="0"/>
+                <a:cs typeface="Times New Roman" charset="0"/>
+              </a:rPr>
+              <a:t>  /local/data/</a:t>
+            </a:r>
+            <a:r>
+              <a:rPr lang="en-US" dirty="0" err="1">
+                <a:latin typeface="Calibri" charset="0"/>
+                <a:ea typeface="Calibri" charset="0"/>
+                <a:cs typeface="Times New Roman" charset="0"/>
+              </a:rPr>
+              <a:t>default.html</a:t>
+            </a:r>
+            <a:endParaRPr lang="en-US" dirty="0">
+              <a:latin typeface="Calibri" charset="0"/>
+              <a:ea typeface="Calibri" charset="0"/>
+              <a:cs typeface="Times New Roman" charset="0"/>
+            </a:endParaRPr>
+          </a:p>
+          <a:p>
+            <a:pPr>
+              <a:spcAft>
+                <a:spcPts val="0"/>
+              </a:spcAft>
+            </a:pPr>
+            <a:r>
+              <a:rPr lang="en-US" dirty="0">
+                <a:latin typeface="Calibri" charset="0"/>
+                <a:ea typeface="Calibri" charset="0"/>
+                <a:cs typeface="Times New Roman" charset="0"/>
+              </a:rPr>
+              <a:t>}</a:t>
+            </a:r>
+          </a:p>
+          <a:p>
+            <a:pPr>
+              <a:spcAft>
+                <a:spcPts val="0"/>
+              </a:spcAft>
+            </a:pPr>
+            <a:r>
+              <a:rPr lang="en-US" dirty="0">
+                <a:latin typeface="Calibri" charset="0"/>
+                <a:ea typeface="Calibri" charset="0"/>
+                <a:cs typeface="Times New Roman" charset="0"/>
+              </a:rPr>
+              <a:t> </a:t>
+            </a:r>
+          </a:p>
+          <a:p>
+            <a:pPr>
+              <a:spcAft>
+                <a:spcPts val="0"/>
+              </a:spcAft>
+            </a:pPr>
+            <a:r>
+              <a:rPr lang="en-US" dirty="0">
+                <a:latin typeface="Calibri" charset="0"/>
+                <a:ea typeface="Calibri" charset="0"/>
+                <a:cs typeface="Times New Roman" charset="0"/>
+              </a:rPr>
+              <a:t> </a:t>
+            </a:r>
+            <a:endParaRPr lang="en-US" dirty="0">
+              <a:effectLst/>
+              <a:latin typeface="Calibri" charset="0"/>
+              <a:ea typeface="Calibri" charset="0"/>
+              <a:cs typeface="Times New Roman" charset="0"/>
+            </a:endParaRPr>
+          </a:p>
+        </p:txBody>
+      </p:sp>
+      <p:sp>
+        <p:nvSpPr>
+          <p:cNvPr id="6" name="Rectangle 5"/>
+          <p:cNvSpPr/>
+          <p:nvPr/>
+        </p:nvSpPr>
+        <p:spPr>
+          <a:xfrm>
+            <a:off x="6370983" y="1073426"/>
+            <a:ext cx="6096000" cy="1477328"/>
+          </a:xfrm>
+          <a:prstGeom prst="rect">
+            <a:avLst/>
+          </a:prstGeom>
+        </p:spPr>
+        <p:txBody>
+          <a:bodyPr>
+            <a:spAutoFit/>
+          </a:bodyPr>
+          <a:lstStyle/>
+          <a:p>
+            <a:pPr>
+              <a:spcAft>
+                <a:spcPts val="0"/>
+              </a:spcAft>
+            </a:pPr>
+            <a:r>
+              <a:rPr lang="en-US" dirty="0" err="1">
+                <a:latin typeface="Courier New" charset="0"/>
+                <a:ea typeface="Calibri" charset="0"/>
+                <a:cs typeface="Times New Roman" charset="0"/>
+              </a:rPr>
+              <a:t>realip</a:t>
+            </a:r>
+            <a:r>
+              <a:rPr lang="en-US" dirty="0">
+                <a:latin typeface="Courier New" charset="0"/>
+                <a:ea typeface="Calibri" charset="0"/>
+                <a:cs typeface="Times New Roman" charset="0"/>
+              </a:rPr>
+              <a:t> {</a:t>
+            </a:r>
+            <a:endParaRPr lang="en-US" sz="2800" dirty="0">
+              <a:latin typeface="Calibri" charset="0"/>
+              <a:ea typeface="Calibri" charset="0"/>
+              <a:cs typeface="Times New Roman" charset="0"/>
+            </a:endParaRPr>
+          </a:p>
+          <a:p>
+            <a:pPr>
+              <a:spcAft>
+                <a:spcPts val="0"/>
+              </a:spcAft>
+            </a:pPr>
+            <a:r>
+              <a:rPr lang="en-US" dirty="0">
+                <a:latin typeface="Courier New" charset="0"/>
+                <a:ea typeface="Calibri" charset="0"/>
+                <a:cs typeface="Times New Roman" charset="0"/>
+              </a:rPr>
+              <a:t>    header name</a:t>
+            </a:r>
+            <a:endParaRPr lang="en-US" sz="2800" dirty="0">
+              <a:latin typeface="Calibri" charset="0"/>
+              <a:ea typeface="Calibri" charset="0"/>
+              <a:cs typeface="Times New Roman" charset="0"/>
+            </a:endParaRPr>
+          </a:p>
+          <a:p>
+            <a:pPr>
+              <a:spcAft>
+                <a:spcPts val="0"/>
+              </a:spcAft>
+            </a:pPr>
+            <a:r>
+              <a:rPr lang="en-US" dirty="0">
+                <a:latin typeface="Courier New" charset="0"/>
+                <a:ea typeface="Calibri" charset="0"/>
+                <a:cs typeface="Times New Roman" charset="0"/>
+              </a:rPr>
+              <a:t>    from   </a:t>
+            </a:r>
+            <a:r>
+              <a:rPr lang="en-US" dirty="0" err="1">
+                <a:latin typeface="Courier New" charset="0"/>
+                <a:ea typeface="Calibri" charset="0"/>
+                <a:cs typeface="Times New Roman" charset="0"/>
+              </a:rPr>
+              <a:t>cidr</a:t>
+            </a:r>
+            <a:endParaRPr lang="en-US" sz="2800" dirty="0">
+              <a:latin typeface="Calibri" charset="0"/>
+              <a:ea typeface="Calibri" charset="0"/>
+              <a:cs typeface="Times New Roman" charset="0"/>
+            </a:endParaRPr>
+          </a:p>
+          <a:p>
+            <a:pPr>
+              <a:spcAft>
+                <a:spcPts val="0"/>
+              </a:spcAft>
+            </a:pPr>
+            <a:r>
+              <a:rPr lang="en-US" dirty="0">
+                <a:latin typeface="Courier New" charset="0"/>
+                <a:ea typeface="Calibri" charset="0"/>
+                <a:cs typeface="Times New Roman" charset="0"/>
+              </a:rPr>
+              <a:t>    strict</a:t>
+            </a:r>
+            <a:endParaRPr lang="en-US" sz="2800" dirty="0">
+              <a:latin typeface="Calibri" charset="0"/>
+              <a:ea typeface="Calibri" charset="0"/>
+              <a:cs typeface="Times New Roman" charset="0"/>
+            </a:endParaRPr>
+          </a:p>
+          <a:p>
+            <a:pPr>
+              <a:spcAft>
+                <a:spcPts val="0"/>
+              </a:spcAft>
+            </a:pPr>
+            <a:r>
+              <a:rPr lang="en-US" dirty="0">
+                <a:latin typeface="Courier New" charset="0"/>
+                <a:ea typeface="Calibri" charset="0"/>
+                <a:cs typeface="Times New Roman" charset="0"/>
+              </a:rPr>
+              <a:t>}</a:t>
+            </a:r>
+            <a:endParaRPr lang="en-US" sz="2800" dirty="0">
+              <a:effectLst/>
+              <a:latin typeface="Calibri" charset="0"/>
+              <a:ea typeface="Calibri" charset="0"/>
+              <a:cs typeface="Times New Roman" charset="0"/>
+            </a:endParaRPr>
+          </a:p>
+        </p:txBody>
+      </p:sp>
+      <p:sp>
+        <p:nvSpPr>
+          <p:cNvPr id="7" name="Rectangle 6"/>
+          <p:cNvSpPr/>
+          <p:nvPr/>
+        </p:nvSpPr>
+        <p:spPr>
+          <a:xfrm>
+            <a:off x="6370982" y="242429"/>
+            <a:ext cx="11642035" cy="830997"/>
+          </a:xfrm>
+          <a:prstGeom prst="rect">
+            <a:avLst/>
+          </a:prstGeom>
+        </p:spPr>
+        <p:txBody>
+          <a:bodyPr wrap="square">
+            <a:spAutoFit/>
+          </a:bodyPr>
+          <a:lstStyle/>
+          <a:p>
+            <a:r>
+              <a:rPr lang="en-US" sz="4800" b="1" dirty="0" smtClean="0"/>
+              <a:t>Real-IP (Add-on)</a:t>
+            </a:r>
+            <a:endParaRPr lang="en-US" sz="2800" b="1" dirty="0"/>
+          </a:p>
+        </p:txBody>
+      </p:sp>
+      <p:sp>
+        <p:nvSpPr>
+          <p:cNvPr id="8" name="Rectangle 7"/>
+          <p:cNvSpPr/>
+          <p:nvPr/>
+        </p:nvSpPr>
+        <p:spPr>
+          <a:xfrm>
+            <a:off x="5950225" y="2750620"/>
+            <a:ext cx="6096000" cy="1754326"/>
+          </a:xfrm>
+          <a:prstGeom prst="rect">
+            <a:avLst/>
+          </a:prstGeom>
+        </p:spPr>
+        <p:txBody>
+          <a:bodyPr>
+            <a:spAutoFit/>
+          </a:bodyPr>
+          <a:lstStyle/>
+          <a:p>
+            <a:pPr>
+              <a:spcAft>
+                <a:spcPts val="0"/>
+              </a:spcAft>
+            </a:pPr>
+            <a:r>
+              <a:rPr lang="en-US">
+                <a:latin typeface="Courier New" charset="0"/>
+                <a:ea typeface="Calibri" charset="0"/>
+                <a:cs typeface="Times New Roman" charset="0"/>
+              </a:rPr>
+              <a:t>	</a:t>
+            </a:r>
+            <a:r>
+              <a:rPr lang="en-US" dirty="0" err="1">
+                <a:latin typeface="Courier New" charset="0"/>
+                <a:ea typeface="Calibri" charset="0"/>
+                <a:cs typeface="Times New Roman" charset="0"/>
+              </a:rPr>
+              <a:t>realip</a:t>
+            </a:r>
+            <a:r>
+              <a:rPr lang="en-US" dirty="0">
+                <a:latin typeface="Courier New" charset="0"/>
+                <a:ea typeface="Calibri" charset="0"/>
+                <a:cs typeface="Times New Roman" charset="0"/>
+              </a:rPr>
+              <a:t> {</a:t>
+            </a:r>
+            <a:endParaRPr lang="en-US" sz="2800" dirty="0">
+              <a:latin typeface="Calibri" charset="0"/>
+              <a:ea typeface="Calibri" charset="0"/>
+              <a:cs typeface="Times New Roman" charset="0"/>
+            </a:endParaRPr>
+          </a:p>
+          <a:p>
+            <a:pPr>
+              <a:spcAft>
+                <a:spcPts val="0"/>
+              </a:spcAft>
+            </a:pPr>
+            <a:r>
+              <a:rPr lang="en-US" dirty="0">
+                <a:latin typeface="Courier New" charset="0"/>
+                <a:ea typeface="Calibri" charset="0"/>
+                <a:cs typeface="Times New Roman" charset="0"/>
+              </a:rPr>
+              <a:t>	    header X-Forwarded-For</a:t>
+            </a:r>
+            <a:endParaRPr lang="en-US" sz="2800" dirty="0">
+              <a:latin typeface="Calibri" charset="0"/>
+              <a:ea typeface="Calibri" charset="0"/>
+              <a:cs typeface="Times New Roman" charset="0"/>
+            </a:endParaRPr>
+          </a:p>
+          <a:p>
+            <a:pPr>
+              <a:spcAft>
+                <a:spcPts val="0"/>
+              </a:spcAft>
+            </a:pPr>
+            <a:r>
+              <a:rPr lang="en-US" dirty="0">
+                <a:latin typeface="Courier New" charset="0"/>
+                <a:ea typeface="Calibri" charset="0"/>
+                <a:cs typeface="Times New Roman" charset="0"/>
+              </a:rPr>
+              <a:t>	    from   </a:t>
+            </a:r>
+            <a:r>
+              <a:rPr lang="en-US" dirty="0" err="1">
+                <a:latin typeface="Courier New" charset="0"/>
+                <a:ea typeface="Calibri" charset="0"/>
+                <a:cs typeface="Times New Roman" charset="0"/>
+              </a:rPr>
+              <a:t>cloudflare</a:t>
+            </a:r>
+            <a:endParaRPr lang="en-US" sz="2800" dirty="0">
+              <a:latin typeface="Calibri" charset="0"/>
+              <a:ea typeface="Calibri" charset="0"/>
+              <a:cs typeface="Times New Roman" charset="0"/>
+            </a:endParaRPr>
+          </a:p>
+          <a:p>
+            <a:pPr>
+              <a:spcAft>
+                <a:spcPts val="0"/>
+              </a:spcAft>
+            </a:pPr>
+            <a:r>
+              <a:rPr lang="en-US" dirty="0">
+                <a:latin typeface="Courier New" charset="0"/>
+                <a:ea typeface="Calibri" charset="0"/>
+                <a:cs typeface="Times New Roman" charset="0"/>
+              </a:rPr>
+              <a:t>	    from   1.2.3.4/32</a:t>
+            </a:r>
+            <a:endParaRPr lang="en-US" sz="2800" dirty="0">
+              <a:latin typeface="Calibri" charset="0"/>
+              <a:ea typeface="Calibri" charset="0"/>
+              <a:cs typeface="Times New Roman" charset="0"/>
+            </a:endParaRPr>
+          </a:p>
+          <a:p>
+            <a:pPr>
+              <a:spcAft>
+                <a:spcPts val="0"/>
+              </a:spcAft>
+            </a:pPr>
+            <a:r>
+              <a:rPr lang="en-US" dirty="0">
+                <a:latin typeface="Courier New" charset="0"/>
+                <a:ea typeface="Calibri" charset="0"/>
+                <a:cs typeface="Times New Roman" charset="0"/>
+              </a:rPr>
+              <a:t>	    from   0.0.0.0/0</a:t>
+            </a:r>
+            <a:endParaRPr lang="en-US" sz="2800" dirty="0">
+              <a:latin typeface="Calibri" charset="0"/>
+              <a:ea typeface="Calibri" charset="0"/>
+              <a:cs typeface="Times New Roman" charset="0"/>
+            </a:endParaRPr>
+          </a:p>
+          <a:p>
+            <a:pPr>
+              <a:spcAft>
+                <a:spcPts val="0"/>
+              </a:spcAft>
+            </a:pPr>
+            <a:r>
+              <a:rPr lang="en-US" dirty="0">
+                <a:latin typeface="Courier New" charset="0"/>
+                <a:ea typeface="Calibri" charset="0"/>
+                <a:cs typeface="Times New Roman" charset="0"/>
+              </a:rPr>
+              <a:t>	}</a:t>
+            </a:r>
+            <a:endParaRPr lang="en-US" sz="2800" dirty="0">
+              <a:effectLst/>
+              <a:latin typeface="Calibri" charset="0"/>
+              <a:ea typeface="Calibri" charset="0"/>
+              <a:cs typeface="Times New Roman" charset="0"/>
+            </a:endParaRPr>
+          </a:p>
+        </p:txBody>
+      </p:sp>
+    </p:spTree>
+    <p:extLst>
+      <p:ext uri="{BB962C8B-B14F-4D97-AF65-F5344CB8AC3E}">
+        <p14:creationId xmlns:p14="http://schemas.microsoft.com/office/powerpoint/2010/main" val="172223766"/>
+      </p:ext>
+    </p:extLst>
+  </p:cSld>
+  <p:clrMapOvr>
+    <a:masterClrMapping/>
+  </p:clrMapOvr>
+  <p:timing>
+    <p:tnLst>
+      <p:par>
+        <p:cTn id="1" dur="indefinite" restart="never" nodeType="tmRoot"/>
+      </p:par>
+    </p:tnLst>
+  </p:timing>
+</p:sld>
+</file>
+
+<file path=ppt/slides/slide17.xml><?xml version="1.0" encoding="utf-8"?>
+<p:sld xmlns:a="http://schemas.openxmlformats.org/drawingml/2006/main" xmlns:r="http://schemas.openxmlformats.org/officeDocument/2006/relationships" xmlns:p="http://schemas.openxmlformats.org/presentationml/2006/main">
+  <p:cSld>
+    <p:spTree>
+      <p:nvGrpSpPr>
+        <p:cNvPr id="1" name=""/>
+        <p:cNvGrpSpPr/>
+        <p:nvPr/>
+      </p:nvGrpSpPr>
+      <p:grpSpPr>
+        <a:xfrm>
+          <a:off x="0" y="0"/>
+          <a:ext cx="0" cy="0"/>
+          <a:chOff x="0" y="0"/>
+          <a:chExt cx="0" cy="0"/>
+        </a:xfrm>
+      </p:grpSpPr>
+      <p:sp>
+        <p:nvSpPr>
+          <p:cNvPr id="2" name="Rectangle 1"/>
+          <p:cNvSpPr/>
+          <p:nvPr/>
+        </p:nvSpPr>
+        <p:spPr>
+          <a:xfrm>
+            <a:off x="404190" y="264541"/>
+            <a:ext cx="11642035" cy="830997"/>
+          </a:xfrm>
+          <a:prstGeom prst="rect">
+            <a:avLst/>
+          </a:prstGeom>
+        </p:spPr>
+        <p:txBody>
+          <a:bodyPr wrap="square">
+            <a:spAutoFit/>
+          </a:bodyPr>
+          <a:lstStyle/>
+          <a:p>
+            <a:r>
+              <a:rPr lang="en-US" sz="4800" b="1" dirty="0" smtClean="0"/>
+              <a:t>Proxy</a:t>
+            </a:r>
+            <a:endParaRPr lang="en-US" sz="2800" b="1" dirty="0"/>
+          </a:p>
+        </p:txBody>
+      </p:sp>
+      <p:sp>
+        <p:nvSpPr>
+          <p:cNvPr id="4" name="Rectangle 3"/>
+          <p:cNvSpPr/>
+          <p:nvPr/>
+        </p:nvSpPr>
+        <p:spPr>
+          <a:xfrm>
+            <a:off x="404189" y="1095538"/>
+            <a:ext cx="6950767" cy="3693319"/>
+          </a:xfrm>
+          <a:prstGeom prst="rect">
+            <a:avLst/>
+          </a:prstGeom>
+        </p:spPr>
+        <p:txBody>
+          <a:bodyPr wrap="square">
+            <a:spAutoFit/>
+          </a:bodyPr>
+          <a:lstStyle/>
+          <a:p>
+            <a:pPr>
+              <a:spcAft>
+                <a:spcPts val="0"/>
+              </a:spcAft>
+            </a:pPr>
+            <a:r>
+              <a:rPr lang="en-US" dirty="0">
+                <a:latin typeface="Courier New" charset="0"/>
+                <a:ea typeface="Calibri" charset="0"/>
+                <a:cs typeface="Times New Roman" charset="0"/>
+              </a:rPr>
+              <a:t>proxy from to... {</a:t>
+            </a:r>
+            <a:endParaRPr lang="en-US" sz="2800" dirty="0">
+              <a:latin typeface="Calibri" charset="0"/>
+              <a:ea typeface="Calibri" charset="0"/>
+              <a:cs typeface="Times New Roman" charset="0"/>
+            </a:endParaRPr>
+          </a:p>
+          <a:p>
+            <a:pPr>
+              <a:spcAft>
+                <a:spcPts val="0"/>
+              </a:spcAft>
+            </a:pPr>
+            <a:r>
+              <a:rPr lang="en-US" dirty="0">
+                <a:latin typeface="Courier New" charset="0"/>
+                <a:ea typeface="Calibri" charset="0"/>
+                <a:cs typeface="Times New Roman" charset="0"/>
+              </a:rPr>
+              <a:t>	policy random </a:t>
+            </a:r>
+            <a:endParaRPr lang="en-US" dirty="0" smtClean="0">
+              <a:latin typeface="Courier New" charset="0"/>
+              <a:ea typeface="Calibri" charset="0"/>
+              <a:cs typeface="Times New Roman" charset="0"/>
+            </a:endParaRPr>
+          </a:p>
+          <a:p>
+            <a:pPr>
+              <a:spcAft>
+                <a:spcPts val="0"/>
+              </a:spcAft>
+            </a:pPr>
+            <a:r>
+              <a:rPr lang="en-US" dirty="0">
+                <a:latin typeface="Courier New" charset="0"/>
+                <a:ea typeface="Calibri" charset="0"/>
+                <a:cs typeface="Times New Roman" charset="0"/>
+              </a:rPr>
+              <a:t>	</a:t>
+            </a:r>
+            <a:r>
+              <a:rPr lang="en-US" dirty="0" smtClean="0">
+                <a:latin typeface="Courier New" charset="0"/>
+                <a:ea typeface="Calibri" charset="0"/>
+                <a:cs typeface="Times New Roman" charset="0"/>
+              </a:rPr>
+              <a:t>| </a:t>
+            </a:r>
+            <a:r>
+              <a:rPr lang="en-US" dirty="0" err="1">
+                <a:latin typeface="Courier New" charset="0"/>
+                <a:ea typeface="Calibri" charset="0"/>
+                <a:cs typeface="Times New Roman" charset="0"/>
+              </a:rPr>
+              <a:t>least_conn</a:t>
+            </a:r>
+            <a:r>
+              <a:rPr lang="en-US" dirty="0">
+                <a:latin typeface="Courier New" charset="0"/>
+                <a:ea typeface="Calibri" charset="0"/>
+                <a:cs typeface="Times New Roman" charset="0"/>
+              </a:rPr>
+              <a:t> </a:t>
+            </a:r>
+            <a:endParaRPr lang="en-US" dirty="0" smtClean="0">
+              <a:latin typeface="Courier New" charset="0"/>
+              <a:ea typeface="Calibri" charset="0"/>
+              <a:cs typeface="Times New Roman" charset="0"/>
+            </a:endParaRPr>
+          </a:p>
+          <a:p>
+            <a:pPr>
+              <a:spcAft>
+                <a:spcPts val="0"/>
+              </a:spcAft>
+            </a:pPr>
+            <a:r>
+              <a:rPr lang="en-US" dirty="0">
+                <a:latin typeface="Courier New" charset="0"/>
+                <a:ea typeface="Calibri" charset="0"/>
+                <a:cs typeface="Times New Roman" charset="0"/>
+              </a:rPr>
+              <a:t>	</a:t>
+            </a:r>
+            <a:r>
+              <a:rPr lang="en-US" dirty="0" smtClean="0">
+                <a:latin typeface="Courier New" charset="0"/>
+                <a:ea typeface="Calibri" charset="0"/>
+                <a:cs typeface="Times New Roman" charset="0"/>
+              </a:rPr>
+              <a:t>| </a:t>
+            </a:r>
+            <a:r>
+              <a:rPr lang="en-US" dirty="0" err="1">
+                <a:latin typeface="Courier New" charset="0"/>
+                <a:ea typeface="Calibri" charset="0"/>
+                <a:cs typeface="Times New Roman" charset="0"/>
+              </a:rPr>
+              <a:t>round_robin</a:t>
+            </a:r>
+            <a:endParaRPr lang="en-US" sz="2800" dirty="0">
+              <a:latin typeface="Calibri" charset="0"/>
+              <a:ea typeface="Calibri" charset="0"/>
+              <a:cs typeface="Times New Roman" charset="0"/>
+            </a:endParaRPr>
+          </a:p>
+          <a:p>
+            <a:pPr>
+              <a:spcAft>
+                <a:spcPts val="0"/>
+              </a:spcAft>
+            </a:pPr>
+            <a:r>
+              <a:rPr lang="en-US" dirty="0">
+                <a:latin typeface="Courier New" charset="0"/>
+                <a:ea typeface="Calibri" charset="0"/>
+                <a:cs typeface="Times New Roman" charset="0"/>
+              </a:rPr>
+              <a:t>	</a:t>
+            </a:r>
+            <a:r>
+              <a:rPr lang="en-US" dirty="0" err="1">
+                <a:latin typeface="Courier New" charset="0"/>
+                <a:ea typeface="Calibri" charset="0"/>
+                <a:cs typeface="Times New Roman" charset="0"/>
+              </a:rPr>
+              <a:t>fail_timeout</a:t>
+            </a:r>
+            <a:r>
+              <a:rPr lang="en-US" dirty="0">
+                <a:latin typeface="Courier New" charset="0"/>
+                <a:ea typeface="Calibri" charset="0"/>
+                <a:cs typeface="Times New Roman" charset="0"/>
+              </a:rPr>
+              <a:t> duration</a:t>
+            </a:r>
+            <a:endParaRPr lang="en-US" sz="2800" dirty="0">
+              <a:latin typeface="Calibri" charset="0"/>
+              <a:ea typeface="Calibri" charset="0"/>
+              <a:cs typeface="Times New Roman" charset="0"/>
+            </a:endParaRPr>
+          </a:p>
+          <a:p>
+            <a:pPr>
+              <a:spcAft>
+                <a:spcPts val="0"/>
+              </a:spcAft>
+            </a:pPr>
+            <a:r>
+              <a:rPr lang="en-US" dirty="0">
+                <a:latin typeface="Courier New" charset="0"/>
+                <a:ea typeface="Calibri" charset="0"/>
+                <a:cs typeface="Times New Roman" charset="0"/>
+              </a:rPr>
+              <a:t>	</a:t>
+            </a:r>
+            <a:r>
+              <a:rPr lang="en-US" dirty="0" err="1">
+                <a:latin typeface="Courier New" charset="0"/>
+                <a:ea typeface="Calibri" charset="0"/>
+                <a:cs typeface="Times New Roman" charset="0"/>
+              </a:rPr>
+              <a:t>max_fails</a:t>
+            </a:r>
+            <a:r>
+              <a:rPr lang="en-US" dirty="0">
+                <a:latin typeface="Courier New" charset="0"/>
+                <a:ea typeface="Calibri" charset="0"/>
+                <a:cs typeface="Times New Roman" charset="0"/>
+              </a:rPr>
+              <a:t> integer</a:t>
+            </a:r>
+            <a:endParaRPr lang="en-US" sz="2800" dirty="0">
+              <a:latin typeface="Calibri" charset="0"/>
+              <a:ea typeface="Calibri" charset="0"/>
+              <a:cs typeface="Times New Roman" charset="0"/>
+            </a:endParaRPr>
+          </a:p>
+          <a:p>
+            <a:pPr>
+              <a:spcAft>
+                <a:spcPts val="0"/>
+              </a:spcAft>
+            </a:pPr>
+            <a:r>
+              <a:rPr lang="en-US" dirty="0">
+                <a:latin typeface="Courier New" charset="0"/>
+                <a:ea typeface="Calibri" charset="0"/>
+                <a:cs typeface="Times New Roman" charset="0"/>
+              </a:rPr>
+              <a:t>	</a:t>
+            </a:r>
+            <a:r>
+              <a:rPr lang="en-US" dirty="0" err="1">
+                <a:latin typeface="Courier New" charset="0"/>
+                <a:ea typeface="Calibri" charset="0"/>
+                <a:cs typeface="Times New Roman" charset="0"/>
+              </a:rPr>
+              <a:t>health_check</a:t>
+            </a:r>
+            <a:r>
+              <a:rPr lang="en-US" dirty="0">
+                <a:latin typeface="Courier New" charset="0"/>
+                <a:ea typeface="Calibri" charset="0"/>
+                <a:cs typeface="Times New Roman" charset="0"/>
+              </a:rPr>
+              <a:t> path [duration]</a:t>
+            </a:r>
+            <a:endParaRPr lang="en-US" sz="2800" dirty="0">
+              <a:latin typeface="Calibri" charset="0"/>
+              <a:ea typeface="Calibri" charset="0"/>
+              <a:cs typeface="Times New Roman" charset="0"/>
+            </a:endParaRPr>
+          </a:p>
+          <a:p>
+            <a:pPr>
+              <a:spcAft>
+                <a:spcPts val="0"/>
+              </a:spcAft>
+            </a:pPr>
+            <a:r>
+              <a:rPr lang="en-US" dirty="0">
+                <a:latin typeface="Courier New" charset="0"/>
+                <a:ea typeface="Calibri" charset="0"/>
+                <a:cs typeface="Times New Roman" charset="0"/>
+              </a:rPr>
+              <a:t>	</a:t>
+            </a:r>
+            <a:r>
+              <a:rPr lang="en-US" dirty="0" err="1">
+                <a:latin typeface="Courier New" charset="0"/>
+                <a:ea typeface="Calibri" charset="0"/>
+                <a:cs typeface="Times New Roman" charset="0"/>
+              </a:rPr>
+              <a:t>proxy_header</a:t>
+            </a:r>
+            <a:r>
+              <a:rPr lang="en-US" dirty="0">
+                <a:latin typeface="Courier New" charset="0"/>
+                <a:ea typeface="Calibri" charset="0"/>
+                <a:cs typeface="Times New Roman" charset="0"/>
+              </a:rPr>
+              <a:t> name value</a:t>
+            </a:r>
+            <a:endParaRPr lang="en-US" sz="2800" dirty="0">
+              <a:latin typeface="Calibri" charset="0"/>
+              <a:ea typeface="Calibri" charset="0"/>
+              <a:cs typeface="Times New Roman" charset="0"/>
+            </a:endParaRPr>
+          </a:p>
+          <a:p>
+            <a:pPr>
+              <a:spcAft>
+                <a:spcPts val="0"/>
+              </a:spcAft>
+            </a:pPr>
+            <a:r>
+              <a:rPr lang="en-US" dirty="0">
+                <a:latin typeface="Courier New" charset="0"/>
+                <a:ea typeface="Calibri" charset="0"/>
+                <a:cs typeface="Times New Roman" charset="0"/>
+              </a:rPr>
+              <a:t>	without prefix</a:t>
+            </a:r>
+            <a:endParaRPr lang="en-US" sz="2800" dirty="0">
+              <a:latin typeface="Calibri" charset="0"/>
+              <a:ea typeface="Calibri" charset="0"/>
+              <a:cs typeface="Times New Roman" charset="0"/>
+            </a:endParaRPr>
+          </a:p>
+          <a:p>
+            <a:pPr>
+              <a:spcAft>
+                <a:spcPts val="0"/>
+              </a:spcAft>
+            </a:pPr>
+            <a:r>
+              <a:rPr lang="en-US" dirty="0">
+                <a:latin typeface="Courier New" charset="0"/>
+                <a:ea typeface="Calibri" charset="0"/>
+                <a:cs typeface="Times New Roman" charset="0"/>
+              </a:rPr>
+              <a:t>	except </a:t>
+            </a:r>
+            <a:r>
+              <a:rPr lang="en-US" dirty="0" err="1">
+                <a:latin typeface="Courier New" charset="0"/>
+                <a:ea typeface="Calibri" charset="0"/>
+                <a:cs typeface="Times New Roman" charset="0"/>
+              </a:rPr>
+              <a:t>ignored_paths</a:t>
+            </a:r>
+            <a:r>
+              <a:rPr lang="en-US" dirty="0">
+                <a:latin typeface="Courier New" charset="0"/>
+                <a:ea typeface="Calibri" charset="0"/>
+                <a:cs typeface="Times New Roman" charset="0"/>
+              </a:rPr>
+              <a:t>...</a:t>
+            </a:r>
+            <a:endParaRPr lang="en-US" sz="2800" dirty="0">
+              <a:latin typeface="Calibri" charset="0"/>
+              <a:ea typeface="Calibri" charset="0"/>
+              <a:cs typeface="Times New Roman" charset="0"/>
+            </a:endParaRPr>
+          </a:p>
+          <a:p>
+            <a:pPr>
+              <a:spcAft>
+                <a:spcPts val="0"/>
+              </a:spcAft>
+            </a:pPr>
+            <a:r>
+              <a:rPr lang="en-US" dirty="0">
+                <a:latin typeface="Courier New" charset="0"/>
+                <a:ea typeface="Calibri" charset="0"/>
+                <a:cs typeface="Times New Roman" charset="0"/>
+              </a:rPr>
+              <a:t>	</a:t>
+            </a:r>
+            <a:r>
+              <a:rPr lang="en-US" dirty="0" err="1">
+                <a:latin typeface="Courier New" charset="0"/>
+                <a:ea typeface="Calibri" charset="0"/>
+                <a:cs typeface="Times New Roman" charset="0"/>
+              </a:rPr>
+              <a:t>insecure_skip_verify</a:t>
+            </a:r>
+            <a:endParaRPr lang="en-US" sz="2800" dirty="0">
+              <a:latin typeface="Calibri" charset="0"/>
+              <a:ea typeface="Calibri" charset="0"/>
+              <a:cs typeface="Times New Roman" charset="0"/>
+            </a:endParaRPr>
+          </a:p>
+          <a:p>
+            <a:pPr>
+              <a:spcAft>
+                <a:spcPts val="0"/>
+              </a:spcAft>
+            </a:pPr>
+            <a:r>
+              <a:rPr lang="en-US" dirty="0">
+                <a:latin typeface="Courier New" charset="0"/>
+                <a:ea typeface="Calibri" charset="0"/>
+                <a:cs typeface="Times New Roman" charset="0"/>
+              </a:rPr>
+              <a:t>	preset</a:t>
+            </a:r>
+            <a:endParaRPr lang="en-US" sz="2800" dirty="0">
+              <a:latin typeface="Calibri" charset="0"/>
+              <a:ea typeface="Calibri" charset="0"/>
+              <a:cs typeface="Times New Roman" charset="0"/>
+            </a:endParaRPr>
+          </a:p>
+          <a:p>
+            <a:pPr>
+              <a:spcAft>
+                <a:spcPts val="0"/>
+              </a:spcAft>
+            </a:pPr>
+            <a:r>
+              <a:rPr lang="en-US" dirty="0">
+                <a:latin typeface="Courier New" charset="0"/>
+                <a:ea typeface="Calibri" charset="0"/>
+                <a:cs typeface="Times New Roman" charset="0"/>
+              </a:rPr>
+              <a:t>}</a:t>
+            </a:r>
+            <a:endParaRPr lang="en-US" sz="2800" dirty="0">
+              <a:effectLst/>
+              <a:latin typeface="Calibri" charset="0"/>
+              <a:ea typeface="Calibri" charset="0"/>
+              <a:cs typeface="Times New Roman" charset="0"/>
+            </a:endParaRPr>
+          </a:p>
+        </p:txBody>
+      </p:sp>
+      <p:sp>
+        <p:nvSpPr>
+          <p:cNvPr id="6" name="Rectangle 5"/>
+          <p:cNvSpPr/>
+          <p:nvPr/>
+        </p:nvSpPr>
+        <p:spPr>
+          <a:xfrm>
+            <a:off x="5652052" y="532684"/>
+            <a:ext cx="6096000" cy="5786199"/>
+          </a:xfrm>
+          <a:prstGeom prst="rect">
+            <a:avLst/>
+          </a:prstGeom>
+        </p:spPr>
+        <p:txBody>
+          <a:bodyPr>
+            <a:spAutoFit/>
+          </a:bodyPr>
+          <a:lstStyle/>
+          <a:p>
+            <a:pPr>
+              <a:spcAft>
+                <a:spcPts val="0"/>
+              </a:spcAft>
+            </a:pPr>
+            <a:r>
+              <a:rPr lang="en-US" dirty="0">
+                <a:latin typeface="Courier New" charset="0"/>
+                <a:ea typeface="Calibri" charset="0"/>
+                <a:cs typeface="Times New Roman" charset="0"/>
+              </a:rPr>
+              <a:t>proxy / web1.local:80 web2.local:90 web3.local:100 {</a:t>
+            </a:r>
+            <a:endParaRPr lang="en-US" sz="2800" dirty="0">
+              <a:latin typeface="Calibri" charset="0"/>
+              <a:ea typeface="Calibri" charset="0"/>
+              <a:cs typeface="Times New Roman" charset="0"/>
+            </a:endParaRPr>
+          </a:p>
+          <a:p>
+            <a:pPr>
+              <a:spcAft>
+                <a:spcPts val="0"/>
+              </a:spcAft>
+            </a:pPr>
+            <a:r>
+              <a:rPr lang="en-US" dirty="0">
+                <a:latin typeface="Courier New" charset="0"/>
+                <a:ea typeface="Calibri" charset="0"/>
+                <a:cs typeface="Times New Roman" charset="0"/>
+              </a:rPr>
+              <a:t>	policy </a:t>
+            </a:r>
+            <a:r>
+              <a:rPr lang="en-US" dirty="0" err="1">
+                <a:latin typeface="Courier New" charset="0"/>
+                <a:ea typeface="Calibri" charset="0"/>
+                <a:cs typeface="Times New Roman" charset="0"/>
+              </a:rPr>
+              <a:t>round_robin</a:t>
+            </a:r>
+            <a:endParaRPr lang="en-US" sz="2800" dirty="0">
+              <a:latin typeface="Calibri" charset="0"/>
+              <a:ea typeface="Calibri" charset="0"/>
+              <a:cs typeface="Times New Roman" charset="0"/>
+            </a:endParaRPr>
+          </a:p>
+          <a:p>
+            <a:pPr>
+              <a:spcAft>
+                <a:spcPts val="0"/>
+              </a:spcAft>
+            </a:pPr>
+            <a:r>
+              <a:rPr lang="en-US" dirty="0">
+                <a:latin typeface="Courier New" charset="0"/>
+                <a:ea typeface="Calibri" charset="0"/>
+                <a:cs typeface="Times New Roman" charset="0"/>
+              </a:rPr>
+              <a:t>	</a:t>
+            </a:r>
+            <a:r>
+              <a:rPr lang="en-US" dirty="0" err="1">
+                <a:latin typeface="Courier New" charset="0"/>
+                <a:ea typeface="Calibri" charset="0"/>
+                <a:cs typeface="Times New Roman" charset="0"/>
+              </a:rPr>
+              <a:t>health_check</a:t>
+            </a:r>
+            <a:r>
+              <a:rPr lang="en-US" dirty="0">
+                <a:latin typeface="Courier New" charset="0"/>
+                <a:ea typeface="Calibri" charset="0"/>
+                <a:cs typeface="Times New Roman" charset="0"/>
+              </a:rPr>
+              <a:t> /health</a:t>
+            </a:r>
+            <a:endParaRPr lang="en-US" sz="2800" dirty="0">
+              <a:latin typeface="Calibri" charset="0"/>
+              <a:ea typeface="Calibri" charset="0"/>
+              <a:cs typeface="Times New Roman" charset="0"/>
+            </a:endParaRPr>
+          </a:p>
+          <a:p>
+            <a:pPr>
+              <a:spcAft>
+                <a:spcPts val="0"/>
+              </a:spcAft>
+            </a:pPr>
+            <a:r>
+              <a:rPr lang="en-US" dirty="0">
+                <a:latin typeface="Courier New" charset="0"/>
+                <a:ea typeface="Calibri" charset="0"/>
+                <a:cs typeface="Times New Roman" charset="0"/>
+              </a:rPr>
+              <a:t>	</a:t>
+            </a:r>
+            <a:r>
+              <a:rPr lang="en-US" dirty="0" err="1">
+                <a:latin typeface="Courier New" charset="0"/>
+                <a:ea typeface="Calibri" charset="0"/>
+                <a:cs typeface="Times New Roman" charset="0"/>
+              </a:rPr>
+              <a:t>proxy_header</a:t>
+            </a:r>
+            <a:r>
+              <a:rPr lang="en-US" dirty="0">
+                <a:latin typeface="Courier New" charset="0"/>
+                <a:ea typeface="Calibri" charset="0"/>
+                <a:cs typeface="Times New Roman" charset="0"/>
+              </a:rPr>
+              <a:t> Host {host}</a:t>
+            </a:r>
+            <a:endParaRPr lang="en-US" sz="2800" dirty="0">
+              <a:latin typeface="Calibri" charset="0"/>
+              <a:ea typeface="Calibri" charset="0"/>
+              <a:cs typeface="Times New Roman" charset="0"/>
+            </a:endParaRPr>
+          </a:p>
+          <a:p>
+            <a:pPr>
+              <a:spcAft>
+                <a:spcPts val="0"/>
+              </a:spcAft>
+            </a:pPr>
+            <a:r>
+              <a:rPr lang="en-US" dirty="0">
+                <a:latin typeface="Courier New" charset="0"/>
+                <a:ea typeface="Calibri" charset="0"/>
+                <a:cs typeface="Times New Roman" charset="0"/>
+              </a:rPr>
+              <a:t>	</a:t>
+            </a:r>
+            <a:r>
+              <a:rPr lang="en-US" dirty="0" err="1">
+                <a:latin typeface="Courier New" charset="0"/>
+                <a:ea typeface="Calibri" charset="0"/>
+                <a:cs typeface="Times New Roman" charset="0"/>
+              </a:rPr>
+              <a:t>proxy_header</a:t>
+            </a:r>
+            <a:r>
+              <a:rPr lang="en-US" dirty="0">
+                <a:latin typeface="Courier New" charset="0"/>
+                <a:ea typeface="Calibri" charset="0"/>
+                <a:cs typeface="Times New Roman" charset="0"/>
+              </a:rPr>
+              <a:t> X-Real-IP {remote}</a:t>
+            </a:r>
+            <a:endParaRPr lang="en-US" sz="2800" dirty="0">
+              <a:latin typeface="Calibri" charset="0"/>
+              <a:ea typeface="Calibri" charset="0"/>
+              <a:cs typeface="Times New Roman" charset="0"/>
+            </a:endParaRPr>
+          </a:p>
+          <a:p>
+            <a:pPr>
+              <a:spcAft>
+                <a:spcPts val="0"/>
+              </a:spcAft>
+            </a:pPr>
+            <a:r>
+              <a:rPr lang="en-US" dirty="0">
+                <a:latin typeface="Courier New" charset="0"/>
+                <a:ea typeface="Calibri" charset="0"/>
+                <a:cs typeface="Times New Roman" charset="0"/>
+              </a:rPr>
+              <a:t>	</a:t>
+            </a:r>
+            <a:r>
+              <a:rPr lang="en-US" dirty="0" err="1">
+                <a:latin typeface="Courier New" charset="0"/>
+                <a:ea typeface="Calibri" charset="0"/>
+                <a:cs typeface="Times New Roman" charset="0"/>
+              </a:rPr>
+              <a:t>proxy_header</a:t>
+            </a:r>
+            <a:r>
+              <a:rPr lang="en-US" dirty="0">
+                <a:latin typeface="Courier New" charset="0"/>
+                <a:ea typeface="Calibri" charset="0"/>
+                <a:cs typeface="Times New Roman" charset="0"/>
+              </a:rPr>
+              <a:t> X-Forwarded-Proto {scheme}</a:t>
+            </a:r>
+            <a:endParaRPr lang="en-US" sz="2800" dirty="0">
+              <a:latin typeface="Calibri" charset="0"/>
+              <a:ea typeface="Calibri" charset="0"/>
+              <a:cs typeface="Times New Roman" charset="0"/>
+            </a:endParaRPr>
+          </a:p>
+          <a:p>
+            <a:pPr>
+              <a:spcAft>
+                <a:spcPts val="0"/>
+              </a:spcAft>
+            </a:pPr>
+            <a:r>
+              <a:rPr lang="en-US" dirty="0">
+                <a:latin typeface="Courier New" charset="0"/>
+                <a:ea typeface="Calibri" charset="0"/>
+                <a:cs typeface="Times New Roman" charset="0"/>
+              </a:rPr>
+              <a:t>}</a:t>
+            </a:r>
+            <a:endParaRPr lang="en-US" sz="2800" dirty="0">
+              <a:latin typeface="Calibri" charset="0"/>
+              <a:ea typeface="Calibri" charset="0"/>
+              <a:cs typeface="Times New Roman" charset="0"/>
+            </a:endParaRPr>
+          </a:p>
+          <a:p>
+            <a:pPr>
+              <a:spcAft>
+                <a:spcPts val="0"/>
+              </a:spcAft>
+            </a:pPr>
+            <a:r>
+              <a:rPr lang="en-US" dirty="0">
+                <a:latin typeface="Courier New" charset="0"/>
+                <a:ea typeface="Calibri" charset="0"/>
+                <a:cs typeface="Times New Roman" charset="0"/>
+              </a:rPr>
+              <a:t> </a:t>
+            </a:r>
+            <a:endParaRPr lang="en-US" sz="2800" dirty="0">
+              <a:latin typeface="Calibri" charset="0"/>
+              <a:ea typeface="Calibri" charset="0"/>
+              <a:cs typeface="Times New Roman" charset="0"/>
+            </a:endParaRPr>
+          </a:p>
+          <a:p>
+            <a:pPr>
+              <a:spcAft>
+                <a:spcPts val="0"/>
+              </a:spcAft>
+            </a:pPr>
+            <a:r>
+              <a:rPr lang="en-US" b="1" dirty="0">
+                <a:latin typeface="Courier New" charset="0"/>
+                <a:ea typeface="Calibri" charset="0"/>
+                <a:cs typeface="Times New Roman" charset="0"/>
+              </a:rPr>
+              <a:t>Proxy </a:t>
+            </a:r>
+            <a:r>
+              <a:rPr lang="en-US" b="1" dirty="0" err="1">
+                <a:latin typeface="Courier New" charset="0"/>
+                <a:ea typeface="Calibri" charset="0"/>
+                <a:cs typeface="Times New Roman" charset="0"/>
+              </a:rPr>
+              <a:t>WebSocket</a:t>
+            </a:r>
+            <a:r>
+              <a:rPr lang="en-US" b="1" dirty="0">
+                <a:latin typeface="Courier New" charset="0"/>
+                <a:ea typeface="Calibri" charset="0"/>
+                <a:cs typeface="Times New Roman" charset="0"/>
+              </a:rPr>
+              <a:t> connections:</a:t>
+            </a:r>
+            <a:endParaRPr lang="en-US" sz="2800" b="1" dirty="0">
+              <a:latin typeface="Calibri" charset="0"/>
+              <a:ea typeface="Calibri" charset="0"/>
+              <a:cs typeface="Times New Roman" charset="0"/>
+            </a:endParaRPr>
+          </a:p>
+          <a:p>
+            <a:pPr>
+              <a:spcAft>
+                <a:spcPts val="0"/>
+              </a:spcAft>
+            </a:pPr>
+            <a:r>
+              <a:rPr lang="en-US" dirty="0">
+                <a:latin typeface="Courier New" charset="0"/>
+                <a:ea typeface="Calibri" charset="0"/>
+                <a:cs typeface="Times New Roman" charset="0"/>
+              </a:rPr>
+              <a:t>proxy / localhost:8080 {</a:t>
+            </a:r>
+            <a:endParaRPr lang="en-US" sz="2800" dirty="0">
+              <a:latin typeface="Calibri" charset="0"/>
+              <a:ea typeface="Calibri" charset="0"/>
+              <a:cs typeface="Times New Roman" charset="0"/>
+            </a:endParaRPr>
+          </a:p>
+          <a:p>
+            <a:pPr>
+              <a:spcAft>
+                <a:spcPts val="0"/>
+              </a:spcAft>
+            </a:pPr>
+            <a:r>
+              <a:rPr lang="en-US" dirty="0">
+                <a:latin typeface="Courier New" charset="0"/>
+                <a:ea typeface="Calibri" charset="0"/>
+                <a:cs typeface="Times New Roman" charset="0"/>
+              </a:rPr>
+              <a:t>	</a:t>
+            </a:r>
+            <a:r>
+              <a:rPr lang="en-US" dirty="0" err="1">
+                <a:latin typeface="Courier New" charset="0"/>
+                <a:ea typeface="Calibri" charset="0"/>
+                <a:cs typeface="Times New Roman" charset="0"/>
+              </a:rPr>
+              <a:t>websocket</a:t>
+            </a:r>
+            <a:endParaRPr lang="en-US" sz="2800" dirty="0">
+              <a:latin typeface="Calibri" charset="0"/>
+              <a:ea typeface="Calibri" charset="0"/>
+              <a:cs typeface="Times New Roman" charset="0"/>
+            </a:endParaRPr>
+          </a:p>
+          <a:p>
+            <a:pPr>
+              <a:spcAft>
+                <a:spcPts val="0"/>
+              </a:spcAft>
+            </a:pPr>
+            <a:r>
+              <a:rPr lang="en-US" dirty="0">
+                <a:latin typeface="Courier New" charset="0"/>
+                <a:ea typeface="Calibri" charset="0"/>
+                <a:cs typeface="Times New Roman" charset="0"/>
+              </a:rPr>
+              <a:t>}</a:t>
+            </a:r>
+            <a:endParaRPr lang="en-US" sz="2800" dirty="0">
+              <a:latin typeface="Calibri" charset="0"/>
+              <a:ea typeface="Calibri" charset="0"/>
+              <a:cs typeface="Times New Roman" charset="0"/>
+            </a:endParaRPr>
+          </a:p>
+          <a:p>
+            <a:pPr>
+              <a:spcAft>
+                <a:spcPts val="0"/>
+              </a:spcAft>
+            </a:pPr>
+            <a:r>
+              <a:rPr lang="en-US" dirty="0">
+                <a:latin typeface="Courier New" charset="0"/>
+                <a:ea typeface="Calibri" charset="0"/>
+                <a:cs typeface="Times New Roman" charset="0"/>
+              </a:rPr>
+              <a:t> </a:t>
+            </a:r>
+            <a:endParaRPr lang="en-US" sz="2800" dirty="0">
+              <a:latin typeface="Calibri" charset="0"/>
+              <a:ea typeface="Calibri" charset="0"/>
+              <a:cs typeface="Times New Roman" charset="0"/>
+            </a:endParaRPr>
+          </a:p>
+          <a:p>
+            <a:pPr>
+              <a:spcAft>
+                <a:spcPts val="0"/>
+              </a:spcAft>
+            </a:pPr>
+            <a:r>
+              <a:rPr lang="en-US" b="1" dirty="0">
+                <a:latin typeface="Courier New" charset="0"/>
+                <a:ea typeface="Calibri" charset="0"/>
+                <a:cs typeface="Times New Roman" charset="0"/>
+              </a:rPr>
+              <a:t>Proxy everything except requests to /static or /</a:t>
+            </a:r>
+            <a:r>
+              <a:rPr lang="en-US" b="1" dirty="0" err="1">
+                <a:latin typeface="Courier New" charset="0"/>
+                <a:ea typeface="Calibri" charset="0"/>
+                <a:cs typeface="Times New Roman" charset="0"/>
+              </a:rPr>
+              <a:t>robots.txt</a:t>
+            </a:r>
+            <a:r>
+              <a:rPr lang="en-US" b="1" dirty="0" smtClean="0">
+                <a:latin typeface="Courier New" charset="0"/>
+                <a:ea typeface="Calibri" charset="0"/>
+                <a:cs typeface="Times New Roman" charset="0"/>
+              </a:rPr>
+              <a:t>:</a:t>
+            </a:r>
+          </a:p>
+          <a:p>
+            <a:pPr>
+              <a:spcAft>
+                <a:spcPts val="0"/>
+              </a:spcAft>
+            </a:pPr>
+            <a:endParaRPr lang="en-US" sz="2800" b="1" dirty="0">
+              <a:latin typeface="Calibri" charset="0"/>
+              <a:ea typeface="Calibri" charset="0"/>
+              <a:cs typeface="Times New Roman" charset="0"/>
+            </a:endParaRPr>
+          </a:p>
+          <a:p>
+            <a:pPr>
+              <a:spcAft>
+                <a:spcPts val="0"/>
+              </a:spcAft>
+            </a:pPr>
+            <a:r>
+              <a:rPr lang="en-US" dirty="0">
+                <a:latin typeface="Courier New" charset="0"/>
+                <a:ea typeface="Calibri" charset="0"/>
+                <a:cs typeface="Times New Roman" charset="0"/>
+              </a:rPr>
+              <a:t>proxy / backend:1234 {</a:t>
+            </a:r>
+            <a:endParaRPr lang="en-US" sz="2800" dirty="0">
+              <a:latin typeface="Calibri" charset="0"/>
+              <a:ea typeface="Calibri" charset="0"/>
+              <a:cs typeface="Times New Roman" charset="0"/>
+            </a:endParaRPr>
+          </a:p>
+          <a:p>
+            <a:pPr>
+              <a:spcAft>
+                <a:spcPts val="0"/>
+              </a:spcAft>
+            </a:pPr>
+            <a:r>
+              <a:rPr lang="en-US" dirty="0">
+                <a:latin typeface="Courier New" charset="0"/>
+                <a:ea typeface="Calibri" charset="0"/>
+                <a:cs typeface="Times New Roman" charset="0"/>
+              </a:rPr>
+              <a:t>	except /static /</a:t>
+            </a:r>
+            <a:r>
+              <a:rPr lang="en-US" dirty="0" err="1">
+                <a:latin typeface="Courier New" charset="0"/>
+                <a:ea typeface="Calibri" charset="0"/>
+                <a:cs typeface="Times New Roman" charset="0"/>
+              </a:rPr>
+              <a:t>robots.txt</a:t>
+            </a:r>
+            <a:endParaRPr lang="en-US" sz="2800" dirty="0">
+              <a:latin typeface="Calibri" charset="0"/>
+              <a:ea typeface="Calibri" charset="0"/>
+              <a:cs typeface="Times New Roman" charset="0"/>
+            </a:endParaRPr>
+          </a:p>
+          <a:p>
+            <a:pPr>
+              <a:spcAft>
+                <a:spcPts val="0"/>
+              </a:spcAft>
+            </a:pPr>
+            <a:r>
+              <a:rPr lang="en-US" dirty="0">
+                <a:latin typeface="Courier New" charset="0"/>
+                <a:ea typeface="Calibri" charset="0"/>
+                <a:cs typeface="Times New Roman" charset="0"/>
+              </a:rPr>
+              <a:t>}</a:t>
+            </a:r>
+            <a:endParaRPr lang="en-US" sz="2800" dirty="0">
+              <a:effectLst/>
+              <a:latin typeface="Calibri" charset="0"/>
+              <a:ea typeface="Calibri" charset="0"/>
+              <a:cs typeface="Times New Roman" charset="0"/>
+            </a:endParaRPr>
+          </a:p>
+        </p:txBody>
+      </p:sp>
+    </p:spTree>
+    <p:extLst>
+      <p:ext uri="{BB962C8B-B14F-4D97-AF65-F5344CB8AC3E}">
+        <p14:creationId xmlns:p14="http://schemas.microsoft.com/office/powerpoint/2010/main" val="315915884"/>
+      </p:ext>
+    </p:extLst>
+  </p:cSld>
+  <p:clrMapOvr>
+    <a:masterClrMapping/>
+  </p:clrMapOvr>
+  <p:timing>
+    <p:tnLst>
+      <p:par>
+        <p:cTn id="1" dur="indefinite" restart="never" nodeType="tmRoot"/>
+      </p:par>
+    </p:tnLst>
+  </p:timing>
+</p:sld>
+</file>
+
+<file path=ppt/slides/slide18.xml><?xml version="1.0" encoding="utf-8"?>
+<p:sld xmlns:a="http://schemas.openxmlformats.org/drawingml/2006/main" xmlns:r="http://schemas.openxmlformats.org/officeDocument/2006/relationships" xmlns:p="http://schemas.openxmlformats.org/presentationml/2006/main">
+  <p:cSld>
+    <p:spTree>
+      <p:nvGrpSpPr>
+        <p:cNvPr id="1" name=""/>
+        <p:cNvGrpSpPr/>
+        <p:nvPr/>
+      </p:nvGrpSpPr>
+      <p:grpSpPr>
+        <a:xfrm>
+          <a:off x="0" y="0"/>
+          <a:ext cx="0" cy="0"/>
+          <a:chOff x="0" y="0"/>
+          <a:chExt cx="0" cy="0"/>
+        </a:xfrm>
+      </p:grpSpPr>
+      <p:sp>
+        <p:nvSpPr>
+          <p:cNvPr id="2" name="Rectangle 1"/>
+          <p:cNvSpPr/>
+          <p:nvPr/>
+        </p:nvSpPr>
+        <p:spPr>
+          <a:xfrm>
+            <a:off x="404190" y="264541"/>
+            <a:ext cx="11642035" cy="830997"/>
+          </a:xfrm>
+          <a:prstGeom prst="rect">
+            <a:avLst/>
+          </a:prstGeom>
+        </p:spPr>
+        <p:txBody>
+          <a:bodyPr wrap="square">
+            <a:spAutoFit/>
+          </a:bodyPr>
+          <a:lstStyle/>
+          <a:p>
+            <a:r>
               <a:rPr lang="en-US" sz="4800" b="1" dirty="0" smtClean="0"/>
               <a:t>Logs</a:t>
             </a:r>
@@ -18524,7 +19156,7 @@
 </p:sld>
 </file>
 
-<file path=ppt/slides/slide17.xml><?xml version="1.0" encoding="utf-8"?>
+<file path=ppt/slides/slide19.xml><?xml version="1.0" encoding="utf-8"?>
 <p:sld xmlns:a="http://schemas.openxmlformats.org/drawingml/2006/main" xmlns:r="http://schemas.openxmlformats.org/officeDocument/2006/relationships" xmlns:p="http://schemas.openxmlformats.org/presentationml/2006/main">
   <p:cSld>
     <p:spTree>
@@ -18680,11 +19312,7 @@
             </a:pPr>
             <a:r>
               <a:rPr lang="en-US" sz="3200" dirty="0" smtClean="0"/>
-              <a:t>Getting </a:t>
-            </a:r>
-            <a:r>
-              <a:rPr lang="en-US" sz="3200" dirty="0" smtClean="0"/>
-              <a:t>Started</a:t>
+              <a:t>Getting Started</a:t>
             </a:r>
           </a:p>
           <a:p>
@@ -18746,6 +19374,36 @@
           </a:prstGeom>
         </p:spPr>
       </p:pic>
+      <p:pic>
+        <p:nvPicPr>
+          <p:cNvPr id="2" name="Picture 1"/>
+          <p:cNvPicPr>
+            <a:picLocks noChangeAspect="1"/>
+          </p:cNvPicPr>
+          <p:nvPr/>
+        </p:nvPicPr>
+        <p:blipFill>
+          <a:blip r:embed="rId3">
+            <a:extLst>
+              <a:ext uri="{28A0092B-C50C-407E-A947-70E740481C1C}">
+                <a14:useLocalDpi xmlns:a14="http://schemas.microsoft.com/office/drawing/2010/main" val="0"/>
+              </a:ext>
+            </a:extLst>
+          </a:blip>
+          <a:stretch>
+            <a:fillRect/>
+          </a:stretch>
+        </p:blipFill>
+        <p:spPr>
+          <a:xfrm>
+            <a:off x="0" y="3954319"/>
+            <a:ext cx="12166600" cy="889000"/>
+          </a:xfrm>
+          <a:prstGeom prst="rect">
+            <a:avLst/>
+          </a:prstGeom>
+        </p:spPr>
+      </p:pic>
     </p:spTree>
     <p:extLst>
       <p:ext uri="{BB962C8B-B14F-4D97-AF65-F5344CB8AC3E}">
@@ -18767,6 +19425,163 @@
 </file>
 
 <file path=ppt/slides/slide3.xml><?xml version="1.0" encoding="utf-8"?>
+<p:sld xmlns:a="http://schemas.openxmlformats.org/drawingml/2006/main" xmlns:r="http://schemas.openxmlformats.org/officeDocument/2006/relationships" xmlns:p="http://schemas.openxmlformats.org/presentationml/2006/main">
+  <p:cSld>
+    <p:spTree>
+      <p:nvGrpSpPr>
+        <p:cNvPr id="1" name=""/>
+        <p:cNvGrpSpPr/>
+        <p:nvPr/>
+      </p:nvGrpSpPr>
+      <p:grpSpPr>
+        <a:xfrm>
+          <a:off x="0" y="0"/>
+          <a:ext cx="0" cy="0"/>
+          <a:chOff x="0" y="0"/>
+          <a:chExt cx="0" cy="0"/>
+        </a:xfrm>
+      </p:grpSpPr>
+      <p:pic>
+        <p:nvPicPr>
+          <p:cNvPr id="5" name="Picture 4"/>
+          <p:cNvPicPr>
+            <a:picLocks noChangeAspect="1"/>
+          </p:cNvPicPr>
+          <p:nvPr/>
+        </p:nvPicPr>
+        <p:blipFill>
+          <a:blip r:embed="rId2">
+            <a:extLst>
+              <a:ext uri="{28A0092B-C50C-407E-A947-70E740481C1C}">
+                <a14:useLocalDpi xmlns:a14="http://schemas.microsoft.com/office/drawing/2010/main" val="0"/>
+              </a:ext>
+            </a:extLst>
+          </a:blip>
+          <a:stretch>
+            <a:fillRect/>
+          </a:stretch>
+        </p:blipFill>
+        <p:spPr>
+          <a:xfrm>
+            <a:off x="6265942" y="0"/>
+            <a:ext cx="5926058" cy="6858000"/>
+          </a:xfrm>
+          <a:prstGeom prst="rect">
+            <a:avLst/>
+          </a:prstGeom>
+        </p:spPr>
+      </p:pic>
+      <p:pic>
+        <p:nvPicPr>
+          <p:cNvPr id="6" name="Picture 5"/>
+          <p:cNvPicPr>
+            <a:picLocks noChangeAspect="1"/>
+          </p:cNvPicPr>
+          <p:nvPr/>
+        </p:nvPicPr>
+        <p:blipFill>
+          <a:blip r:embed="rId3">
+            <a:extLst>
+              <a:ext uri="{28A0092B-C50C-407E-A947-70E740481C1C}">
+                <a14:useLocalDpi xmlns:a14="http://schemas.microsoft.com/office/drawing/2010/main" val="0"/>
+              </a:ext>
+            </a:extLst>
+          </a:blip>
+          <a:stretch>
+            <a:fillRect/>
+          </a:stretch>
+        </p:blipFill>
+        <p:spPr>
+          <a:xfrm>
+            <a:off x="0" y="0"/>
+            <a:ext cx="6265942" cy="6858000"/>
+          </a:xfrm>
+          <a:prstGeom prst="rect">
+            <a:avLst/>
+          </a:prstGeom>
+        </p:spPr>
+      </p:pic>
+    </p:spTree>
+    <p:extLst>
+      <p:ext uri="{BB962C8B-B14F-4D97-AF65-F5344CB8AC3E}">
+        <p14:creationId xmlns:p14="http://schemas.microsoft.com/office/powerpoint/2010/main" val="395908350"/>
+      </p:ext>
+    </p:extLst>
+  </p:cSld>
+  <p:clrMapOvr>
+    <a:masterClrMapping/>
+  </p:clrMapOvr>
+  <p:timing>
+    <p:tnLst>
+      <p:par>
+        <p:cTn id="1" dur="indefinite" restart="never" nodeType="tmRoot"/>
+      </p:par>
+    </p:tnLst>
+  </p:timing>
+</p:sld>
+</file>
+
+<file path=ppt/slides/slide4.xml><?xml version="1.0" encoding="utf-8"?>
+<p:sld xmlns:a="http://schemas.openxmlformats.org/drawingml/2006/main" xmlns:r="http://schemas.openxmlformats.org/officeDocument/2006/relationships" xmlns:p="http://schemas.openxmlformats.org/presentationml/2006/main">
+  <p:cSld>
+    <p:spTree>
+      <p:nvGrpSpPr>
+        <p:cNvPr id="1" name=""/>
+        <p:cNvGrpSpPr/>
+        <p:nvPr/>
+      </p:nvGrpSpPr>
+      <p:grpSpPr>
+        <a:xfrm>
+          <a:off x="0" y="0"/>
+          <a:ext cx="0" cy="0"/>
+          <a:chOff x="0" y="0"/>
+          <a:chExt cx="0" cy="0"/>
+        </a:xfrm>
+      </p:grpSpPr>
+      <p:pic>
+        <p:nvPicPr>
+          <p:cNvPr id="4" name="Picture 3"/>
+          <p:cNvPicPr>
+            <a:picLocks noChangeAspect="1"/>
+          </p:cNvPicPr>
+          <p:nvPr/>
+        </p:nvPicPr>
+        <p:blipFill>
+          <a:blip r:embed="rId2">
+            <a:extLst>
+              <a:ext uri="{28A0092B-C50C-407E-A947-70E740481C1C}">
+                <a14:useLocalDpi xmlns:a14="http://schemas.microsoft.com/office/drawing/2010/main" val="0"/>
+              </a:ext>
+            </a:extLst>
+          </a:blip>
+          <a:stretch>
+            <a:fillRect/>
+          </a:stretch>
+        </p:blipFill>
+        <p:spPr>
+          <a:xfrm>
+            <a:off x="2438400" y="1385455"/>
+            <a:ext cx="6985000" cy="3060700"/>
+          </a:xfrm>
+          <a:prstGeom prst="rect">
+            <a:avLst/>
+          </a:prstGeom>
+        </p:spPr>
+      </p:pic>
+    </p:spTree>
+    <p:extLst>
+      <p:ext uri="{BB962C8B-B14F-4D97-AF65-F5344CB8AC3E}">
+        <p14:creationId xmlns:p14="http://schemas.microsoft.com/office/powerpoint/2010/main" val="431318078"/>
+      </p:ext>
+    </p:extLst>
+  </p:cSld>
+  <p:clrMapOvr>
+    <a:masterClrMapping/>
+  </p:clrMapOvr>
+</p:sld>
+</file>
+
+<file path=ppt/slides/slide5.xml><?xml version="1.0" encoding="utf-8"?>
 <p:sld xmlns:a="http://schemas.openxmlformats.org/drawingml/2006/main" xmlns:r="http://schemas.openxmlformats.org/officeDocument/2006/relationships" xmlns:p="http://schemas.openxmlformats.org/presentationml/2006/main">
   <p:cSld>
     <p:spTree>
@@ -18935,7 +19750,7 @@
 </p:sld>
 </file>
 
-<file path=ppt/slides/slide4.xml><?xml version="1.0" encoding="utf-8"?>
+<file path=ppt/slides/slide6.xml><?xml version="1.0" encoding="utf-8"?>
 <p:sld xmlns:a="http://schemas.openxmlformats.org/drawingml/2006/main" xmlns:r="http://schemas.openxmlformats.org/officeDocument/2006/relationships" xmlns:p="http://schemas.openxmlformats.org/presentationml/2006/main">
   <p:cSld>
     <p:spTree>
@@ -19060,7 +19875,7 @@
 </p:sld>
 </file>
 
-<file path=ppt/slides/slide5.xml><?xml version="1.0" encoding="utf-8"?>
+<file path=ppt/slides/slide7.xml><?xml version="1.0" encoding="utf-8"?>
 <p:sld xmlns:a="http://schemas.openxmlformats.org/drawingml/2006/main" xmlns:r="http://schemas.openxmlformats.org/officeDocument/2006/relationships" xmlns:p="http://schemas.openxmlformats.org/presentationml/2006/main">
   <p:cSld>
     <p:spTree>
@@ -19859,7 +20674,7 @@
 </p:sld>
 </file>
 
-<file path=ppt/slides/slide6.xml><?xml version="1.0" encoding="utf-8"?>
+<file path=ppt/slides/slide8.xml><?xml version="1.0" encoding="utf-8"?>
 <p:sld xmlns:a="http://schemas.openxmlformats.org/drawingml/2006/main" xmlns:r="http://schemas.openxmlformats.org/officeDocument/2006/relationships" xmlns:p="http://schemas.openxmlformats.org/presentationml/2006/main">
   <p:cSld>
     <p:spTree>
@@ -19981,7 +20796,7 @@
 </p:sld>
 </file>
 
-<file path=ppt/slides/slide7.xml><?xml version="1.0" encoding="utf-8"?>
+<file path=ppt/slides/slide9.xml><?xml version="1.0" encoding="utf-8"?>
 <p:sld xmlns:a="http://schemas.openxmlformats.org/drawingml/2006/main" xmlns:r="http://schemas.openxmlformats.org/officeDocument/2006/relationships" xmlns:p="http://schemas.openxmlformats.org/presentationml/2006/main">
   <p:cSld>
     <p:spTree>
@@ -20162,524 +20977,6 @@
     <p:extLst>
       <p:ext uri="{BB962C8B-B14F-4D97-AF65-F5344CB8AC3E}">
         <p14:creationId xmlns:p14="http://schemas.microsoft.com/office/powerpoint/2010/main" val="2080200196"/>
-      </p:ext>
-    </p:extLst>
-  </p:cSld>
-  <p:clrMapOvr>
-    <a:masterClrMapping/>
-  </p:clrMapOvr>
-  <p:timing>
-    <p:tnLst>
-      <p:par>
-        <p:cTn id="1" dur="indefinite" restart="never" nodeType="tmRoot"/>
-      </p:par>
-    </p:tnLst>
-  </p:timing>
-</p:sld>
-</file>
-
-<file path=ppt/slides/slide8.xml><?xml version="1.0" encoding="utf-8"?>
-<p:sld xmlns:a="http://schemas.openxmlformats.org/drawingml/2006/main" xmlns:r="http://schemas.openxmlformats.org/officeDocument/2006/relationships" xmlns:p="http://schemas.openxmlformats.org/presentationml/2006/main">
-  <p:cSld>
-    <p:spTree>
-      <p:nvGrpSpPr>
-        <p:cNvPr id="1" name=""/>
-        <p:cNvGrpSpPr/>
-        <p:nvPr/>
-      </p:nvGrpSpPr>
-      <p:grpSpPr>
-        <a:xfrm>
-          <a:off x="0" y="0"/>
-          <a:ext cx="0" cy="0"/>
-          <a:chOff x="0" y="0"/>
-          <a:chExt cx="0" cy="0"/>
-        </a:xfrm>
-      </p:grpSpPr>
-      <p:sp>
-        <p:nvSpPr>
-          <p:cNvPr id="2" name="TextBox 1"/>
-          <p:cNvSpPr txBox="1"/>
-          <p:nvPr/>
-        </p:nvSpPr>
-        <p:spPr>
-          <a:xfrm>
-            <a:off x="278296" y="258417"/>
-            <a:ext cx="5367130" cy="769441"/>
-          </a:xfrm>
-          <a:prstGeom prst="rect">
-            <a:avLst/>
-          </a:prstGeom>
-          <a:noFill/>
-        </p:spPr>
-        <p:txBody>
-          <a:bodyPr wrap="square" rtlCol="0">
-            <a:spAutoFit/>
-          </a:bodyPr>
-          <a:lstStyle/>
-          <a:p>
-            <a:r>
-              <a:rPr lang="en-US" sz="4400" b="1" dirty="0" smtClean="0"/>
-              <a:t>Template</a:t>
-            </a:r>
-            <a:endParaRPr lang="en-US" sz="4400" b="1" dirty="0"/>
-          </a:p>
-        </p:txBody>
-      </p:sp>
-      <p:sp>
-        <p:nvSpPr>
-          <p:cNvPr id="3" name="Rectangle 2"/>
-          <p:cNvSpPr/>
-          <p:nvPr/>
-        </p:nvSpPr>
-        <p:spPr>
-          <a:xfrm>
-            <a:off x="278296" y="1027858"/>
-            <a:ext cx="10396330" cy="3785652"/>
-          </a:xfrm>
-          <a:prstGeom prst="rect">
-            <a:avLst/>
-          </a:prstGeom>
-        </p:spPr>
-        <p:txBody>
-          <a:bodyPr wrap="square">
-            <a:spAutoFit/>
-          </a:bodyPr>
-          <a:lstStyle/>
-          <a:p>
-            <a:r>
-              <a:rPr lang="en-US" sz="2400" b="1" dirty="0"/>
-              <a:t>Include another file:</a:t>
-            </a:r>
-            <a:endParaRPr lang="en-US" sz="2400" dirty="0"/>
-          </a:p>
-          <a:p>
-            <a:r>
-              <a:rPr lang="en-US" sz="2400" dirty="0"/>
-              <a:t>{{.Include "path/to/</a:t>
-            </a:r>
-            <a:r>
-              <a:rPr lang="en-US" sz="2400" dirty="0" err="1"/>
-              <a:t>file.html</a:t>
-            </a:r>
-            <a:r>
-              <a:rPr lang="en-US" sz="2400" dirty="0"/>
-              <a:t>"}} </a:t>
-            </a:r>
-            <a:endParaRPr lang="en-US" sz="2400" dirty="0" smtClean="0"/>
-          </a:p>
-          <a:p>
-            <a:r>
-              <a:rPr lang="en-US" sz="2400" b="1" dirty="0" smtClean="0"/>
-              <a:t>Include </a:t>
-            </a:r>
-            <a:r>
-              <a:rPr lang="en-US" sz="2400" b="1" dirty="0"/>
-              <a:t>and render a Markdown </a:t>
-            </a:r>
-            <a:r>
-              <a:rPr lang="en-US" sz="2400" b="1" dirty="0" smtClean="0"/>
-              <a:t>file</a:t>
-            </a:r>
-          </a:p>
-          <a:p>
-            <a:r>
-              <a:rPr lang="en-US" sz="2400" dirty="0" smtClean="0"/>
-              <a:t>{{.</a:t>
-            </a:r>
-            <a:r>
-              <a:rPr lang="en-US" sz="2400" dirty="0"/>
-              <a:t>Markdown "path/to/</a:t>
-            </a:r>
-            <a:r>
-              <a:rPr lang="en-US" sz="2400" dirty="0" err="1"/>
-              <a:t>file.md</a:t>
-            </a:r>
-            <a:r>
-              <a:rPr lang="en-US" sz="2400" dirty="0"/>
-              <a:t>"}} </a:t>
-            </a:r>
-            <a:endParaRPr lang="en-US" sz="2400" dirty="0" smtClean="0"/>
-          </a:p>
-          <a:p>
-            <a:r>
-              <a:rPr lang="en-US" sz="2400" b="1" dirty="0" smtClean="0"/>
-              <a:t>Show </a:t>
-            </a:r>
-            <a:r>
-              <a:rPr lang="en-US" sz="2400" b="1" dirty="0"/>
-              <a:t>current timestamp:</a:t>
-            </a:r>
-            <a:r>
-              <a:rPr lang="en-US" sz="2400" dirty="0"/>
-              <a:t> (</a:t>
-            </a:r>
-            <a:r>
-              <a:rPr lang="en-US" sz="2400" dirty="0">
-                <a:hlinkClick r:id="rId2"/>
-              </a:rPr>
-              <a:t>format</a:t>
-            </a:r>
-            <a:r>
-              <a:rPr lang="en-US" sz="2400" dirty="0"/>
-              <a:t>)</a:t>
-            </a:r>
-          </a:p>
-          <a:p>
-            <a:r>
-              <a:rPr lang="en-US" sz="2400" dirty="0"/>
-              <a:t>{{.Now "Monday, 2 Jan 2006"}} </a:t>
-            </a:r>
-            <a:endParaRPr lang="en-US" sz="2400" dirty="0" smtClean="0"/>
-          </a:p>
-          <a:p>
-            <a:r>
-              <a:rPr lang="en-US" sz="2400" b="1" dirty="0" smtClean="0"/>
-              <a:t>Cookie </a:t>
-            </a:r>
-            <a:r>
-              <a:rPr lang="en-US" sz="2400" b="1" dirty="0"/>
-              <a:t>value:</a:t>
-            </a:r>
-            <a:endParaRPr lang="en-US" sz="2400" dirty="0"/>
-          </a:p>
-          <a:p>
-            <a:r>
-              <a:rPr lang="en-US" sz="2400" dirty="0"/>
-              <a:t>{{.Cookie "name"}} </a:t>
-            </a:r>
-            <a:endParaRPr lang="en-US" sz="2400" dirty="0" smtClean="0"/>
-          </a:p>
-          <a:p>
-            <a:r>
-              <a:rPr lang="en-US" sz="2400" b="1" dirty="0" smtClean="0"/>
-              <a:t>Header </a:t>
-            </a:r>
-            <a:r>
-              <a:rPr lang="en-US" sz="2400" b="1" dirty="0"/>
-              <a:t>field value:</a:t>
-            </a:r>
-            <a:endParaRPr lang="en-US" sz="2400" dirty="0"/>
-          </a:p>
-          <a:p>
-            <a:r>
-              <a:rPr lang="en-US" sz="2400" dirty="0"/>
-              <a:t>{{.Header "name"}} </a:t>
-            </a:r>
-            <a:endParaRPr lang="en-US" sz="2400" dirty="0" smtClean="0"/>
-          </a:p>
-        </p:txBody>
-      </p:sp>
-      <p:sp>
-        <p:nvSpPr>
-          <p:cNvPr id="4" name="Rectangle 3"/>
-          <p:cNvSpPr/>
-          <p:nvPr/>
-        </p:nvSpPr>
-        <p:spPr>
-          <a:xfrm>
-            <a:off x="6937513" y="1027858"/>
-            <a:ext cx="6096000" cy="4524315"/>
-          </a:xfrm>
-          <a:prstGeom prst="rect">
-            <a:avLst/>
-          </a:prstGeom>
-        </p:spPr>
-        <p:txBody>
-          <a:bodyPr>
-            <a:spAutoFit/>
-          </a:bodyPr>
-          <a:lstStyle/>
-          <a:p>
-            <a:r>
-              <a:rPr lang="en-US" sz="2400" b="1" dirty="0"/>
-              <a:t>Visitor's IP:</a:t>
-            </a:r>
-            <a:endParaRPr lang="en-US" sz="2400" dirty="0"/>
-          </a:p>
-          <a:p>
-            <a:r>
-              <a:rPr lang="en-US" sz="2400" dirty="0"/>
-              <a:t>{{.IP}} </a:t>
-            </a:r>
-          </a:p>
-          <a:p>
-            <a:r>
-              <a:rPr lang="en-US" sz="2400" b="1" dirty="0"/>
-              <a:t>Request URI:</a:t>
-            </a:r>
-            <a:endParaRPr lang="en-US" sz="2400" dirty="0"/>
-          </a:p>
-          <a:p>
-            <a:r>
-              <a:rPr lang="en-US" sz="2400" dirty="0"/>
-              <a:t>{{.URI}} </a:t>
-            </a:r>
-          </a:p>
-          <a:p>
-            <a:r>
-              <a:rPr lang="en-US" sz="2400" b="1" dirty="0"/>
-              <a:t>Host portion of request:</a:t>
-            </a:r>
-            <a:endParaRPr lang="en-US" sz="2400" dirty="0"/>
-          </a:p>
-          <a:p>
-            <a:r>
-              <a:rPr lang="en-US" sz="2400" dirty="0"/>
-              <a:t>{{.Host}} </a:t>
-            </a:r>
-          </a:p>
-          <a:p>
-            <a:r>
-              <a:rPr lang="en-US" sz="2400" b="1" dirty="0"/>
-              <a:t>Port portion of request:</a:t>
-            </a:r>
-            <a:endParaRPr lang="en-US" sz="2400" dirty="0"/>
-          </a:p>
-          <a:p>
-            <a:r>
-              <a:rPr lang="en-US" sz="2400" dirty="0"/>
-              <a:t>{{.Port}} </a:t>
-            </a:r>
-          </a:p>
-          <a:p>
-            <a:r>
-              <a:rPr lang="en-US" sz="2400" b="1" dirty="0"/>
-              <a:t>Request method:</a:t>
-            </a:r>
-            <a:endParaRPr lang="en-US" sz="2400" dirty="0"/>
-          </a:p>
-          <a:p>
-            <a:r>
-              <a:rPr lang="en-US" sz="2400" dirty="0"/>
-              <a:t>{{.Method</a:t>
-            </a:r>
-            <a:r>
-              <a:rPr lang="en-US" sz="2400" dirty="0" smtClean="0"/>
-              <a:t>}}</a:t>
-            </a:r>
-          </a:p>
-          <a:p>
-            <a:r>
-              <a:rPr lang="en-US" sz="2400" b="1" dirty="0"/>
-              <a:t>A part of the URL:</a:t>
-            </a:r>
-            <a:endParaRPr lang="en-US" sz="2400" dirty="0"/>
-          </a:p>
-          <a:p>
-            <a:r>
-              <a:rPr lang="en-US" sz="2400" dirty="0"/>
-              <a:t>{{.</a:t>
-            </a:r>
-            <a:r>
-              <a:rPr lang="en-US" sz="2400" dirty="0" err="1"/>
-              <a:t>URL.RawQuery</a:t>
-            </a:r>
-            <a:r>
-              <a:rPr lang="en-US" sz="2400" dirty="0"/>
-              <a:t>}}</a:t>
-            </a:r>
-          </a:p>
-        </p:txBody>
-      </p:sp>
-    </p:spTree>
-    <p:extLst>
-      <p:ext uri="{BB962C8B-B14F-4D97-AF65-F5344CB8AC3E}">
-        <p14:creationId xmlns:p14="http://schemas.microsoft.com/office/powerpoint/2010/main" val="1475998953"/>
-      </p:ext>
-    </p:extLst>
-  </p:cSld>
-  <p:clrMapOvr>
-    <a:masterClrMapping/>
-  </p:clrMapOvr>
-  <p:timing>
-    <p:tnLst>
-      <p:par>
-        <p:cTn id="1" dur="indefinite" restart="never" nodeType="tmRoot"/>
-      </p:par>
-    </p:tnLst>
-  </p:timing>
-</p:sld>
-</file>
-
-<file path=ppt/slides/slide9.xml><?xml version="1.0" encoding="utf-8"?>
-<p:sld xmlns:a="http://schemas.openxmlformats.org/drawingml/2006/main" xmlns:r="http://schemas.openxmlformats.org/officeDocument/2006/relationships" xmlns:p="http://schemas.openxmlformats.org/presentationml/2006/main">
-  <p:cSld>
-    <p:spTree>
-      <p:nvGrpSpPr>
-        <p:cNvPr id="1" name=""/>
-        <p:cNvGrpSpPr/>
-        <p:nvPr/>
-      </p:nvGrpSpPr>
-      <p:grpSpPr>
-        <a:xfrm>
-          <a:off x="0" y="0"/>
-          <a:ext cx="0" cy="0"/>
-          <a:chOff x="0" y="0"/>
-          <a:chExt cx="0" cy="0"/>
-        </a:xfrm>
-      </p:grpSpPr>
-      <p:sp>
-        <p:nvSpPr>
-          <p:cNvPr id="2" name="Rectangle 1"/>
-          <p:cNvSpPr/>
-          <p:nvPr/>
-        </p:nvSpPr>
-        <p:spPr>
-          <a:xfrm>
-            <a:off x="404190" y="264541"/>
-            <a:ext cx="11642035" cy="1692771"/>
-          </a:xfrm>
-          <a:prstGeom prst="rect">
-            <a:avLst/>
-          </a:prstGeom>
-        </p:spPr>
-        <p:txBody>
-          <a:bodyPr wrap="square">
-            <a:spAutoFit/>
-          </a:bodyPr>
-          <a:lstStyle/>
-          <a:p>
-            <a:r>
-              <a:rPr lang="en-US" sz="4800" b="1" dirty="0"/>
-              <a:t>browse</a:t>
-            </a:r>
-            <a:endParaRPr lang="en-US" sz="2800" b="1" dirty="0"/>
-          </a:p>
-          <a:p>
-            <a:r>
-              <a:rPr lang="en-US" sz="2800" dirty="0">
-                <a:solidFill>
-                  <a:srgbClr val="0070C0"/>
-                </a:solidFill>
-              </a:rPr>
-              <a:t>browse enables directory browsing within the specified base path. It displays a file listing for directories which don't have an index file in them</a:t>
-            </a:r>
-          </a:p>
-        </p:txBody>
-      </p:sp>
-      <p:sp>
-        <p:nvSpPr>
-          <p:cNvPr id="4" name="Rectangle 3"/>
-          <p:cNvSpPr/>
-          <p:nvPr/>
-        </p:nvSpPr>
-        <p:spPr>
-          <a:xfrm>
-            <a:off x="411212" y="1957312"/>
-            <a:ext cx="4594528" cy="461665"/>
-          </a:xfrm>
-          <a:prstGeom prst="rect">
-            <a:avLst/>
-          </a:prstGeom>
-        </p:spPr>
-        <p:txBody>
-          <a:bodyPr wrap="none">
-            <a:spAutoFit/>
-          </a:bodyPr>
-          <a:lstStyle/>
-          <a:p>
-            <a:r>
-              <a:rPr lang="en-US" sz="2400" dirty="0"/>
-              <a:t>browse /photos ../</a:t>
-            </a:r>
-            <a:r>
-              <a:rPr lang="en-US" sz="2400" dirty="0" err="1"/>
-              <a:t>photo_album.tpl</a:t>
-            </a:r>
-            <a:endParaRPr lang="en-US" sz="2400" dirty="0"/>
-          </a:p>
-        </p:txBody>
-      </p:sp>
-      <p:sp>
-        <p:nvSpPr>
-          <p:cNvPr id="5" name="Rectangle 4"/>
-          <p:cNvSpPr/>
-          <p:nvPr/>
-        </p:nvSpPr>
-        <p:spPr>
-          <a:xfrm>
-            <a:off x="411212" y="2326644"/>
-            <a:ext cx="3772058" cy="1200329"/>
-          </a:xfrm>
-          <a:prstGeom prst="rect">
-            <a:avLst/>
-          </a:prstGeom>
-        </p:spPr>
-        <p:txBody>
-          <a:bodyPr wrap="none">
-            <a:spAutoFit/>
-          </a:bodyPr>
-          <a:lstStyle/>
-          <a:p>
-            <a:r>
-              <a:rPr lang="en-US" sz="2400" dirty="0" smtClean="0"/>
-              <a:t>Response: </a:t>
-            </a:r>
-            <a:endParaRPr lang="en-US" sz="2400" dirty="0"/>
-          </a:p>
-          <a:p>
-            <a:pPr marL="342900" indent="-342900">
-              <a:buFontTx/>
-              <a:buChar char="-"/>
-            </a:pPr>
-            <a:r>
-              <a:rPr lang="en-US" sz="2400" dirty="0" smtClean="0"/>
-              <a:t>Template Format (HTML)</a:t>
-            </a:r>
-          </a:p>
-          <a:p>
-            <a:pPr marL="342900" indent="-342900">
-              <a:buFontTx/>
-              <a:buChar char="-"/>
-            </a:pPr>
-            <a:r>
-              <a:rPr lang="en-US" sz="2400" dirty="0"/>
-              <a:t>JSON Response</a:t>
-            </a:r>
-            <a:endParaRPr lang="en-US" sz="2400" dirty="0" smtClean="0"/>
-          </a:p>
-        </p:txBody>
-      </p:sp>
-      <p:sp>
-        <p:nvSpPr>
-          <p:cNvPr id="8" name="Rectangle 7"/>
-          <p:cNvSpPr/>
-          <p:nvPr/>
-        </p:nvSpPr>
-        <p:spPr>
-          <a:xfrm>
-            <a:off x="411212" y="3526973"/>
-            <a:ext cx="7655044" cy="461665"/>
-          </a:xfrm>
-          <a:prstGeom prst="rect">
-            <a:avLst/>
-          </a:prstGeom>
-        </p:spPr>
-        <p:txBody>
-          <a:bodyPr wrap="none">
-            <a:spAutoFit/>
-          </a:bodyPr>
-          <a:lstStyle/>
-          <a:p>
-            <a:r>
-              <a:rPr lang="en-US" sz="2400" dirty="0"/>
-              <a:t>$ curl -H "Accept: application/</a:t>
-            </a:r>
-            <a:r>
-              <a:rPr lang="en-US" sz="2400" dirty="0" err="1"/>
-              <a:t>json</a:t>
-            </a:r>
-            <a:r>
-              <a:rPr lang="en-US" sz="2400" dirty="0"/>
-              <a:t>" 'localhost:2015/?limit=1'</a:t>
-            </a:r>
-          </a:p>
-        </p:txBody>
-      </p:sp>
-    </p:spTree>
-    <p:extLst>
-      <p:ext uri="{BB962C8B-B14F-4D97-AF65-F5344CB8AC3E}">
-        <p14:creationId xmlns:p14="http://schemas.microsoft.com/office/powerpoint/2010/main" val="183360808"/>
       </p:ext>
     </p:extLst>
   </p:cSld>
